--- a/reports/Group 4 - Project One .pptx
+++ b/reports/Group 4 - Project One .pptx
@@ -1,45 +1,52 @@
 
 <file path=ppt/presentation.xml><?xml version="1.0" encoding="utf-8"?>
-<p:presentation xmlns:a="http://schemas.openxmlformats.org/drawingml/2006/main" xmlns:r="http://schemas.openxmlformats.org/officeDocument/2006/relationships" xmlns:mc="http://schemas.openxmlformats.org/markup-compatibility/2006" xmlns:mv="urn:schemas-microsoft-com:mac:vml" xmlns:p="http://schemas.openxmlformats.org/presentationml/2006/main" xmlns:c="http://schemas.openxmlformats.org/drawingml/2006/chart" xmlns:dgm="http://schemas.openxmlformats.org/drawingml/2006/diagram" xmlns:o="urn:schemas-microsoft-com:office:office" xmlns:v="urn:schemas-microsoft-com:vml" xmlns:pvml="urn:schemas-microsoft-com:office:powerpoint" xmlns:com="http://schemas.openxmlformats.org/drawingml/2006/compatibility" xmlns:p14="http://schemas.microsoft.com/office/powerpoint/2010/main" xmlns:p15="http://schemas.microsoft.com/office/powerpoint/2012/main" xmlns:ahyp="http://schemas.microsoft.com/office/drawing/2018/hyperlinkcolor" autoCompressPictures="0" embedTrueTypeFonts="1" strictFirstAndLastChars="0" saveSubsetFonts="1">
+<p:presentation xmlns:a="http://schemas.openxmlformats.org/drawingml/2006/main" xmlns:r="http://schemas.openxmlformats.org/officeDocument/2006/relationships" xmlns:p="http://schemas.openxmlformats.org/presentationml/2006/main" strictFirstAndLastChars="0" embedTrueTypeFonts="1" saveSubsetFonts="1" autoCompressPictures="0">
   <p:sldMasterIdLst>
-    <p:sldMasterId id="2147483659" r:id="rId4"/>
+    <p:sldMasterId id="2147483659" r:id="rId1"/>
   </p:sldMasterIdLst>
   <p:notesMasterIdLst>
-    <p:notesMasterId r:id="rId5"/>
+    <p:notesMasterId r:id="rId11"/>
   </p:notesMasterIdLst>
   <p:sldIdLst>
-    <p:sldId id="256" r:id="rId6"/>
-    <p:sldId id="257" r:id="rId7"/>
-    <p:sldId id="258" r:id="rId8"/>
-    <p:sldId id="259" r:id="rId9"/>
-    <p:sldId id="260" r:id="rId10"/>
-    <p:sldId id="261" r:id="rId11"/>
-    <p:sldId id="262" r:id="rId12"/>
-    <p:sldId id="263" r:id="rId13"/>
-    <p:sldId id="264" r:id="rId14"/>
+    <p:sldId id="256" r:id="rId2"/>
+    <p:sldId id="257" r:id="rId3"/>
+    <p:sldId id="258" r:id="rId4"/>
+    <p:sldId id="259" r:id="rId5"/>
+    <p:sldId id="260" r:id="rId6"/>
+    <p:sldId id="261" r:id="rId7"/>
+    <p:sldId id="262" r:id="rId8"/>
+    <p:sldId id="263" r:id="rId9"/>
+    <p:sldId id="264" r:id="rId10"/>
   </p:sldIdLst>
-  <p:sldSz cy="5143500" cx="9144000"/>
+  <p:sldSz cx="9144000" cy="5143500" type="screen16x9"/>
   <p:notesSz cx="6858000" cy="9144000"/>
   <p:embeddedFontLst>
     <p:embeddedFont>
-      <p:font typeface="Oswald Regular"/>
-      <p:regular r:id="rId15"/>
-      <p:bold r:id="rId16"/>
+      <p:font typeface="Calibri" panose="020F0502020204030204" pitchFamily="34" charset="0"/>
+      <p:regular r:id="rId12"/>
+      <p:bold r:id="rId13"/>
+      <p:italic r:id="rId14"/>
+      <p:boldItalic r:id="rId15"/>
     </p:embeddedFont>
     <p:embeddedFont>
-      <p:font typeface="Nunito"/>
+      <p:font typeface="Bree Serif" panose="020B0604020202020204" charset="0"/>
+      <p:regular r:id="rId16"/>
+    </p:embeddedFont>
+    <p:embeddedFont>
+      <p:font typeface="Nunito" panose="020B0604020202020204" charset="0"/>
       <p:regular r:id="rId17"/>
       <p:bold r:id="rId18"/>
       <p:italic r:id="rId19"/>
       <p:boldItalic r:id="rId20"/>
     </p:embeddedFont>
     <p:embeddedFont>
-      <p:font typeface="Bree Serif"/>
+      <p:font typeface="Oswald Regular" panose="020B0604020202020204" charset="0"/>
       <p:regular r:id="rId21"/>
+      <p:bold r:id="rId22"/>
     </p:embeddedFont>
   </p:embeddedFontLst>
   <p:defaultTextStyle>
-    <a:defPPr lvl="0" marR="0" rtl="0" algn="l">
+    <a:defPPr marR="0" lvl="0" algn="l" rtl="0">
       <a:lnSpc>
         <a:spcPct val="100000"/>
       </a:lnSpc>
@@ -50,7 +57,7 @@
         <a:spcPts val="0"/>
       </a:spcAft>
     </a:defPPr>
-    <a:lvl1pPr lvl="0" marR="0" rtl="0" algn="l">
+    <a:lvl1pPr marR="0" lvl="0" algn="l" rtl="0">
       <a:lnSpc>
         <a:spcPct val="100000"/>
       </a:lnSpc>
@@ -64,7 +71,7 @@
         <a:srgbClr val="000000"/>
       </a:buClr>
       <a:buFont typeface="Arial"/>
-      <a:defRPr b="0" i="0" sz="1400" u="none" cap="none" strike="noStrike">
+      <a:defRPr sz="1400" b="0" i="0" u="none" strike="noStrike" cap="none">
         <a:solidFill>
           <a:srgbClr val="000000"/>
         </a:solidFill>
@@ -74,7 +81,7 @@
         <a:sym typeface="Arial"/>
       </a:defRPr>
     </a:lvl1pPr>
-    <a:lvl2pPr lvl="1" marR="0" rtl="0" algn="l">
+    <a:lvl2pPr marR="0" lvl="1" algn="l" rtl="0">
       <a:lnSpc>
         <a:spcPct val="100000"/>
       </a:lnSpc>
@@ -88,7 +95,7 @@
         <a:srgbClr val="000000"/>
       </a:buClr>
       <a:buFont typeface="Arial"/>
-      <a:defRPr b="0" i="0" sz="1400" u="none" cap="none" strike="noStrike">
+      <a:defRPr sz="1400" b="0" i="0" u="none" strike="noStrike" cap="none">
         <a:solidFill>
           <a:srgbClr val="000000"/>
         </a:solidFill>
@@ -98,7 +105,7 @@
         <a:sym typeface="Arial"/>
       </a:defRPr>
     </a:lvl2pPr>
-    <a:lvl3pPr lvl="2" marR="0" rtl="0" algn="l">
+    <a:lvl3pPr marR="0" lvl="2" algn="l" rtl="0">
       <a:lnSpc>
         <a:spcPct val="100000"/>
       </a:lnSpc>
@@ -112,7 +119,7 @@
         <a:srgbClr val="000000"/>
       </a:buClr>
       <a:buFont typeface="Arial"/>
-      <a:defRPr b="0" i="0" sz="1400" u="none" cap="none" strike="noStrike">
+      <a:defRPr sz="1400" b="0" i="0" u="none" strike="noStrike" cap="none">
         <a:solidFill>
           <a:srgbClr val="000000"/>
         </a:solidFill>
@@ -122,7 +129,7 @@
         <a:sym typeface="Arial"/>
       </a:defRPr>
     </a:lvl3pPr>
-    <a:lvl4pPr lvl="3" marR="0" rtl="0" algn="l">
+    <a:lvl4pPr marR="0" lvl="3" algn="l" rtl="0">
       <a:lnSpc>
         <a:spcPct val="100000"/>
       </a:lnSpc>
@@ -136,7 +143,7 @@
         <a:srgbClr val="000000"/>
       </a:buClr>
       <a:buFont typeface="Arial"/>
-      <a:defRPr b="0" i="0" sz="1400" u="none" cap="none" strike="noStrike">
+      <a:defRPr sz="1400" b="0" i="0" u="none" strike="noStrike" cap="none">
         <a:solidFill>
           <a:srgbClr val="000000"/>
         </a:solidFill>
@@ -146,7 +153,7 @@
         <a:sym typeface="Arial"/>
       </a:defRPr>
     </a:lvl4pPr>
-    <a:lvl5pPr lvl="4" marR="0" rtl="0" algn="l">
+    <a:lvl5pPr marR="0" lvl="4" algn="l" rtl="0">
       <a:lnSpc>
         <a:spcPct val="100000"/>
       </a:lnSpc>
@@ -160,7 +167,7 @@
         <a:srgbClr val="000000"/>
       </a:buClr>
       <a:buFont typeface="Arial"/>
-      <a:defRPr b="0" i="0" sz="1400" u="none" cap="none" strike="noStrike">
+      <a:defRPr sz="1400" b="0" i="0" u="none" strike="noStrike" cap="none">
         <a:solidFill>
           <a:srgbClr val="000000"/>
         </a:solidFill>
@@ -170,7 +177,7 @@
         <a:sym typeface="Arial"/>
       </a:defRPr>
     </a:lvl5pPr>
-    <a:lvl6pPr lvl="5" marR="0" rtl="0" algn="l">
+    <a:lvl6pPr marR="0" lvl="5" algn="l" rtl="0">
       <a:lnSpc>
         <a:spcPct val="100000"/>
       </a:lnSpc>
@@ -184,7 +191,7 @@
         <a:srgbClr val="000000"/>
       </a:buClr>
       <a:buFont typeface="Arial"/>
-      <a:defRPr b="0" i="0" sz="1400" u="none" cap="none" strike="noStrike">
+      <a:defRPr sz="1400" b="0" i="0" u="none" strike="noStrike" cap="none">
         <a:solidFill>
           <a:srgbClr val="000000"/>
         </a:solidFill>
@@ -194,7 +201,7 @@
         <a:sym typeface="Arial"/>
       </a:defRPr>
     </a:lvl6pPr>
-    <a:lvl7pPr lvl="6" marR="0" rtl="0" algn="l">
+    <a:lvl7pPr marR="0" lvl="6" algn="l" rtl="0">
       <a:lnSpc>
         <a:spcPct val="100000"/>
       </a:lnSpc>
@@ -208,7 +215,7 @@
         <a:srgbClr val="000000"/>
       </a:buClr>
       <a:buFont typeface="Arial"/>
-      <a:defRPr b="0" i="0" sz="1400" u="none" cap="none" strike="noStrike">
+      <a:defRPr sz="1400" b="0" i="0" u="none" strike="noStrike" cap="none">
         <a:solidFill>
           <a:srgbClr val="000000"/>
         </a:solidFill>
@@ -218,7 +225,7 @@
         <a:sym typeface="Arial"/>
       </a:defRPr>
     </a:lvl7pPr>
-    <a:lvl8pPr lvl="7" marR="0" rtl="0" algn="l">
+    <a:lvl8pPr marR="0" lvl="7" algn="l" rtl="0">
       <a:lnSpc>
         <a:spcPct val="100000"/>
       </a:lnSpc>
@@ -232,7 +239,7 @@
         <a:srgbClr val="000000"/>
       </a:buClr>
       <a:buFont typeface="Arial"/>
-      <a:defRPr b="0" i="0" sz="1400" u="none" cap="none" strike="noStrike">
+      <a:defRPr sz="1400" b="0" i="0" u="none" strike="noStrike" cap="none">
         <a:solidFill>
           <a:srgbClr val="000000"/>
         </a:solidFill>
@@ -242,7 +249,7 @@
         <a:sym typeface="Arial"/>
       </a:defRPr>
     </a:lvl8pPr>
-    <a:lvl9pPr lvl="8" marR="0" rtl="0" algn="l">
+    <a:lvl9pPr marR="0" lvl="8" algn="l" rtl="0">
       <a:lnSpc>
         <a:spcPct val="100000"/>
       </a:lnSpc>
@@ -256,7 +263,7 @@
         <a:srgbClr val="000000"/>
       </a:buClr>
       <a:buFont typeface="Arial"/>
-      <a:defRPr b="0" i="0" sz="1400" u="none" cap="none" strike="noStrike">
+      <a:defRPr sz="1400" b="0" i="0" u="none" strike="noStrike" cap="none">
         <a:solidFill>
           <a:srgbClr val="000000"/>
         </a:solidFill>
@@ -269,7 +276,7 @@
   </p:defaultTextStyle>
   <p:extLst>
     <p:ext uri="{EFAFB233-063F-42B5-8137-9DF3F51BA10A}">
-      <p15:sldGuideLst>
+      <p15:sldGuideLst xmlns:ahyp="http://schemas.microsoft.com/office/drawing/2018/hyperlinkcolor" xmlns:p15="http://schemas.microsoft.com/office/powerpoint/2012/main" xmlns:p14="http://schemas.microsoft.com/office/powerpoint/2010/main" xmlns:com="http://schemas.openxmlformats.org/drawingml/2006/compatibility" xmlns:pvml="urn:schemas-microsoft-com:office:powerpoint" xmlns:v="urn:schemas-microsoft-com:vml" xmlns:o="urn:schemas-microsoft-com:office:office" xmlns:dgm="http://schemas.openxmlformats.org/drawingml/2006/diagram" xmlns:c="http://schemas.openxmlformats.org/drawingml/2006/chart" xmlns:mv="urn:schemas-microsoft-com:mac:vml" xmlns:mc="http://schemas.openxmlformats.org/markup-compatibility/2006" xmlns="">
         <p15:guide id="1" orient="horz" pos="1620">
           <p15:clr>
             <a:srgbClr val="A4A3A4"/>
@@ -287,11 +294,16 @@
 </file>
 
 <file path=ppt/notesMasters/notesMaster1.xml><?xml version="1.0" encoding="utf-8"?>
-<p:notesMaster xmlns:a="http://schemas.openxmlformats.org/drawingml/2006/main" xmlns:r="http://schemas.openxmlformats.org/officeDocument/2006/relationships" xmlns:mc="http://schemas.openxmlformats.org/markup-compatibility/2006" xmlns:mv="urn:schemas-microsoft-com:mac:vml" xmlns:p="http://schemas.openxmlformats.org/presentationml/2006/main" xmlns:c="http://schemas.openxmlformats.org/drawingml/2006/chart" xmlns:dgm="http://schemas.openxmlformats.org/drawingml/2006/diagram" xmlns:o="urn:schemas-microsoft-com:office:office" xmlns:v="urn:schemas-microsoft-com:vml" xmlns:pvml="urn:schemas-microsoft-com:office:powerpoint" xmlns:com="http://schemas.openxmlformats.org/drawingml/2006/compatibility" xmlns:p14="http://schemas.microsoft.com/office/powerpoint/2010/main" xmlns:p15="http://schemas.microsoft.com/office/powerpoint/2012/main" xmlns:ahyp="http://schemas.microsoft.com/office/drawing/2018/hyperlinkcolor">
+<p:notesMaster xmlns:a="http://schemas.openxmlformats.org/drawingml/2006/main" xmlns:r="http://schemas.openxmlformats.org/officeDocument/2006/relationships" xmlns:p="http://schemas.openxmlformats.org/presentationml/2006/main">
   <p:cSld>
+    <p:bg>
+      <p:bgRef idx="1001">
+        <a:schemeClr val="bg1"/>
+      </p:bgRef>
+    </p:bg>
     <p:spTree>
       <p:nvGrpSpPr>
-        <p:cNvPr id="2" name="Shape 2"/>
+        <p:cNvPr id="1" name="Shape 2"/>
         <p:cNvGrpSpPr/>
         <p:nvPr/>
       </p:nvGrpSpPr>
@@ -306,9 +318,11 @@
       <p:sp>
         <p:nvSpPr>
           <p:cNvPr id="3" name="Google Shape;3;n"/>
-          <p:cNvSpPr/>
+          <p:cNvSpPr>
+            <a:spLocks noGrp="1" noRot="1" noChangeAspect="1"/>
+          </p:cNvSpPr>
           <p:nvPr>
-            <p:ph idx="2" type="sldImg"/>
+            <p:ph type="sldImg" idx="2"/>
           </p:nvPr>
         </p:nvSpPr>
         <p:spPr>
@@ -317,9 +331,13 @@
             <a:ext cx="6096075" cy="3429000"/>
           </a:xfrm>
           <a:custGeom>
-            <a:rect b="b" l="l" r="r" t="t"/>
+            <a:avLst/>
+            <a:gdLst/>
+            <a:ahLst/>
+            <a:cxnLst/>
+            <a:rect l="l" t="t" r="r" b="b"/>
             <a:pathLst>
-              <a:path extrusionOk="0" h="120000" w="120000">
+              <a:path w="120000" h="120000" extrusionOk="0">
                 <a:moveTo>
                   <a:pt x="0" y="0"/>
                 </a:moveTo>
@@ -337,23 +355,25 @@
             </a:pathLst>
           </a:custGeom>
           <a:noFill/>
-          <a:ln cap="flat" cmpd="sng" w="9525">
+          <a:ln w="9525" cap="flat" cmpd="sng">
             <a:solidFill>
               <a:srgbClr val="000000"/>
             </a:solidFill>
             <a:prstDash val="solid"/>
             <a:round/>
-            <a:headEnd len="sm" w="sm" type="none"/>
-            <a:tailEnd len="sm" w="sm" type="none"/>
+            <a:headEnd type="none" w="sm" len="sm"/>
+            <a:tailEnd type="none" w="sm" len="sm"/>
           </a:ln>
         </p:spPr>
       </p:sp>
       <p:sp>
         <p:nvSpPr>
           <p:cNvPr id="4" name="Google Shape;4;n"/>
-          <p:cNvSpPr txBox="1"/>
+          <p:cNvSpPr txBox="1">
+            <a:spLocks noGrp="1"/>
+          </p:cNvSpPr>
           <p:nvPr>
-            <p:ph idx="1" type="body"/>
+            <p:ph type="body" idx="1"/>
           </p:nvPr>
         </p:nvSpPr>
         <p:spPr>
@@ -370,11 +390,11 @@
           </a:ln>
         </p:spPr>
         <p:txBody>
-          <a:bodyPr anchorCtr="0" anchor="t" bIns="91425" lIns="91425" spcFirstLastPara="1" rIns="91425" wrap="square" tIns="91425">
+          <a:bodyPr spcFirstLastPara="1" wrap="square" lIns="91425" tIns="91425" rIns="91425" bIns="91425" anchor="t" anchorCtr="0">
             <a:noAutofit/>
           </a:bodyPr>
           <a:lstStyle>
-            <a:lvl1pPr indent="-298450" lvl="0" marL="457200">
+            <a:lvl1pPr marL="457200" lvl="0" indent="-298450">
               <a:spcBef>
                 <a:spcPts val="0"/>
               </a:spcBef>
@@ -385,7 +405,7 @@
               <a:buChar char="●"/>
               <a:defRPr sz="1100"/>
             </a:lvl1pPr>
-            <a:lvl2pPr indent="-298450" lvl="1" marL="914400">
+            <a:lvl2pPr marL="914400" lvl="1" indent="-298450">
               <a:spcBef>
                 <a:spcPts val="0"/>
               </a:spcBef>
@@ -396,7 +416,7 @@
               <a:buChar char="○"/>
               <a:defRPr sz="1100"/>
             </a:lvl2pPr>
-            <a:lvl3pPr indent="-298450" lvl="2" marL="1371600">
+            <a:lvl3pPr marL="1371600" lvl="2" indent="-298450">
               <a:spcBef>
                 <a:spcPts val="0"/>
               </a:spcBef>
@@ -407,7 +427,7 @@
               <a:buChar char="■"/>
               <a:defRPr sz="1100"/>
             </a:lvl3pPr>
-            <a:lvl4pPr indent="-298450" lvl="3" marL="1828800">
+            <a:lvl4pPr marL="1828800" lvl="3" indent="-298450">
               <a:spcBef>
                 <a:spcPts val="0"/>
               </a:spcBef>
@@ -418,7 +438,7 @@
               <a:buChar char="●"/>
               <a:defRPr sz="1100"/>
             </a:lvl4pPr>
-            <a:lvl5pPr indent="-298450" lvl="4" marL="2286000">
+            <a:lvl5pPr marL="2286000" lvl="4" indent="-298450">
               <a:spcBef>
                 <a:spcPts val="0"/>
               </a:spcBef>
@@ -429,7 +449,7 @@
               <a:buChar char="○"/>
               <a:defRPr sz="1100"/>
             </a:lvl5pPr>
-            <a:lvl6pPr indent="-298450" lvl="5" marL="2743200">
+            <a:lvl6pPr marL="2743200" lvl="5" indent="-298450">
               <a:spcBef>
                 <a:spcPts val="0"/>
               </a:spcBef>
@@ -440,7 +460,7 @@
               <a:buChar char="■"/>
               <a:defRPr sz="1100"/>
             </a:lvl6pPr>
-            <a:lvl7pPr indent="-298450" lvl="6" marL="3200400">
+            <a:lvl7pPr marL="3200400" lvl="6" indent="-298450">
               <a:spcBef>
                 <a:spcPts val="0"/>
               </a:spcBef>
@@ -451,7 +471,7 @@
               <a:buChar char="●"/>
               <a:defRPr sz="1100"/>
             </a:lvl7pPr>
-            <a:lvl8pPr indent="-298450" lvl="7" marL="3657600">
+            <a:lvl8pPr marL="3657600" lvl="7" indent="-298450">
               <a:spcBef>
                 <a:spcPts val="0"/>
               </a:spcBef>
@@ -462,7 +482,7 @@
               <a:buChar char="○"/>
               <a:defRPr sz="1100"/>
             </a:lvl8pPr>
-            <a:lvl9pPr indent="-298450" lvl="8" marL="4114800">
+            <a:lvl9pPr marL="4114800" lvl="8" indent="-298450">
               <a:spcBef>
                 <a:spcPts val="0"/>
               </a:spcBef>
@@ -474,14 +494,21 @@
               <a:defRPr sz="1100"/>
             </a:lvl9pPr>
           </a:lstStyle>
-          <a:p/>
+          <a:p>
+            <a:endParaRPr/>
+          </a:p>
         </p:txBody>
       </p:sp>
     </p:spTree>
+    <p:extLst>
+      <p:ext uri="{BB962C8B-B14F-4D97-AF65-F5344CB8AC3E}">
+        <p14:creationId xmlns:p14="http://schemas.microsoft.com/office/powerpoint/2010/main" val="1594634471"/>
+      </p:ext>
+    </p:extLst>
   </p:cSld>
-  <p:clrMap accent1="accent1" accent2="accent2" accent3="accent3" accent4="accent4" accent5="accent5" accent6="accent6" bg1="lt1" bg2="dk2" tx1="dk1" tx2="lt2" folHlink="folHlink" hlink="hlink"/>
+  <p:clrMap bg1="lt1" tx1="dk1" bg2="dk2" tx2="lt2" accent1="accent1" accent2="accent2" accent3="accent3" accent4="accent4" accent5="accent5" accent6="accent6" hlink="hlink" folHlink="folHlink"/>
   <p:notesStyle>
-    <a:defPPr lvl="0" marR="0" rtl="0" algn="l">
+    <a:defPPr marR="0" lvl="0" algn="l" rtl="0">
       <a:lnSpc>
         <a:spcPct val="100000"/>
       </a:lnSpc>
@@ -492,7 +519,7 @@
         <a:spcPts val="0"/>
       </a:spcAft>
     </a:defPPr>
-    <a:lvl1pPr lvl="0" marR="0" rtl="0" algn="l">
+    <a:lvl1pPr marR="0" lvl="0" algn="l" rtl="0">
       <a:lnSpc>
         <a:spcPct val="100000"/>
       </a:lnSpc>
@@ -506,7 +533,7 @@
         <a:srgbClr val="000000"/>
       </a:buClr>
       <a:buFont typeface="Arial"/>
-      <a:defRPr b="0" i="0" sz="1400" u="none" cap="none" strike="noStrike">
+      <a:defRPr sz="1400" b="0" i="0" u="none" strike="noStrike" cap="none">
         <a:solidFill>
           <a:srgbClr val="000000"/>
         </a:solidFill>
@@ -516,7 +543,7 @@
         <a:sym typeface="Arial"/>
       </a:defRPr>
     </a:lvl1pPr>
-    <a:lvl2pPr lvl="1" marR="0" rtl="0" algn="l">
+    <a:lvl2pPr marR="0" lvl="1" algn="l" rtl="0">
       <a:lnSpc>
         <a:spcPct val="100000"/>
       </a:lnSpc>
@@ -530,7 +557,7 @@
         <a:srgbClr val="000000"/>
       </a:buClr>
       <a:buFont typeface="Arial"/>
-      <a:defRPr b="0" i="0" sz="1400" u="none" cap="none" strike="noStrike">
+      <a:defRPr sz="1400" b="0" i="0" u="none" strike="noStrike" cap="none">
         <a:solidFill>
           <a:srgbClr val="000000"/>
         </a:solidFill>
@@ -540,7 +567,7 @@
         <a:sym typeface="Arial"/>
       </a:defRPr>
     </a:lvl2pPr>
-    <a:lvl3pPr lvl="2" marR="0" rtl="0" algn="l">
+    <a:lvl3pPr marR="0" lvl="2" algn="l" rtl="0">
       <a:lnSpc>
         <a:spcPct val="100000"/>
       </a:lnSpc>
@@ -554,7 +581,7 @@
         <a:srgbClr val="000000"/>
       </a:buClr>
       <a:buFont typeface="Arial"/>
-      <a:defRPr b="0" i="0" sz="1400" u="none" cap="none" strike="noStrike">
+      <a:defRPr sz="1400" b="0" i="0" u="none" strike="noStrike" cap="none">
         <a:solidFill>
           <a:srgbClr val="000000"/>
         </a:solidFill>
@@ -564,7 +591,7 @@
         <a:sym typeface="Arial"/>
       </a:defRPr>
     </a:lvl3pPr>
-    <a:lvl4pPr lvl="3" marR="0" rtl="0" algn="l">
+    <a:lvl4pPr marR="0" lvl="3" algn="l" rtl="0">
       <a:lnSpc>
         <a:spcPct val="100000"/>
       </a:lnSpc>
@@ -578,7 +605,7 @@
         <a:srgbClr val="000000"/>
       </a:buClr>
       <a:buFont typeface="Arial"/>
-      <a:defRPr b="0" i="0" sz="1400" u="none" cap="none" strike="noStrike">
+      <a:defRPr sz="1400" b="0" i="0" u="none" strike="noStrike" cap="none">
         <a:solidFill>
           <a:srgbClr val="000000"/>
         </a:solidFill>
@@ -588,7 +615,7 @@
         <a:sym typeface="Arial"/>
       </a:defRPr>
     </a:lvl4pPr>
-    <a:lvl5pPr lvl="4" marR="0" rtl="0" algn="l">
+    <a:lvl5pPr marR="0" lvl="4" algn="l" rtl="0">
       <a:lnSpc>
         <a:spcPct val="100000"/>
       </a:lnSpc>
@@ -602,7 +629,7 @@
         <a:srgbClr val="000000"/>
       </a:buClr>
       <a:buFont typeface="Arial"/>
-      <a:defRPr b="0" i="0" sz="1400" u="none" cap="none" strike="noStrike">
+      <a:defRPr sz="1400" b="0" i="0" u="none" strike="noStrike" cap="none">
         <a:solidFill>
           <a:srgbClr val="000000"/>
         </a:solidFill>
@@ -612,7 +639,7 @@
         <a:sym typeface="Arial"/>
       </a:defRPr>
     </a:lvl5pPr>
-    <a:lvl6pPr lvl="5" marR="0" rtl="0" algn="l">
+    <a:lvl6pPr marR="0" lvl="5" algn="l" rtl="0">
       <a:lnSpc>
         <a:spcPct val="100000"/>
       </a:lnSpc>
@@ -626,7 +653,7 @@
         <a:srgbClr val="000000"/>
       </a:buClr>
       <a:buFont typeface="Arial"/>
-      <a:defRPr b="0" i="0" sz="1400" u="none" cap="none" strike="noStrike">
+      <a:defRPr sz="1400" b="0" i="0" u="none" strike="noStrike" cap="none">
         <a:solidFill>
           <a:srgbClr val="000000"/>
         </a:solidFill>
@@ -636,7 +663,7 @@
         <a:sym typeface="Arial"/>
       </a:defRPr>
     </a:lvl6pPr>
-    <a:lvl7pPr lvl="6" marR="0" rtl="0" algn="l">
+    <a:lvl7pPr marR="0" lvl="6" algn="l" rtl="0">
       <a:lnSpc>
         <a:spcPct val="100000"/>
       </a:lnSpc>
@@ -650,7 +677,7 @@
         <a:srgbClr val="000000"/>
       </a:buClr>
       <a:buFont typeface="Arial"/>
-      <a:defRPr b="0" i="0" sz="1400" u="none" cap="none" strike="noStrike">
+      <a:defRPr sz="1400" b="0" i="0" u="none" strike="noStrike" cap="none">
         <a:solidFill>
           <a:srgbClr val="000000"/>
         </a:solidFill>
@@ -660,7 +687,7 @@
         <a:sym typeface="Arial"/>
       </a:defRPr>
     </a:lvl7pPr>
-    <a:lvl8pPr lvl="7" marR="0" rtl="0" algn="l">
+    <a:lvl8pPr marR="0" lvl="7" algn="l" rtl="0">
       <a:lnSpc>
         <a:spcPct val="100000"/>
       </a:lnSpc>
@@ -674,7 +701,7 @@
         <a:srgbClr val="000000"/>
       </a:buClr>
       <a:buFont typeface="Arial"/>
-      <a:defRPr b="0" i="0" sz="1400" u="none" cap="none" strike="noStrike">
+      <a:defRPr sz="1400" b="0" i="0" u="none" strike="noStrike" cap="none">
         <a:solidFill>
           <a:srgbClr val="000000"/>
         </a:solidFill>
@@ -684,7 +711,7 @@
         <a:sym typeface="Arial"/>
       </a:defRPr>
     </a:lvl8pPr>
-    <a:lvl9pPr lvl="8" marR="0" rtl="0" algn="l">
+    <a:lvl9pPr marR="0" lvl="8" algn="l" rtl="0">
       <a:lnSpc>
         <a:spcPct val="100000"/>
       </a:lnSpc>
@@ -698,7 +725,7 @@
         <a:srgbClr val="000000"/>
       </a:buClr>
       <a:buFont typeface="Arial"/>
-      <a:defRPr b="0" i="0" sz="1400" u="none" cap="none" strike="noStrike">
+      <a:defRPr sz="1400" b="0" i="0" u="none" strike="noStrike" cap="none">
         <a:solidFill>
           <a:srgbClr val="000000"/>
         </a:solidFill>
@@ -713,11 +740,11 @@
 </file>
 
 <file path=ppt/notesSlides/notesSlide1.xml><?xml version="1.0" encoding="utf-8"?>
-<p:notes xmlns:a="http://schemas.openxmlformats.org/drawingml/2006/main" xmlns:r="http://schemas.openxmlformats.org/officeDocument/2006/relationships" xmlns:mc="http://schemas.openxmlformats.org/markup-compatibility/2006" xmlns:mv="urn:schemas-microsoft-com:mac:vml" xmlns:p="http://schemas.openxmlformats.org/presentationml/2006/main" xmlns:c="http://schemas.openxmlformats.org/drawingml/2006/chart" xmlns:dgm="http://schemas.openxmlformats.org/drawingml/2006/diagram" xmlns:o="urn:schemas-microsoft-com:office:office" xmlns:v="urn:schemas-microsoft-com:vml" xmlns:pvml="urn:schemas-microsoft-com:office:powerpoint" xmlns:com="http://schemas.openxmlformats.org/drawingml/2006/compatibility" xmlns:p14="http://schemas.microsoft.com/office/powerpoint/2010/main" xmlns:p15="http://schemas.microsoft.com/office/powerpoint/2012/main" xmlns:ahyp="http://schemas.microsoft.com/office/drawing/2018/hyperlinkcolor" showMasterPhAnim="0" showMasterSp="0">
+<p:notes xmlns:a="http://schemas.openxmlformats.org/drawingml/2006/main" xmlns:r="http://schemas.openxmlformats.org/officeDocument/2006/relationships" xmlns:p="http://schemas.openxmlformats.org/presentationml/2006/main" showMasterSp="0" showMasterPhAnim="0">
   <p:cSld>
     <p:spTree>
       <p:nvGrpSpPr>
-        <p:cNvPr id="124" name="Shape 124"/>
+        <p:cNvPr id="1" name="Shape 124"/>
         <p:cNvGrpSpPr/>
         <p:nvPr/>
       </p:nvGrpSpPr>
@@ -732,20 +759,26 @@
       <p:sp>
         <p:nvSpPr>
           <p:cNvPr id="125" name="Google Shape;125;p:notes"/>
-          <p:cNvSpPr/>
+          <p:cNvSpPr>
+            <a:spLocks noGrp="1" noRot="1" noChangeAspect="1"/>
+          </p:cNvSpPr>
           <p:nvPr>
-            <p:ph idx="2" type="sldImg"/>
+            <p:ph type="sldImg" idx="2"/>
           </p:nvPr>
         </p:nvSpPr>
         <p:spPr>
           <a:xfrm>
-            <a:off x="381300" y="685800"/>
-            <a:ext cx="6096075" cy="3429000"/>
+            <a:off x="381000" y="685800"/>
+            <a:ext cx="6096000" cy="3429000"/>
           </a:xfrm>
           <a:custGeom>
-            <a:rect b="b" l="l" r="r" t="t"/>
+            <a:avLst/>
+            <a:gdLst/>
+            <a:ahLst/>
+            <a:cxnLst/>
+            <a:rect l="l" t="t" r="r" b="b"/>
             <a:pathLst>
-              <a:path extrusionOk="0" h="120000" w="120000">
+              <a:path w="120000" h="120000" extrusionOk="0">
                 <a:moveTo>
                   <a:pt x="0" y="0"/>
                 </a:moveTo>
@@ -767,9 +800,11 @@
       <p:sp>
         <p:nvSpPr>
           <p:cNvPr id="126" name="Google Shape;126;p:notes"/>
-          <p:cNvSpPr txBox="1"/>
+          <p:cNvSpPr txBox="1">
+            <a:spLocks noGrp="1"/>
+          </p:cNvSpPr>
           <p:nvPr>
-            <p:ph idx="1" type="body"/>
+            <p:ph type="body" idx="1"/>
           </p:nvPr>
         </p:nvSpPr>
         <p:spPr>
@@ -782,12 +817,12 @@
           </a:prstGeom>
         </p:spPr>
         <p:txBody>
-          <a:bodyPr anchorCtr="0" anchor="t" bIns="91425" lIns="91425" spcFirstLastPara="1" rIns="91425" wrap="square" tIns="91425">
+          <a:bodyPr spcFirstLastPara="1" wrap="square" lIns="91425" tIns="91425" rIns="91425" bIns="91425" anchor="t" anchorCtr="0">
             <a:noAutofit/>
           </a:bodyPr>
           <a:lstStyle/>
           <a:p>
-            <a:pPr indent="0" lvl="0" marL="0" rtl="0" algn="l">
+            <a:pPr marL="0" lvl="0" indent="0" algn="l" rtl="0">
               <a:spcBef>
                 <a:spcPts val="0"/>
               </a:spcBef>
@@ -796,9 +831,6 @@
               </a:spcAft>
               <a:buNone/>
             </a:pPr>
-            <a:r>
-              <a:t/>
-            </a:r>
             <a:endParaRPr/>
           </a:p>
         </p:txBody>
@@ -812,11 +844,11 @@
 </file>
 
 <file path=ppt/notesSlides/notesSlide2.xml><?xml version="1.0" encoding="utf-8"?>
-<p:notes xmlns:a="http://schemas.openxmlformats.org/drawingml/2006/main" xmlns:r="http://schemas.openxmlformats.org/officeDocument/2006/relationships" xmlns:mc="http://schemas.openxmlformats.org/markup-compatibility/2006" xmlns:mv="urn:schemas-microsoft-com:mac:vml" xmlns:p="http://schemas.openxmlformats.org/presentationml/2006/main" xmlns:c="http://schemas.openxmlformats.org/drawingml/2006/chart" xmlns:dgm="http://schemas.openxmlformats.org/drawingml/2006/diagram" xmlns:o="urn:schemas-microsoft-com:office:office" xmlns:v="urn:schemas-microsoft-com:vml" xmlns:pvml="urn:schemas-microsoft-com:office:powerpoint" xmlns:com="http://schemas.openxmlformats.org/drawingml/2006/compatibility" xmlns:p14="http://schemas.microsoft.com/office/powerpoint/2010/main" xmlns:p15="http://schemas.microsoft.com/office/powerpoint/2012/main" xmlns:ahyp="http://schemas.microsoft.com/office/drawing/2018/hyperlinkcolor" showMasterPhAnim="0" showMasterSp="0">
+<p:notes xmlns:a="http://schemas.openxmlformats.org/drawingml/2006/main" xmlns:r="http://schemas.openxmlformats.org/officeDocument/2006/relationships" xmlns:p="http://schemas.openxmlformats.org/presentationml/2006/main" showMasterSp="0" showMasterPhAnim="0">
   <p:cSld>
     <p:spTree>
       <p:nvGrpSpPr>
-        <p:cNvPr id="130" name="Shape 130"/>
+        <p:cNvPr id="1" name="Shape 130"/>
         <p:cNvGrpSpPr/>
         <p:nvPr/>
       </p:nvGrpSpPr>
@@ -831,20 +863,26 @@
       <p:sp>
         <p:nvSpPr>
           <p:cNvPr id="131" name="Google Shape;131;g9690b02df2_10_10:notes"/>
-          <p:cNvSpPr/>
+          <p:cNvSpPr>
+            <a:spLocks noGrp="1" noRot="1" noChangeAspect="1"/>
+          </p:cNvSpPr>
           <p:nvPr>
-            <p:ph idx="2" type="sldImg"/>
+            <p:ph type="sldImg" idx="2"/>
           </p:nvPr>
         </p:nvSpPr>
         <p:spPr>
           <a:xfrm>
-            <a:off x="381300" y="685800"/>
+            <a:off x="381000" y="685800"/>
             <a:ext cx="6096000" cy="3429000"/>
           </a:xfrm>
           <a:custGeom>
-            <a:rect b="b" l="l" r="r" t="t"/>
+            <a:avLst/>
+            <a:gdLst/>
+            <a:ahLst/>
+            <a:cxnLst/>
+            <a:rect l="l" t="t" r="r" b="b"/>
             <a:pathLst>
-              <a:path extrusionOk="0" h="120000" w="120000">
+              <a:path w="120000" h="120000" extrusionOk="0">
                 <a:moveTo>
                   <a:pt x="0" y="0"/>
                 </a:moveTo>
@@ -866,9 +904,11 @@
       <p:sp>
         <p:nvSpPr>
           <p:cNvPr id="132" name="Google Shape;132;g9690b02df2_10_10:notes"/>
-          <p:cNvSpPr txBox="1"/>
+          <p:cNvSpPr txBox="1">
+            <a:spLocks noGrp="1"/>
+          </p:cNvSpPr>
           <p:nvPr>
-            <p:ph idx="1" type="body"/>
+            <p:ph type="body" idx="1"/>
           </p:nvPr>
         </p:nvSpPr>
         <p:spPr>
@@ -881,12 +921,12 @@
           </a:prstGeom>
         </p:spPr>
         <p:txBody>
-          <a:bodyPr anchorCtr="0" anchor="t" bIns="91425" lIns="91425" spcFirstLastPara="1" rIns="91425" wrap="square" tIns="91425">
+          <a:bodyPr spcFirstLastPara="1" wrap="square" lIns="91425" tIns="91425" rIns="91425" bIns="91425" anchor="t" anchorCtr="0">
             <a:noAutofit/>
           </a:bodyPr>
           <a:lstStyle/>
           <a:p>
-            <a:pPr indent="0" lvl="0" marL="0" rtl="0" algn="l">
+            <a:pPr marL="0" lvl="0" indent="0" algn="l" rtl="0">
               <a:spcBef>
                 <a:spcPts val="0"/>
               </a:spcBef>
@@ -895,9 +935,6 @@
               </a:spcAft>
               <a:buNone/>
             </a:pPr>
-            <a:r>
-              <a:t/>
-            </a:r>
             <a:endParaRPr/>
           </a:p>
         </p:txBody>
@@ -911,11 +948,11 @@
 </file>
 
 <file path=ppt/notesSlides/notesSlide3.xml><?xml version="1.0" encoding="utf-8"?>
-<p:notes xmlns:a="http://schemas.openxmlformats.org/drawingml/2006/main" xmlns:r="http://schemas.openxmlformats.org/officeDocument/2006/relationships" xmlns:mc="http://schemas.openxmlformats.org/markup-compatibility/2006" xmlns:mv="urn:schemas-microsoft-com:mac:vml" xmlns:p="http://schemas.openxmlformats.org/presentationml/2006/main" xmlns:c="http://schemas.openxmlformats.org/drawingml/2006/chart" xmlns:dgm="http://schemas.openxmlformats.org/drawingml/2006/diagram" xmlns:o="urn:schemas-microsoft-com:office:office" xmlns:v="urn:schemas-microsoft-com:vml" xmlns:pvml="urn:schemas-microsoft-com:office:powerpoint" xmlns:com="http://schemas.openxmlformats.org/drawingml/2006/compatibility" xmlns:p14="http://schemas.microsoft.com/office/powerpoint/2010/main" xmlns:p15="http://schemas.microsoft.com/office/powerpoint/2012/main" xmlns:ahyp="http://schemas.microsoft.com/office/drawing/2018/hyperlinkcolor" showMasterPhAnim="0" showMasterSp="0">
+<p:notes xmlns:a="http://schemas.openxmlformats.org/drawingml/2006/main" xmlns:r="http://schemas.openxmlformats.org/officeDocument/2006/relationships" xmlns:p="http://schemas.openxmlformats.org/presentationml/2006/main" showMasterSp="0" showMasterPhAnim="0">
   <p:cSld>
     <p:spTree>
       <p:nvGrpSpPr>
-        <p:cNvPr id="136" name="Shape 136"/>
+        <p:cNvPr id="1" name="Shape 136"/>
         <p:cNvGrpSpPr/>
         <p:nvPr/>
       </p:nvGrpSpPr>
@@ -930,20 +967,26 @@
       <p:sp>
         <p:nvSpPr>
           <p:cNvPr id="137" name="Google Shape;137;g9690b02df2_0_20:notes"/>
-          <p:cNvSpPr/>
+          <p:cNvSpPr>
+            <a:spLocks noGrp="1" noRot="1" noChangeAspect="1"/>
+          </p:cNvSpPr>
           <p:nvPr>
-            <p:ph idx="2" type="sldImg"/>
+            <p:ph type="sldImg" idx="2"/>
           </p:nvPr>
         </p:nvSpPr>
         <p:spPr>
           <a:xfrm>
-            <a:off x="381300" y="685800"/>
+            <a:off x="381000" y="685800"/>
             <a:ext cx="6096000" cy="3429000"/>
           </a:xfrm>
           <a:custGeom>
-            <a:rect b="b" l="l" r="r" t="t"/>
+            <a:avLst/>
+            <a:gdLst/>
+            <a:ahLst/>
+            <a:cxnLst/>
+            <a:rect l="l" t="t" r="r" b="b"/>
             <a:pathLst>
-              <a:path extrusionOk="0" h="120000" w="120000">
+              <a:path w="120000" h="120000" extrusionOk="0">
                 <a:moveTo>
                   <a:pt x="0" y="0"/>
                 </a:moveTo>
@@ -965,9 +1008,11 @@
       <p:sp>
         <p:nvSpPr>
           <p:cNvPr id="138" name="Google Shape;138;g9690b02df2_0_20:notes"/>
-          <p:cNvSpPr txBox="1"/>
+          <p:cNvSpPr txBox="1">
+            <a:spLocks noGrp="1"/>
+          </p:cNvSpPr>
           <p:nvPr>
-            <p:ph idx="1" type="body"/>
+            <p:ph type="body" idx="1"/>
           </p:nvPr>
         </p:nvSpPr>
         <p:spPr>
@@ -980,12 +1025,12 @@
           </a:prstGeom>
         </p:spPr>
         <p:txBody>
-          <a:bodyPr anchorCtr="0" anchor="t" bIns="91425" lIns="91425" spcFirstLastPara="1" rIns="91425" wrap="square" tIns="91425">
+          <a:bodyPr spcFirstLastPara="1" wrap="square" lIns="91425" tIns="91425" rIns="91425" bIns="91425" anchor="t" anchorCtr="0">
             <a:noAutofit/>
           </a:bodyPr>
           <a:lstStyle/>
           <a:p>
-            <a:pPr indent="0" lvl="0" marL="0" rtl="0" algn="l">
+            <a:pPr marL="0" lvl="0" indent="0" algn="l" rtl="0">
               <a:spcBef>
                 <a:spcPts val="0"/>
               </a:spcBef>
@@ -994,9 +1039,6 @@
               </a:spcAft>
               <a:buNone/>
             </a:pPr>
-            <a:r>
-              <a:t/>
-            </a:r>
             <a:endParaRPr/>
           </a:p>
         </p:txBody>
@@ -1010,11 +1052,11 @@
 </file>
 
 <file path=ppt/notesSlides/notesSlide4.xml><?xml version="1.0" encoding="utf-8"?>
-<p:notes xmlns:a="http://schemas.openxmlformats.org/drawingml/2006/main" xmlns:r="http://schemas.openxmlformats.org/officeDocument/2006/relationships" xmlns:mc="http://schemas.openxmlformats.org/markup-compatibility/2006" xmlns:mv="urn:schemas-microsoft-com:mac:vml" xmlns:p="http://schemas.openxmlformats.org/presentationml/2006/main" xmlns:c="http://schemas.openxmlformats.org/drawingml/2006/chart" xmlns:dgm="http://schemas.openxmlformats.org/drawingml/2006/diagram" xmlns:o="urn:schemas-microsoft-com:office:office" xmlns:v="urn:schemas-microsoft-com:vml" xmlns:pvml="urn:schemas-microsoft-com:office:powerpoint" xmlns:com="http://schemas.openxmlformats.org/drawingml/2006/compatibility" xmlns:p14="http://schemas.microsoft.com/office/powerpoint/2010/main" xmlns:p15="http://schemas.microsoft.com/office/powerpoint/2012/main" xmlns:ahyp="http://schemas.microsoft.com/office/drawing/2018/hyperlinkcolor" showMasterPhAnim="0" showMasterSp="0">
+<p:notes xmlns:a="http://schemas.openxmlformats.org/drawingml/2006/main" xmlns:r="http://schemas.openxmlformats.org/officeDocument/2006/relationships" xmlns:p="http://schemas.openxmlformats.org/presentationml/2006/main" showMasterSp="0" showMasterPhAnim="0">
   <p:cSld>
     <p:spTree>
       <p:nvGrpSpPr>
-        <p:cNvPr id="144" name="Shape 144"/>
+        <p:cNvPr id="1" name="Shape 144"/>
         <p:cNvGrpSpPr/>
         <p:nvPr/>
       </p:nvGrpSpPr>
@@ -1029,20 +1071,26 @@
       <p:sp>
         <p:nvSpPr>
           <p:cNvPr id="145" name="Google Shape;145;g9690b02df2_11_0:notes"/>
-          <p:cNvSpPr/>
+          <p:cNvSpPr>
+            <a:spLocks noGrp="1" noRot="1" noChangeAspect="1"/>
+          </p:cNvSpPr>
           <p:nvPr>
-            <p:ph idx="2" type="sldImg"/>
+            <p:ph type="sldImg" idx="2"/>
           </p:nvPr>
         </p:nvSpPr>
         <p:spPr>
           <a:xfrm>
-            <a:off x="381300" y="685800"/>
+            <a:off x="381000" y="685800"/>
             <a:ext cx="6096000" cy="3429000"/>
           </a:xfrm>
           <a:custGeom>
-            <a:rect b="b" l="l" r="r" t="t"/>
+            <a:avLst/>
+            <a:gdLst/>
+            <a:ahLst/>
+            <a:cxnLst/>
+            <a:rect l="l" t="t" r="r" b="b"/>
             <a:pathLst>
-              <a:path extrusionOk="0" h="120000" w="120000">
+              <a:path w="120000" h="120000" extrusionOk="0">
                 <a:moveTo>
                   <a:pt x="0" y="0"/>
                 </a:moveTo>
@@ -1064,9 +1112,11 @@
       <p:sp>
         <p:nvSpPr>
           <p:cNvPr id="146" name="Google Shape;146;g9690b02df2_11_0:notes"/>
-          <p:cNvSpPr txBox="1"/>
+          <p:cNvSpPr txBox="1">
+            <a:spLocks noGrp="1"/>
+          </p:cNvSpPr>
           <p:nvPr>
-            <p:ph idx="1" type="body"/>
+            <p:ph type="body" idx="1"/>
           </p:nvPr>
         </p:nvSpPr>
         <p:spPr>
@@ -1079,12 +1129,12 @@
           </a:prstGeom>
         </p:spPr>
         <p:txBody>
-          <a:bodyPr anchorCtr="0" anchor="t" bIns="91425" lIns="91425" spcFirstLastPara="1" rIns="91425" wrap="square" tIns="91425">
+          <a:bodyPr spcFirstLastPara="1" wrap="square" lIns="91425" tIns="91425" rIns="91425" bIns="91425" anchor="t" anchorCtr="0">
             <a:noAutofit/>
           </a:bodyPr>
           <a:lstStyle/>
           <a:p>
-            <a:pPr indent="0" lvl="0" marL="0" rtl="0" algn="l">
+            <a:pPr marL="0" lvl="0" indent="0" algn="l" rtl="0">
               <a:spcBef>
                 <a:spcPts val="0"/>
               </a:spcBef>
@@ -1093,9 +1143,6 @@
               </a:spcAft>
               <a:buNone/>
             </a:pPr>
-            <a:r>
-              <a:t/>
-            </a:r>
             <a:endParaRPr/>
           </a:p>
         </p:txBody>
@@ -1109,11 +1156,11 @@
 </file>
 
 <file path=ppt/notesSlides/notesSlide5.xml><?xml version="1.0" encoding="utf-8"?>
-<p:notes xmlns:a="http://schemas.openxmlformats.org/drawingml/2006/main" xmlns:r="http://schemas.openxmlformats.org/officeDocument/2006/relationships" xmlns:mc="http://schemas.openxmlformats.org/markup-compatibility/2006" xmlns:mv="urn:schemas-microsoft-com:mac:vml" xmlns:p="http://schemas.openxmlformats.org/presentationml/2006/main" xmlns:c="http://schemas.openxmlformats.org/drawingml/2006/chart" xmlns:dgm="http://schemas.openxmlformats.org/drawingml/2006/diagram" xmlns:o="urn:schemas-microsoft-com:office:office" xmlns:v="urn:schemas-microsoft-com:vml" xmlns:pvml="urn:schemas-microsoft-com:office:powerpoint" xmlns:com="http://schemas.openxmlformats.org/drawingml/2006/compatibility" xmlns:p14="http://schemas.microsoft.com/office/powerpoint/2010/main" xmlns:p15="http://schemas.microsoft.com/office/powerpoint/2012/main" xmlns:ahyp="http://schemas.microsoft.com/office/drawing/2018/hyperlinkcolor" showMasterPhAnim="0" showMasterSp="0">
+<p:notes xmlns:a="http://schemas.openxmlformats.org/drawingml/2006/main" xmlns:r="http://schemas.openxmlformats.org/officeDocument/2006/relationships" xmlns:p="http://schemas.openxmlformats.org/presentationml/2006/main" showMasterSp="0" showMasterPhAnim="0">
   <p:cSld>
     <p:spTree>
       <p:nvGrpSpPr>
-        <p:cNvPr id="151" name="Shape 151"/>
+        <p:cNvPr id="1" name="Shape 151"/>
         <p:cNvGrpSpPr/>
         <p:nvPr/>
       </p:nvGrpSpPr>
@@ -1128,20 +1175,26 @@
       <p:sp>
         <p:nvSpPr>
           <p:cNvPr id="152" name="Google Shape;152;g9690b02df2_10_3:notes"/>
-          <p:cNvSpPr/>
+          <p:cNvSpPr>
+            <a:spLocks noGrp="1" noRot="1" noChangeAspect="1"/>
+          </p:cNvSpPr>
           <p:nvPr>
-            <p:ph idx="2" type="sldImg"/>
+            <p:ph type="sldImg" idx="2"/>
           </p:nvPr>
         </p:nvSpPr>
         <p:spPr>
           <a:xfrm>
-            <a:off x="381300" y="685800"/>
+            <a:off x="381000" y="685800"/>
             <a:ext cx="6096000" cy="3429000"/>
           </a:xfrm>
           <a:custGeom>
-            <a:rect b="b" l="l" r="r" t="t"/>
+            <a:avLst/>
+            <a:gdLst/>
+            <a:ahLst/>
+            <a:cxnLst/>
+            <a:rect l="l" t="t" r="r" b="b"/>
             <a:pathLst>
-              <a:path extrusionOk="0" h="120000" w="120000">
+              <a:path w="120000" h="120000" extrusionOk="0">
                 <a:moveTo>
                   <a:pt x="0" y="0"/>
                 </a:moveTo>
@@ -1163,9 +1216,11 @@
       <p:sp>
         <p:nvSpPr>
           <p:cNvPr id="153" name="Google Shape;153;g9690b02df2_10_3:notes"/>
-          <p:cNvSpPr txBox="1"/>
+          <p:cNvSpPr txBox="1">
+            <a:spLocks noGrp="1"/>
+          </p:cNvSpPr>
           <p:nvPr>
-            <p:ph idx="1" type="body"/>
+            <p:ph type="body" idx="1"/>
           </p:nvPr>
         </p:nvSpPr>
         <p:spPr>
@@ -1178,12 +1233,12 @@
           </a:prstGeom>
         </p:spPr>
         <p:txBody>
-          <a:bodyPr anchorCtr="0" anchor="t" bIns="91425" lIns="91425" spcFirstLastPara="1" rIns="91425" wrap="square" tIns="91425">
+          <a:bodyPr spcFirstLastPara="1" wrap="square" lIns="91425" tIns="91425" rIns="91425" bIns="91425" anchor="t" anchorCtr="0">
             <a:noAutofit/>
           </a:bodyPr>
           <a:lstStyle/>
           <a:p>
-            <a:pPr indent="0" lvl="0" marL="0" rtl="0" algn="l">
+            <a:pPr marL="0" lvl="0" indent="0" algn="l" rtl="0">
               <a:spcBef>
                 <a:spcPts val="0"/>
               </a:spcBef>
@@ -1192,9 +1247,6 @@
               </a:spcAft>
               <a:buNone/>
             </a:pPr>
-            <a:r>
-              <a:t/>
-            </a:r>
             <a:endParaRPr/>
           </a:p>
         </p:txBody>
@@ -1208,11 +1260,11 @@
 </file>
 
 <file path=ppt/notesSlides/notesSlide6.xml><?xml version="1.0" encoding="utf-8"?>
-<p:notes xmlns:a="http://schemas.openxmlformats.org/drawingml/2006/main" xmlns:r="http://schemas.openxmlformats.org/officeDocument/2006/relationships" xmlns:mc="http://schemas.openxmlformats.org/markup-compatibility/2006" xmlns:mv="urn:schemas-microsoft-com:mac:vml" xmlns:p="http://schemas.openxmlformats.org/presentationml/2006/main" xmlns:c="http://schemas.openxmlformats.org/drawingml/2006/chart" xmlns:dgm="http://schemas.openxmlformats.org/drawingml/2006/diagram" xmlns:o="urn:schemas-microsoft-com:office:office" xmlns:v="urn:schemas-microsoft-com:vml" xmlns:pvml="urn:schemas-microsoft-com:office:powerpoint" xmlns:com="http://schemas.openxmlformats.org/drawingml/2006/compatibility" xmlns:p14="http://schemas.microsoft.com/office/powerpoint/2010/main" xmlns:p15="http://schemas.microsoft.com/office/powerpoint/2012/main" xmlns:ahyp="http://schemas.microsoft.com/office/drawing/2018/hyperlinkcolor" showMasterPhAnim="0" showMasterSp="0">
+<p:notes xmlns:a="http://schemas.openxmlformats.org/drawingml/2006/main" xmlns:r="http://schemas.openxmlformats.org/officeDocument/2006/relationships" xmlns:p="http://schemas.openxmlformats.org/presentationml/2006/main" showMasterSp="0" showMasterPhAnim="0">
   <p:cSld>
     <p:spTree>
       <p:nvGrpSpPr>
-        <p:cNvPr id="157" name="Shape 157"/>
+        <p:cNvPr id="1" name="Shape 157"/>
         <p:cNvGrpSpPr/>
         <p:nvPr/>
       </p:nvGrpSpPr>
@@ -1227,20 +1279,26 @@
       <p:sp>
         <p:nvSpPr>
           <p:cNvPr id="158" name="Google Shape;158;g9690b02df2_12_4:notes"/>
-          <p:cNvSpPr/>
+          <p:cNvSpPr>
+            <a:spLocks noGrp="1" noRot="1" noChangeAspect="1"/>
+          </p:cNvSpPr>
           <p:nvPr>
-            <p:ph idx="2" type="sldImg"/>
+            <p:ph type="sldImg" idx="2"/>
           </p:nvPr>
         </p:nvSpPr>
         <p:spPr>
           <a:xfrm>
-            <a:off x="381300" y="685800"/>
+            <a:off x="381000" y="685800"/>
             <a:ext cx="6096000" cy="3429000"/>
           </a:xfrm>
           <a:custGeom>
-            <a:rect b="b" l="l" r="r" t="t"/>
+            <a:avLst/>
+            <a:gdLst/>
+            <a:ahLst/>
+            <a:cxnLst/>
+            <a:rect l="l" t="t" r="r" b="b"/>
             <a:pathLst>
-              <a:path extrusionOk="0" h="120000" w="120000">
+              <a:path w="120000" h="120000" extrusionOk="0">
                 <a:moveTo>
                   <a:pt x="0" y="0"/>
                 </a:moveTo>
@@ -1262,9 +1320,11 @@
       <p:sp>
         <p:nvSpPr>
           <p:cNvPr id="159" name="Google Shape;159;g9690b02df2_12_4:notes"/>
-          <p:cNvSpPr txBox="1"/>
+          <p:cNvSpPr txBox="1">
+            <a:spLocks noGrp="1"/>
+          </p:cNvSpPr>
           <p:nvPr>
-            <p:ph idx="1" type="body"/>
+            <p:ph type="body" idx="1"/>
           </p:nvPr>
         </p:nvSpPr>
         <p:spPr>
@@ -1277,12 +1337,12 @@
           </a:prstGeom>
         </p:spPr>
         <p:txBody>
-          <a:bodyPr anchorCtr="0" anchor="t" bIns="91425" lIns="91425" spcFirstLastPara="1" rIns="91425" wrap="square" tIns="91425">
+          <a:bodyPr spcFirstLastPara="1" wrap="square" lIns="91425" tIns="91425" rIns="91425" bIns="91425" anchor="t" anchorCtr="0">
             <a:noAutofit/>
           </a:bodyPr>
           <a:lstStyle/>
           <a:p>
-            <a:pPr indent="0" lvl="0" marL="0" rtl="0" algn="l">
+            <a:pPr marL="0" lvl="0" indent="0" algn="l" rtl="0">
               <a:spcBef>
                 <a:spcPts val="0"/>
               </a:spcBef>
@@ -1312,7 +1372,7 @@
             </a:endParaRPr>
           </a:p>
           <a:p>
-            <a:pPr indent="0" lvl="0" marL="0" rtl="0" algn="l">
+            <a:pPr marL="0" lvl="0" indent="0" algn="l" rtl="0">
               <a:lnSpc>
                 <a:spcPct val="115000"/>
               </a:lnSpc>
@@ -1350,7 +1410,7 @@
             </a:endParaRPr>
           </a:p>
           <a:p>
-            <a:pPr indent="0" lvl="0" marL="0" rtl="0" algn="l">
+            <a:pPr marL="0" lvl="0" indent="0" algn="l" rtl="0">
               <a:spcBef>
                 <a:spcPts val="0"/>
               </a:spcBef>
@@ -1359,9 +1419,6 @@
               </a:spcAft>
               <a:buNone/>
             </a:pPr>
-            <a:r>
-              <a:t/>
-            </a:r>
             <a:endParaRPr/>
           </a:p>
         </p:txBody>
@@ -1375,11 +1432,11 @@
 </file>
 
 <file path=ppt/notesSlides/notesSlide7.xml><?xml version="1.0" encoding="utf-8"?>
-<p:notes xmlns:a="http://schemas.openxmlformats.org/drawingml/2006/main" xmlns:r="http://schemas.openxmlformats.org/officeDocument/2006/relationships" xmlns:mc="http://schemas.openxmlformats.org/markup-compatibility/2006" xmlns:mv="urn:schemas-microsoft-com:mac:vml" xmlns:p="http://schemas.openxmlformats.org/presentationml/2006/main" xmlns:c="http://schemas.openxmlformats.org/drawingml/2006/chart" xmlns:dgm="http://schemas.openxmlformats.org/drawingml/2006/diagram" xmlns:o="urn:schemas-microsoft-com:office:office" xmlns:v="urn:schemas-microsoft-com:vml" xmlns:pvml="urn:schemas-microsoft-com:office:powerpoint" xmlns:com="http://schemas.openxmlformats.org/drawingml/2006/compatibility" xmlns:p14="http://schemas.microsoft.com/office/powerpoint/2010/main" xmlns:p15="http://schemas.microsoft.com/office/powerpoint/2012/main" xmlns:ahyp="http://schemas.microsoft.com/office/drawing/2018/hyperlinkcolor" showMasterPhAnim="0" showMasterSp="0">
+<p:notes xmlns:a="http://schemas.openxmlformats.org/drawingml/2006/main" xmlns:r="http://schemas.openxmlformats.org/officeDocument/2006/relationships" xmlns:p="http://schemas.openxmlformats.org/presentationml/2006/main" showMasterSp="0" showMasterPhAnim="0">
   <p:cSld>
     <p:spTree>
       <p:nvGrpSpPr>
-        <p:cNvPr id="166" name="Shape 166"/>
+        <p:cNvPr id="1" name="Shape 166"/>
         <p:cNvGrpSpPr/>
         <p:nvPr/>
       </p:nvGrpSpPr>
@@ -1394,20 +1451,26 @@
       <p:sp>
         <p:nvSpPr>
           <p:cNvPr id="167" name="Google Shape;167;g9690b02df2_7_0:notes"/>
-          <p:cNvSpPr/>
+          <p:cNvSpPr>
+            <a:spLocks noGrp="1" noRot="1" noChangeAspect="1"/>
+          </p:cNvSpPr>
           <p:nvPr>
-            <p:ph idx="2" type="sldImg"/>
+            <p:ph type="sldImg" idx="2"/>
           </p:nvPr>
         </p:nvSpPr>
         <p:spPr>
           <a:xfrm>
-            <a:off x="381300" y="685800"/>
+            <a:off x="381000" y="685800"/>
             <a:ext cx="6096000" cy="3429000"/>
           </a:xfrm>
           <a:custGeom>
-            <a:rect b="b" l="l" r="r" t="t"/>
+            <a:avLst/>
+            <a:gdLst/>
+            <a:ahLst/>
+            <a:cxnLst/>
+            <a:rect l="l" t="t" r="r" b="b"/>
             <a:pathLst>
-              <a:path extrusionOk="0" h="120000" w="120000">
+              <a:path w="120000" h="120000" extrusionOk="0">
                 <a:moveTo>
                   <a:pt x="0" y="0"/>
                 </a:moveTo>
@@ -1429,9 +1492,11 @@
       <p:sp>
         <p:nvSpPr>
           <p:cNvPr id="168" name="Google Shape;168;g9690b02df2_7_0:notes"/>
-          <p:cNvSpPr txBox="1"/>
+          <p:cNvSpPr txBox="1">
+            <a:spLocks noGrp="1"/>
+          </p:cNvSpPr>
           <p:nvPr>
-            <p:ph idx="1" type="body"/>
+            <p:ph type="body" idx="1"/>
           </p:nvPr>
         </p:nvSpPr>
         <p:spPr>
@@ -1444,12 +1509,12 @@
           </a:prstGeom>
         </p:spPr>
         <p:txBody>
-          <a:bodyPr anchorCtr="0" anchor="t" bIns="91425" lIns="91425" spcFirstLastPara="1" rIns="91425" wrap="square" tIns="91425">
+          <a:bodyPr spcFirstLastPara="1" wrap="square" lIns="91425" tIns="91425" rIns="91425" bIns="91425" anchor="t" anchorCtr="0">
             <a:noAutofit/>
           </a:bodyPr>
           <a:lstStyle/>
           <a:p>
-            <a:pPr indent="0" lvl="0" marL="0" rtl="0" algn="l">
+            <a:pPr marL="0" lvl="0" indent="0" algn="l" rtl="0">
               <a:spcBef>
                 <a:spcPts val="0"/>
               </a:spcBef>
@@ -1465,7 +1530,7 @@
             <a:endParaRPr/>
           </a:p>
           <a:p>
-            <a:pPr indent="0" lvl="0" marL="0" rtl="0" algn="l">
+            <a:pPr marL="0" lvl="0" indent="0" algn="l" rtl="0">
               <a:spcBef>
                 <a:spcPts val="0"/>
               </a:spcBef>
@@ -1486,7 +1551,7 @@
             <a:endParaRPr/>
           </a:p>
           <a:p>
-            <a:pPr indent="0" lvl="0" marL="0" rtl="0" algn="l">
+            <a:pPr marL="0" lvl="0" indent="0" algn="l" rtl="0">
               <a:spcBef>
                 <a:spcPts val="0"/>
               </a:spcBef>
@@ -1502,7 +1567,7 @@
             <a:endParaRPr/>
           </a:p>
           <a:p>
-            <a:pPr indent="0" lvl="0" marL="0" rtl="0" algn="l">
+            <a:pPr marL="0" lvl="0" indent="0" algn="l" rtl="0">
               <a:spcBef>
                 <a:spcPts val="0"/>
               </a:spcBef>
@@ -1518,7 +1583,7 @@
             <a:endParaRPr/>
           </a:p>
           <a:p>
-            <a:pPr indent="0" lvl="0" marL="0" rtl="0" algn="l">
+            <a:pPr marL="0" lvl="0" indent="0" algn="l" rtl="0">
               <a:spcBef>
                 <a:spcPts val="0"/>
               </a:spcBef>
@@ -1550,7 +1615,7 @@
             </a:endParaRPr>
           </a:p>
           <a:p>
-            <a:pPr indent="0" lvl="0" marL="0" rtl="0" algn="l">
+            <a:pPr marL="0" lvl="0" indent="0" algn="l" rtl="0">
               <a:spcBef>
                 <a:spcPts val="0"/>
               </a:spcBef>
@@ -1585,11 +1650,11 @@
 </file>
 
 <file path=ppt/notesSlides/notesSlide8.xml><?xml version="1.0" encoding="utf-8"?>
-<p:notes xmlns:a="http://schemas.openxmlformats.org/drawingml/2006/main" xmlns:r="http://schemas.openxmlformats.org/officeDocument/2006/relationships" xmlns:mc="http://schemas.openxmlformats.org/markup-compatibility/2006" xmlns:mv="urn:schemas-microsoft-com:mac:vml" xmlns:p="http://schemas.openxmlformats.org/presentationml/2006/main" xmlns:c="http://schemas.openxmlformats.org/drawingml/2006/chart" xmlns:dgm="http://schemas.openxmlformats.org/drawingml/2006/diagram" xmlns:o="urn:schemas-microsoft-com:office:office" xmlns:v="urn:schemas-microsoft-com:vml" xmlns:pvml="urn:schemas-microsoft-com:office:powerpoint" xmlns:com="http://schemas.openxmlformats.org/drawingml/2006/compatibility" xmlns:p14="http://schemas.microsoft.com/office/powerpoint/2010/main" xmlns:p15="http://schemas.microsoft.com/office/powerpoint/2012/main" xmlns:ahyp="http://schemas.microsoft.com/office/drawing/2018/hyperlinkcolor" showMasterPhAnim="0" showMasterSp="0">
+<p:notes xmlns:a="http://schemas.openxmlformats.org/drawingml/2006/main" xmlns:r="http://schemas.openxmlformats.org/officeDocument/2006/relationships" xmlns:p="http://schemas.openxmlformats.org/presentationml/2006/main" showMasterSp="0" showMasterPhAnim="0">
   <p:cSld>
     <p:spTree>
       <p:nvGrpSpPr>
-        <p:cNvPr id="176" name="Shape 176"/>
+        <p:cNvPr id="1" name="Shape 176"/>
         <p:cNvGrpSpPr/>
         <p:nvPr/>
       </p:nvGrpSpPr>
@@ -1604,20 +1669,26 @@
       <p:sp>
         <p:nvSpPr>
           <p:cNvPr id="177" name="Google Shape;177;g9690b02df2_0_41:notes"/>
-          <p:cNvSpPr/>
+          <p:cNvSpPr>
+            <a:spLocks noGrp="1" noRot="1" noChangeAspect="1"/>
+          </p:cNvSpPr>
           <p:nvPr>
-            <p:ph idx="2" type="sldImg"/>
+            <p:ph type="sldImg" idx="2"/>
           </p:nvPr>
         </p:nvSpPr>
         <p:spPr>
           <a:xfrm>
-            <a:off x="381300" y="685800"/>
+            <a:off x="381000" y="685800"/>
             <a:ext cx="6096000" cy="3429000"/>
           </a:xfrm>
           <a:custGeom>
-            <a:rect b="b" l="l" r="r" t="t"/>
+            <a:avLst/>
+            <a:gdLst/>
+            <a:ahLst/>
+            <a:cxnLst/>
+            <a:rect l="l" t="t" r="r" b="b"/>
             <a:pathLst>
-              <a:path extrusionOk="0" h="120000" w="120000">
+              <a:path w="120000" h="120000" extrusionOk="0">
                 <a:moveTo>
                   <a:pt x="0" y="0"/>
                 </a:moveTo>
@@ -1639,9 +1710,11 @@
       <p:sp>
         <p:nvSpPr>
           <p:cNvPr id="178" name="Google Shape;178;g9690b02df2_0_41:notes"/>
-          <p:cNvSpPr txBox="1"/>
+          <p:cNvSpPr txBox="1">
+            <a:spLocks noGrp="1"/>
+          </p:cNvSpPr>
           <p:nvPr>
-            <p:ph idx="1" type="body"/>
+            <p:ph type="body" idx="1"/>
           </p:nvPr>
         </p:nvSpPr>
         <p:spPr>
@@ -1654,12 +1727,12 @@
           </a:prstGeom>
         </p:spPr>
         <p:txBody>
-          <a:bodyPr anchorCtr="0" anchor="t" bIns="91425" lIns="91425" spcFirstLastPara="1" rIns="91425" wrap="square" tIns="91425">
+          <a:bodyPr spcFirstLastPara="1" wrap="square" lIns="91425" tIns="91425" rIns="91425" bIns="91425" anchor="t" anchorCtr="0">
             <a:noAutofit/>
           </a:bodyPr>
           <a:lstStyle/>
           <a:p>
-            <a:pPr indent="0" lvl="0" marL="0" rtl="0" algn="l">
+            <a:pPr marL="0" lvl="0" indent="0" algn="l" rtl="0">
               <a:spcBef>
                 <a:spcPts val="0"/>
               </a:spcBef>
@@ -1689,7 +1762,7 @@
             </a:endParaRPr>
           </a:p>
           <a:p>
-            <a:pPr indent="0" lvl="0" marL="0" rtl="0" algn="l">
+            <a:pPr marL="0" lvl="0" indent="0" algn="l" rtl="0">
               <a:spcBef>
                 <a:spcPts val="0"/>
               </a:spcBef>
@@ -1722,11 +1795,11 @@
 </file>
 
 <file path=ppt/notesSlides/notesSlide9.xml><?xml version="1.0" encoding="utf-8"?>
-<p:notes xmlns:a="http://schemas.openxmlformats.org/drawingml/2006/main" xmlns:r="http://schemas.openxmlformats.org/officeDocument/2006/relationships" xmlns:mc="http://schemas.openxmlformats.org/markup-compatibility/2006" xmlns:mv="urn:schemas-microsoft-com:mac:vml" xmlns:p="http://schemas.openxmlformats.org/presentationml/2006/main" xmlns:c="http://schemas.openxmlformats.org/drawingml/2006/chart" xmlns:dgm="http://schemas.openxmlformats.org/drawingml/2006/diagram" xmlns:o="urn:schemas-microsoft-com:office:office" xmlns:v="urn:schemas-microsoft-com:vml" xmlns:pvml="urn:schemas-microsoft-com:office:powerpoint" xmlns:com="http://schemas.openxmlformats.org/drawingml/2006/compatibility" xmlns:p14="http://schemas.microsoft.com/office/powerpoint/2010/main" xmlns:p15="http://schemas.microsoft.com/office/powerpoint/2012/main" xmlns:ahyp="http://schemas.microsoft.com/office/drawing/2018/hyperlinkcolor" showMasterPhAnim="0" showMasterSp="0">
+<p:notes xmlns:a="http://schemas.openxmlformats.org/drawingml/2006/main" xmlns:r="http://schemas.openxmlformats.org/officeDocument/2006/relationships" xmlns:p="http://schemas.openxmlformats.org/presentationml/2006/main" showMasterSp="0" showMasterPhAnim="0">
   <p:cSld>
     <p:spTree>
       <p:nvGrpSpPr>
-        <p:cNvPr id="183" name="Shape 183"/>
+        <p:cNvPr id="1" name="Shape 183"/>
         <p:cNvGrpSpPr/>
         <p:nvPr/>
       </p:nvGrpSpPr>
@@ -1741,20 +1814,26 @@
       <p:sp>
         <p:nvSpPr>
           <p:cNvPr id="184" name="Google Shape;184;g9690b02df2_0_47:notes"/>
-          <p:cNvSpPr/>
+          <p:cNvSpPr>
+            <a:spLocks noGrp="1" noRot="1" noChangeAspect="1"/>
+          </p:cNvSpPr>
           <p:nvPr>
-            <p:ph idx="2" type="sldImg"/>
+            <p:ph type="sldImg" idx="2"/>
           </p:nvPr>
         </p:nvSpPr>
         <p:spPr>
           <a:xfrm>
-            <a:off x="381300" y="685800"/>
+            <a:off x="381000" y="685800"/>
             <a:ext cx="6096000" cy="3429000"/>
           </a:xfrm>
           <a:custGeom>
-            <a:rect b="b" l="l" r="r" t="t"/>
+            <a:avLst/>
+            <a:gdLst/>
+            <a:ahLst/>
+            <a:cxnLst/>
+            <a:rect l="l" t="t" r="r" b="b"/>
             <a:pathLst>
-              <a:path extrusionOk="0" h="120000" w="120000">
+              <a:path w="120000" h="120000" extrusionOk="0">
                 <a:moveTo>
                   <a:pt x="0" y="0"/>
                 </a:moveTo>
@@ -1776,9 +1855,11 @@
       <p:sp>
         <p:nvSpPr>
           <p:cNvPr id="185" name="Google Shape;185;g9690b02df2_0_47:notes"/>
-          <p:cNvSpPr txBox="1"/>
+          <p:cNvSpPr txBox="1">
+            <a:spLocks noGrp="1"/>
+          </p:cNvSpPr>
           <p:nvPr>
-            <p:ph idx="1" type="body"/>
+            <p:ph type="body" idx="1"/>
           </p:nvPr>
         </p:nvSpPr>
         <p:spPr>
@@ -1791,12 +1872,12 @@
           </a:prstGeom>
         </p:spPr>
         <p:txBody>
-          <a:bodyPr anchorCtr="0" anchor="t" bIns="91425" lIns="91425" spcFirstLastPara="1" rIns="91425" wrap="square" tIns="91425">
+          <a:bodyPr spcFirstLastPara="1" wrap="square" lIns="91425" tIns="91425" rIns="91425" bIns="91425" anchor="t" anchorCtr="0">
             <a:noAutofit/>
           </a:bodyPr>
           <a:lstStyle/>
           <a:p>
-            <a:pPr indent="0" lvl="0" marL="0" rtl="0" algn="l">
+            <a:pPr marL="0" lvl="0" indent="0" algn="l" rtl="0">
               <a:spcBef>
                 <a:spcPts val="0"/>
               </a:spcBef>
@@ -1830,7 +1911,7 @@
             </a:endParaRPr>
           </a:p>
           <a:p>
-            <a:pPr indent="0" lvl="0" marL="0" rtl="0" algn="l">
+            <a:pPr marL="0" lvl="0" indent="0" algn="l" rtl="0">
               <a:spcBef>
                 <a:spcPts val="0"/>
               </a:spcBef>
@@ -1860,7 +1941,7 @@
             </a:endParaRPr>
           </a:p>
           <a:p>
-            <a:pPr indent="0" lvl="0" marL="0" rtl="0" algn="l">
+            <a:pPr marL="0" lvl="0" indent="0" algn="l" rtl="0">
               <a:spcBef>
                 <a:spcPts val="0"/>
               </a:spcBef>
@@ -1869,9 +1950,6 @@
               </a:spcAft>
               <a:buNone/>
             </a:pPr>
-            <a:r>
-              <a:t/>
-            </a:r>
             <a:endParaRPr/>
           </a:p>
         </p:txBody>
@@ -1885,18 +1963,19 @@
 </file>
 
 <file path=ppt/slideLayouts/slideLayout1.xml><?xml version="1.0" encoding="utf-8"?>
-<p:sldLayout xmlns:a="http://schemas.openxmlformats.org/drawingml/2006/main" xmlns:r="http://schemas.openxmlformats.org/officeDocument/2006/relationships" xmlns:mc="http://schemas.openxmlformats.org/markup-compatibility/2006" xmlns:mv="urn:schemas-microsoft-com:mac:vml" xmlns:p="http://schemas.openxmlformats.org/presentationml/2006/main" xmlns:c="http://schemas.openxmlformats.org/drawingml/2006/chart" xmlns:dgm="http://schemas.openxmlformats.org/drawingml/2006/diagram" xmlns:o="urn:schemas-microsoft-com:office:office" xmlns:v="urn:schemas-microsoft-com:vml" xmlns:pvml="urn:schemas-microsoft-com:office:powerpoint" xmlns:com="http://schemas.openxmlformats.org/drawingml/2006/compatibility" xmlns:p14="http://schemas.microsoft.com/office/powerpoint/2010/main" xmlns:p15="http://schemas.microsoft.com/office/powerpoint/2012/main" xmlns:ahyp="http://schemas.microsoft.com/office/drawing/2018/hyperlinkcolor" matchingName="Title slide" type="title">
+<p:sldLayout xmlns:a="http://schemas.openxmlformats.org/drawingml/2006/main" xmlns:r="http://schemas.openxmlformats.org/officeDocument/2006/relationships" xmlns:p="http://schemas.openxmlformats.org/presentationml/2006/main" matchingName="Title slide" type="title">
   <p:cSld name="TITLE">
     <p:bg>
       <p:bgPr>
         <a:solidFill>
           <a:schemeClr val="accent6"/>
         </a:solidFill>
+        <a:effectLst/>
       </p:bgPr>
     </p:bg>
     <p:spTree>
       <p:nvGrpSpPr>
-        <p:cNvPr id="9" name="Shape 9"/>
+        <p:cNvPr id="1" name="Shape 9"/>
         <p:cNvGrpSpPr/>
         <p:nvPr/>
       </p:nvGrpSpPr>
@@ -1930,12 +2009,12 @@
           </a:ln>
         </p:spPr>
         <p:txBody>
-          <a:bodyPr anchorCtr="0" anchor="ctr" bIns="91425" lIns="91425" spcFirstLastPara="1" rIns="91425" wrap="square" tIns="91425">
+          <a:bodyPr spcFirstLastPara="1" wrap="square" lIns="91425" tIns="91425" rIns="91425" bIns="91425" anchor="ctr" anchorCtr="0">
             <a:noAutofit/>
           </a:bodyPr>
           <a:lstStyle/>
           <a:p>
-            <a:pPr indent="0" lvl="0" marL="0" rtl="0" algn="l">
+            <a:pPr marL="0" lvl="0" indent="0" algn="l" rtl="0">
               <a:spcBef>
                 <a:spcPts val="0"/>
               </a:spcBef>
@@ -1944,9 +2023,6 @@
               </a:spcAft>
               <a:buNone/>
             </a:pPr>
-            <a:r>
-              <a:t/>
-            </a:r>
             <a:endParaRPr/>
           </a:p>
         </p:txBody>
@@ -1973,12 +2049,12 @@
           </a:ln>
         </p:spPr>
         <p:txBody>
-          <a:bodyPr anchorCtr="0" anchor="ctr" bIns="91425" lIns="91425" spcFirstLastPara="1" rIns="91425" wrap="square" tIns="91425">
+          <a:bodyPr spcFirstLastPara="1" wrap="square" lIns="91425" tIns="91425" rIns="91425" bIns="91425" anchor="ctr" anchorCtr="0">
             <a:noAutofit/>
           </a:bodyPr>
           <a:lstStyle/>
           <a:p>
-            <a:pPr indent="0" lvl="0" marL="0" rtl="0" algn="l">
+            <a:pPr marL="0" lvl="0" indent="0" algn="l" rtl="0">
               <a:spcBef>
                 <a:spcPts val="0"/>
               </a:spcBef>
@@ -1987,9 +2063,6 @@
               </a:spcAft>
               <a:buNone/>
             </a:pPr>
-            <a:r>
-              <a:t/>
-            </a:r>
             <a:endParaRPr/>
           </a:p>
         </p:txBody>
@@ -2016,12 +2089,12 @@
           </a:ln>
         </p:spPr>
         <p:txBody>
-          <a:bodyPr anchorCtr="0" anchor="ctr" bIns="91425" lIns="91425" spcFirstLastPara="1" rIns="91425" wrap="square" tIns="91425">
+          <a:bodyPr spcFirstLastPara="1" wrap="square" lIns="91425" tIns="91425" rIns="91425" bIns="91425" anchor="ctr" anchorCtr="0">
             <a:noAutofit/>
           </a:bodyPr>
           <a:lstStyle/>
           <a:p>
-            <a:pPr indent="0" lvl="0" marL="0" rtl="0" algn="l">
+            <a:pPr marL="0" lvl="0" indent="0" algn="l" rtl="0">
               <a:spcBef>
                 <a:spcPts val="0"/>
               </a:spcBef>
@@ -2030,9 +2103,6 @@
               </a:spcAft>
               <a:buNone/>
             </a:pPr>
-            <a:r>
-              <a:t/>
-            </a:r>
             <a:endParaRPr/>
           </a:p>
         </p:txBody>
@@ -2058,7 +2128,7 @@
             <a:noFill/>
           </a:ln>
           <a:effectLst>
-            <a:outerShdw blurRad="228600" sx="101000" rotWithShape="0" algn="ctr" sy="101000">
+            <a:outerShdw blurRad="228600" sx="101000" sy="101000" algn="ctr" rotWithShape="0">
               <a:srgbClr val="000000">
                 <a:alpha val="40000"/>
               </a:srgbClr>
@@ -2066,12 +2136,12 @@
           </a:effectLst>
         </p:spPr>
         <p:txBody>
-          <a:bodyPr anchorCtr="0" anchor="ctr" bIns="91425" lIns="91425" spcFirstLastPara="1" rIns="91425" wrap="square" tIns="91425">
+          <a:bodyPr spcFirstLastPara="1" wrap="square" lIns="91425" tIns="91425" rIns="91425" bIns="91425" anchor="ctr" anchorCtr="0">
             <a:noAutofit/>
           </a:bodyPr>
           <a:lstStyle/>
           <a:p>
-            <a:pPr indent="0" lvl="0" marL="0" rtl="0" algn="l">
+            <a:pPr marL="0" lvl="0" indent="0" algn="l" rtl="0">
               <a:spcBef>
                 <a:spcPts val="0"/>
               </a:spcBef>
@@ -2080,9 +2150,6 @@
               </a:spcAft>
               <a:buNone/>
             </a:pPr>
-            <a:r>
-              <a:t/>
-            </a:r>
             <a:endParaRPr/>
           </a:p>
         </p:txBody>
@@ -2114,7 +2181,7 @@
             </a:xfrm>
             <a:prstGeom prst="parallelogram">
               <a:avLst>
-                <a:gd fmla="val 153193" name="adj"/>
+                <a:gd name="adj" fmla="val 153193"/>
               </a:avLst>
             </a:prstGeom>
             <a:solidFill>
@@ -2125,12 +2192,12 @@
             </a:ln>
           </p:spPr>
           <p:txBody>
-            <a:bodyPr anchorCtr="0" anchor="ctr" bIns="91425" lIns="91425" spcFirstLastPara="1" rIns="91425" wrap="square" tIns="91425">
+            <a:bodyPr spcFirstLastPara="1" wrap="square" lIns="91425" tIns="91425" rIns="91425" bIns="91425" anchor="ctr" anchorCtr="0">
               <a:noAutofit/>
             </a:bodyPr>
             <a:lstStyle/>
             <a:p>
-              <a:pPr indent="0" lvl="0" marL="0" rtl="0" algn="l">
+              <a:pPr marL="0" lvl="0" indent="0" algn="l" rtl="0">
                 <a:spcBef>
                   <a:spcPts val="0"/>
                 </a:spcBef>
@@ -2139,9 +2206,6 @@
                 </a:spcAft>
                 <a:buNone/>
               </a:pPr>
-              <a:r>
-                <a:t/>
-              </a:r>
               <a:endParaRPr/>
             </a:p>
           </p:txBody>
@@ -2159,7 +2223,7 @@
             </a:xfrm>
             <a:prstGeom prst="parallelogram">
               <a:avLst>
-                <a:gd fmla="val 153193" name="adj"/>
+                <a:gd name="adj" fmla="val 153193"/>
               </a:avLst>
             </a:prstGeom>
             <a:solidFill>
@@ -2170,12 +2234,12 @@
             </a:ln>
           </p:spPr>
           <p:txBody>
-            <a:bodyPr anchorCtr="0" anchor="ctr" bIns="91425" lIns="91425" spcFirstLastPara="1" rIns="91425" wrap="square" tIns="91425">
+            <a:bodyPr spcFirstLastPara="1" wrap="square" lIns="91425" tIns="91425" rIns="91425" bIns="91425" anchor="ctr" anchorCtr="0">
               <a:noAutofit/>
             </a:bodyPr>
             <a:lstStyle/>
             <a:p>
-              <a:pPr indent="0" lvl="0" marL="0" rtl="0" algn="l">
+              <a:pPr marL="0" lvl="0" indent="0" algn="l" rtl="0">
                 <a:spcBef>
                   <a:spcPts val="0"/>
                 </a:spcBef>
@@ -2184,9 +2248,6 @@
                 </a:spcAft>
                 <a:buNone/>
               </a:pPr>
-              <a:r>
-                <a:t/>
-              </a:r>
               <a:endParaRPr/>
             </a:p>
           </p:txBody>
@@ -2204,7 +2265,7 @@
             </a:xfrm>
             <a:prstGeom prst="parallelogram">
               <a:avLst>
-                <a:gd fmla="val 153193" name="adj"/>
+                <a:gd name="adj" fmla="val 153193"/>
               </a:avLst>
             </a:prstGeom>
             <a:solidFill>
@@ -2215,12 +2276,12 @@
             </a:ln>
           </p:spPr>
           <p:txBody>
-            <a:bodyPr anchorCtr="0" anchor="ctr" bIns="91425" lIns="91425" spcFirstLastPara="1" rIns="91425" wrap="square" tIns="91425">
+            <a:bodyPr spcFirstLastPara="1" wrap="square" lIns="91425" tIns="91425" rIns="91425" bIns="91425" anchor="ctr" anchorCtr="0">
               <a:noAutofit/>
             </a:bodyPr>
             <a:lstStyle/>
             <a:p>
-              <a:pPr indent="0" lvl="0" marL="0" rtl="0" algn="l">
+              <a:pPr marL="0" lvl="0" indent="0" algn="l" rtl="0">
                 <a:spcBef>
                   <a:spcPts val="0"/>
                 </a:spcBef>
@@ -2229,9 +2290,6 @@
                 </a:spcAft>
                 <a:buNone/>
               </a:pPr>
-              <a:r>
-                <a:t/>
-              </a:r>
               <a:endParaRPr/>
             </a:p>
           </p:txBody>
@@ -2264,7 +2322,7 @@
             </a:xfrm>
             <a:prstGeom prst="parallelogram">
               <a:avLst>
-                <a:gd fmla="val 153193" name="adj"/>
+                <a:gd name="adj" fmla="val 153193"/>
               </a:avLst>
             </a:prstGeom>
             <a:solidFill>
@@ -2275,12 +2333,12 @@
             </a:ln>
           </p:spPr>
           <p:txBody>
-            <a:bodyPr anchorCtr="0" anchor="ctr" bIns="91425" lIns="91425" spcFirstLastPara="1" rIns="91425" wrap="square" tIns="91425">
+            <a:bodyPr spcFirstLastPara="1" wrap="square" lIns="91425" tIns="91425" rIns="91425" bIns="91425" anchor="ctr" anchorCtr="0">
               <a:noAutofit/>
             </a:bodyPr>
             <a:lstStyle/>
             <a:p>
-              <a:pPr indent="0" lvl="0" marL="0" rtl="0" algn="l">
+              <a:pPr marL="0" lvl="0" indent="0" algn="l" rtl="0">
                 <a:spcBef>
                   <a:spcPts val="0"/>
                 </a:spcBef>
@@ -2289,9 +2347,6 @@
                 </a:spcAft>
                 <a:buNone/>
               </a:pPr>
-              <a:r>
-                <a:t/>
-              </a:r>
               <a:endParaRPr/>
             </a:p>
           </p:txBody>
@@ -2309,7 +2364,7 @@
             </a:xfrm>
             <a:prstGeom prst="parallelogram">
               <a:avLst>
-                <a:gd fmla="val 153193" name="adj"/>
+                <a:gd name="adj" fmla="val 153193"/>
               </a:avLst>
             </a:prstGeom>
             <a:solidFill>
@@ -2320,12 +2375,12 @@
             </a:ln>
           </p:spPr>
           <p:txBody>
-            <a:bodyPr anchorCtr="0" anchor="ctr" bIns="91425" lIns="91425" spcFirstLastPara="1" rIns="91425" wrap="square" tIns="91425">
+            <a:bodyPr spcFirstLastPara="1" wrap="square" lIns="91425" tIns="91425" rIns="91425" bIns="91425" anchor="ctr" anchorCtr="0">
               <a:noAutofit/>
             </a:bodyPr>
             <a:lstStyle/>
             <a:p>
-              <a:pPr indent="0" lvl="0" marL="0" rtl="0" algn="l">
+              <a:pPr marL="0" lvl="0" indent="0" algn="l" rtl="0">
                 <a:spcBef>
                   <a:spcPts val="0"/>
                 </a:spcBef>
@@ -2334,9 +2389,6 @@
                 </a:spcAft>
                 <a:buNone/>
               </a:pPr>
-              <a:r>
-                <a:t/>
-              </a:r>
               <a:endParaRPr/>
             </a:p>
           </p:txBody>
@@ -2354,7 +2406,7 @@
             </a:xfrm>
             <a:prstGeom prst="parallelogram">
               <a:avLst>
-                <a:gd fmla="val 153193" name="adj"/>
+                <a:gd name="adj" fmla="val 153193"/>
               </a:avLst>
             </a:prstGeom>
             <a:solidFill>
@@ -2365,12 +2417,12 @@
             </a:ln>
           </p:spPr>
           <p:txBody>
-            <a:bodyPr anchorCtr="0" anchor="ctr" bIns="91425" lIns="91425" spcFirstLastPara="1" rIns="91425" wrap="square" tIns="91425">
+            <a:bodyPr spcFirstLastPara="1" wrap="square" lIns="91425" tIns="91425" rIns="91425" bIns="91425" anchor="ctr" anchorCtr="0">
               <a:noAutofit/>
             </a:bodyPr>
             <a:lstStyle/>
             <a:p>
-              <a:pPr indent="0" lvl="0" marL="0" rtl="0" algn="l">
+              <a:pPr marL="0" lvl="0" indent="0" algn="l" rtl="0">
                 <a:spcBef>
                   <a:spcPts val="0"/>
                 </a:spcBef>
@@ -2379,9 +2431,6 @@
                 </a:spcAft>
                 <a:buNone/>
               </a:pPr>
-              <a:r>
-                <a:t/>
-              </a:r>
               <a:endParaRPr/>
             </a:p>
           </p:txBody>
@@ -2414,7 +2463,7 @@
             </a:xfrm>
             <a:prstGeom prst="parallelogram">
               <a:avLst>
-                <a:gd fmla="val 158024" name="adj"/>
+                <a:gd name="adj" fmla="val 158024"/>
               </a:avLst>
             </a:prstGeom>
             <a:solidFill>
@@ -2425,12 +2474,12 @@
             </a:ln>
           </p:spPr>
           <p:txBody>
-            <a:bodyPr anchorCtr="0" anchor="ctr" bIns="91425" lIns="91425" spcFirstLastPara="1" rIns="91425" wrap="square" tIns="91425">
+            <a:bodyPr spcFirstLastPara="1" wrap="square" lIns="91425" tIns="91425" rIns="91425" bIns="91425" anchor="ctr" anchorCtr="0">
               <a:noAutofit/>
             </a:bodyPr>
             <a:lstStyle/>
             <a:p>
-              <a:pPr indent="0" lvl="0" marL="0" rtl="0" algn="l">
+              <a:pPr marL="0" lvl="0" indent="0" algn="l" rtl="0">
                 <a:spcBef>
                   <a:spcPts val="0"/>
                 </a:spcBef>
@@ -2439,9 +2488,6 @@
                 </a:spcAft>
                 <a:buNone/>
               </a:pPr>
-              <a:r>
-                <a:t/>
-              </a:r>
               <a:endParaRPr/>
             </a:p>
           </p:txBody>
@@ -2459,7 +2505,7 @@
             </a:xfrm>
             <a:prstGeom prst="parallelogram">
               <a:avLst>
-                <a:gd fmla="val 158024" name="adj"/>
+                <a:gd name="adj" fmla="val 158024"/>
               </a:avLst>
             </a:prstGeom>
             <a:solidFill>
@@ -2470,12 +2516,12 @@
             </a:ln>
           </p:spPr>
           <p:txBody>
-            <a:bodyPr anchorCtr="0" anchor="ctr" bIns="91425" lIns="91425" spcFirstLastPara="1" rIns="91425" wrap="square" tIns="91425">
+            <a:bodyPr spcFirstLastPara="1" wrap="square" lIns="91425" tIns="91425" rIns="91425" bIns="91425" anchor="ctr" anchorCtr="0">
               <a:noAutofit/>
             </a:bodyPr>
             <a:lstStyle/>
             <a:p>
-              <a:pPr indent="0" lvl="0" marL="0" rtl="0" algn="l">
+              <a:pPr marL="0" lvl="0" indent="0" algn="l" rtl="0">
                 <a:spcBef>
                   <a:spcPts val="0"/>
                 </a:spcBef>
@@ -2484,9 +2530,6 @@
                 </a:spcAft>
                 <a:buNone/>
               </a:pPr>
-              <a:r>
-                <a:t/>
-              </a:r>
               <a:endParaRPr/>
             </a:p>
           </p:txBody>
@@ -2504,7 +2547,7 @@
             </a:xfrm>
             <a:prstGeom prst="parallelogram">
               <a:avLst>
-                <a:gd fmla="val 158024" name="adj"/>
+                <a:gd name="adj" fmla="val 158024"/>
               </a:avLst>
             </a:prstGeom>
             <a:solidFill>
@@ -2515,12 +2558,12 @@
             </a:ln>
           </p:spPr>
           <p:txBody>
-            <a:bodyPr anchorCtr="0" anchor="ctr" bIns="91425" lIns="91425" spcFirstLastPara="1" rIns="91425" wrap="square" tIns="91425">
+            <a:bodyPr spcFirstLastPara="1" wrap="square" lIns="91425" tIns="91425" rIns="91425" bIns="91425" anchor="ctr" anchorCtr="0">
               <a:noAutofit/>
             </a:bodyPr>
             <a:lstStyle/>
             <a:p>
-              <a:pPr indent="0" lvl="0" marL="0" rtl="0" algn="l">
+              <a:pPr marL="0" lvl="0" indent="0" algn="l" rtl="0">
                 <a:spcBef>
                   <a:spcPts val="0"/>
                 </a:spcBef>
@@ -2529,9 +2572,6 @@
                 </a:spcAft>
                 <a:buNone/>
               </a:pPr>
-              <a:r>
-                <a:t/>
-              </a:r>
               <a:endParaRPr/>
             </a:p>
           </p:txBody>
@@ -2564,7 +2604,7 @@
             </a:xfrm>
             <a:prstGeom prst="parallelogram">
               <a:avLst>
-                <a:gd fmla="val 158024" name="adj"/>
+                <a:gd name="adj" fmla="val 158024"/>
               </a:avLst>
             </a:prstGeom>
             <a:solidFill>
@@ -2575,12 +2615,12 @@
             </a:ln>
           </p:spPr>
           <p:txBody>
-            <a:bodyPr anchorCtr="0" anchor="ctr" bIns="91425" lIns="91425" spcFirstLastPara="1" rIns="91425" wrap="square" tIns="91425">
+            <a:bodyPr spcFirstLastPara="1" wrap="square" lIns="91425" tIns="91425" rIns="91425" bIns="91425" anchor="ctr" anchorCtr="0">
               <a:noAutofit/>
             </a:bodyPr>
             <a:lstStyle/>
             <a:p>
-              <a:pPr indent="0" lvl="0" marL="0" rtl="0" algn="l">
+              <a:pPr marL="0" lvl="0" indent="0" algn="l" rtl="0">
                 <a:spcBef>
                   <a:spcPts val="0"/>
                 </a:spcBef>
@@ -2589,9 +2629,6 @@
                 </a:spcAft>
                 <a:buNone/>
               </a:pPr>
-              <a:r>
-                <a:t/>
-              </a:r>
               <a:endParaRPr/>
             </a:p>
           </p:txBody>
@@ -2609,7 +2646,7 @@
             </a:xfrm>
             <a:prstGeom prst="parallelogram">
               <a:avLst>
-                <a:gd fmla="val 158024" name="adj"/>
+                <a:gd name="adj" fmla="val 158024"/>
               </a:avLst>
             </a:prstGeom>
             <a:solidFill>
@@ -2620,12 +2657,12 @@
             </a:ln>
           </p:spPr>
           <p:txBody>
-            <a:bodyPr anchorCtr="0" anchor="ctr" bIns="91425" lIns="91425" spcFirstLastPara="1" rIns="91425" wrap="square" tIns="91425">
+            <a:bodyPr spcFirstLastPara="1" wrap="square" lIns="91425" tIns="91425" rIns="91425" bIns="91425" anchor="ctr" anchorCtr="0">
               <a:noAutofit/>
             </a:bodyPr>
             <a:lstStyle/>
             <a:p>
-              <a:pPr indent="0" lvl="0" marL="0" rtl="0" algn="l">
+              <a:pPr marL="0" lvl="0" indent="0" algn="l" rtl="0">
                 <a:spcBef>
                   <a:spcPts val="0"/>
                 </a:spcBef>
@@ -2634,9 +2671,6 @@
                 </a:spcAft>
                 <a:buNone/>
               </a:pPr>
-              <a:r>
-                <a:t/>
-              </a:r>
               <a:endParaRPr/>
             </a:p>
           </p:txBody>
@@ -2654,7 +2688,7 @@
             </a:xfrm>
             <a:prstGeom prst="parallelogram">
               <a:avLst>
-                <a:gd fmla="val 158024" name="adj"/>
+                <a:gd name="adj" fmla="val 158024"/>
               </a:avLst>
             </a:prstGeom>
             <a:solidFill>
@@ -2665,12 +2699,12 @@
             </a:ln>
           </p:spPr>
           <p:txBody>
-            <a:bodyPr anchorCtr="0" anchor="ctr" bIns="91425" lIns="91425" spcFirstLastPara="1" rIns="91425" wrap="square" tIns="91425">
+            <a:bodyPr spcFirstLastPara="1" wrap="square" lIns="91425" tIns="91425" rIns="91425" bIns="91425" anchor="ctr" anchorCtr="0">
               <a:noAutofit/>
             </a:bodyPr>
             <a:lstStyle/>
             <a:p>
-              <a:pPr indent="0" lvl="0" marL="0" rtl="0" algn="l">
+              <a:pPr marL="0" lvl="0" indent="0" algn="l" rtl="0">
                 <a:spcBef>
                   <a:spcPts val="0"/>
                 </a:spcBef>
@@ -2679,9 +2713,6 @@
                 </a:spcAft>
                 <a:buNone/>
               </a:pPr>
-              <a:r>
-                <a:t/>
-              </a:r>
               <a:endParaRPr/>
             </a:p>
           </p:txBody>
@@ -2714,7 +2745,7 @@
             </a:xfrm>
             <a:prstGeom prst="parallelogram">
               <a:avLst>
-                <a:gd fmla="val 158024" name="adj"/>
+                <a:gd name="adj" fmla="val 158024"/>
               </a:avLst>
             </a:prstGeom>
             <a:solidFill>
@@ -2725,12 +2756,12 @@
             </a:ln>
           </p:spPr>
           <p:txBody>
-            <a:bodyPr anchorCtr="0" anchor="ctr" bIns="91425" lIns="91425" spcFirstLastPara="1" rIns="91425" wrap="square" tIns="91425">
+            <a:bodyPr spcFirstLastPara="1" wrap="square" lIns="91425" tIns="91425" rIns="91425" bIns="91425" anchor="ctr" anchorCtr="0">
               <a:noAutofit/>
             </a:bodyPr>
             <a:lstStyle/>
             <a:p>
-              <a:pPr indent="0" lvl="0" marL="0" rtl="0" algn="l">
+              <a:pPr marL="0" lvl="0" indent="0" algn="l" rtl="0">
                 <a:spcBef>
                   <a:spcPts val="0"/>
                 </a:spcBef>
@@ -2739,9 +2770,6 @@
                 </a:spcAft>
                 <a:buNone/>
               </a:pPr>
-              <a:r>
-                <a:t/>
-              </a:r>
               <a:endParaRPr/>
             </a:p>
           </p:txBody>
@@ -2759,7 +2787,7 @@
             </a:xfrm>
             <a:prstGeom prst="parallelogram">
               <a:avLst>
-                <a:gd fmla="val 158024" name="adj"/>
+                <a:gd name="adj" fmla="val 158024"/>
               </a:avLst>
             </a:prstGeom>
             <a:solidFill>
@@ -2770,12 +2798,12 @@
             </a:ln>
           </p:spPr>
           <p:txBody>
-            <a:bodyPr anchorCtr="0" anchor="ctr" bIns="91425" lIns="91425" spcFirstLastPara="1" rIns="91425" wrap="square" tIns="91425">
+            <a:bodyPr spcFirstLastPara="1" wrap="square" lIns="91425" tIns="91425" rIns="91425" bIns="91425" anchor="ctr" anchorCtr="0">
               <a:noAutofit/>
             </a:bodyPr>
             <a:lstStyle/>
             <a:p>
-              <a:pPr indent="0" lvl="0" marL="0" rtl="0" algn="l">
+              <a:pPr marL="0" lvl="0" indent="0" algn="l" rtl="0">
                 <a:spcBef>
                   <a:spcPts val="0"/>
                 </a:spcBef>
@@ -2784,9 +2812,6 @@
                 </a:spcAft>
                 <a:buNone/>
               </a:pPr>
-              <a:r>
-                <a:t/>
-              </a:r>
               <a:endParaRPr/>
             </a:p>
           </p:txBody>
@@ -2804,7 +2829,7 @@
             </a:xfrm>
             <a:prstGeom prst="parallelogram">
               <a:avLst>
-                <a:gd fmla="val 158024" name="adj"/>
+                <a:gd name="adj" fmla="val 158024"/>
               </a:avLst>
             </a:prstGeom>
             <a:solidFill>
@@ -2815,12 +2840,12 @@
             </a:ln>
           </p:spPr>
           <p:txBody>
-            <a:bodyPr anchorCtr="0" anchor="ctr" bIns="91425" lIns="91425" spcFirstLastPara="1" rIns="91425" wrap="square" tIns="91425">
+            <a:bodyPr spcFirstLastPara="1" wrap="square" lIns="91425" tIns="91425" rIns="91425" bIns="91425" anchor="ctr" anchorCtr="0">
               <a:noAutofit/>
             </a:bodyPr>
             <a:lstStyle/>
             <a:p>
-              <a:pPr indent="0" lvl="0" marL="0" rtl="0" algn="l">
+              <a:pPr marL="0" lvl="0" indent="0" algn="l" rtl="0">
                 <a:spcBef>
                   <a:spcPts val="0"/>
                 </a:spcBef>
@@ -2829,9 +2854,6 @@
                 </a:spcAft>
                 <a:buNone/>
               </a:pPr>
-              <a:r>
-                <a:t/>
-              </a:r>
               <a:endParaRPr/>
             </a:p>
           </p:txBody>
@@ -2840,7 +2862,9 @@
       <p:sp>
         <p:nvSpPr>
           <p:cNvPr id="34" name="Google Shape;34;p2"/>
-          <p:cNvSpPr txBox="1"/>
+          <p:cNvSpPr txBox="1">
+            <a:spLocks noGrp="1"/>
+          </p:cNvSpPr>
           <p:nvPr>
             <p:ph type="ctrTitle"/>
           </p:nvPr>
@@ -2855,7 +2879,7 @@
           </a:prstGeom>
         </p:spPr>
         <p:txBody>
-          <a:bodyPr anchorCtr="0" anchor="ctr" bIns="91425" lIns="91425" spcFirstLastPara="1" rIns="91425" wrap="square" tIns="91425">
+          <a:bodyPr spcFirstLastPara="1" wrap="square" lIns="91425" tIns="91425" rIns="91425" bIns="91425" anchor="ctr" anchorCtr="0">
             <a:noAutofit/>
           </a:bodyPr>
           <a:lstStyle>
@@ -2959,15 +2983,19 @@
               <a:defRPr sz="3800"/>
             </a:lvl9pPr>
           </a:lstStyle>
-          <a:p/>
+          <a:p>
+            <a:endParaRPr/>
+          </a:p>
         </p:txBody>
       </p:sp>
       <p:sp>
         <p:nvSpPr>
           <p:cNvPr id="35" name="Google Shape;35;p2"/>
-          <p:cNvSpPr txBox="1"/>
+          <p:cNvSpPr txBox="1">
+            <a:spLocks noGrp="1"/>
+          </p:cNvSpPr>
           <p:nvPr>
-            <p:ph idx="1" type="subTitle"/>
+            <p:ph type="subTitle" idx="1"/>
           </p:nvPr>
         </p:nvSpPr>
         <p:spPr>
@@ -2980,7 +3008,7 @@
           </a:prstGeom>
         </p:spPr>
         <p:txBody>
-          <a:bodyPr anchorCtr="0" anchor="t" bIns="91425" lIns="91425" spcFirstLastPara="1" rIns="91425" wrap="square" tIns="91425">
+          <a:bodyPr spcFirstLastPara="1" wrap="square" lIns="91425" tIns="91425" rIns="91425" bIns="91425" anchor="t" anchorCtr="0">
             <a:noAutofit/>
           </a:bodyPr>
           <a:lstStyle>
@@ -3174,15 +3202,19 @@
               </a:defRPr>
             </a:lvl9pPr>
           </a:lstStyle>
-          <a:p/>
+          <a:p>
+            <a:endParaRPr/>
+          </a:p>
         </p:txBody>
       </p:sp>
       <p:sp>
         <p:nvSpPr>
           <p:cNvPr id="36" name="Google Shape;36;p2"/>
-          <p:cNvSpPr txBox="1"/>
+          <p:cNvSpPr txBox="1">
+            <a:spLocks noGrp="1"/>
+          </p:cNvSpPr>
           <p:nvPr>
-            <p:ph idx="12" type="sldNum"/>
+            <p:ph type="sldNum" idx="12"/>
           </p:nvPr>
         </p:nvSpPr>
         <p:spPr>
@@ -3195,7 +3227,7 @@
           </a:prstGeom>
         </p:spPr>
         <p:txBody>
-          <a:bodyPr anchorCtr="0" anchor="ctr" bIns="91425" lIns="91425" spcFirstLastPara="1" rIns="91425" wrap="square" tIns="91425">
+          <a:bodyPr spcFirstLastPara="1" wrap="square" lIns="91425" tIns="91425" rIns="91425" bIns="91425" anchor="ctr" anchorCtr="0">
             <a:noAutofit/>
           </a:bodyPr>
           <a:lstStyle>
@@ -3237,7 +3269,7 @@
             </a:lvl9pPr>
           </a:lstStyle>
           <a:p>
-            <a:pPr indent="0" lvl="0" marL="0" rtl="0" algn="r">
+            <a:pPr marL="0" lvl="0" indent="0" algn="r" rtl="0">
               <a:spcBef>
                 <a:spcPts val="0"/>
               </a:spcBef>
@@ -3263,18 +3295,19 @@
 </file>
 
 <file path=ppt/slideLayouts/slideLayout10.xml><?xml version="1.0" encoding="utf-8"?>
-<p:sldLayout xmlns:a="http://schemas.openxmlformats.org/drawingml/2006/main" xmlns:r="http://schemas.openxmlformats.org/officeDocument/2006/relationships" xmlns:mc="http://schemas.openxmlformats.org/markup-compatibility/2006" xmlns:mv="urn:schemas-microsoft-com:mac:vml" xmlns:p="http://schemas.openxmlformats.org/presentationml/2006/main" xmlns:c="http://schemas.openxmlformats.org/drawingml/2006/chart" xmlns:dgm="http://schemas.openxmlformats.org/drawingml/2006/diagram" xmlns:o="urn:schemas-microsoft-com:office:office" xmlns:v="urn:schemas-microsoft-com:vml" xmlns:pvml="urn:schemas-microsoft-com:office:powerpoint" xmlns:com="http://schemas.openxmlformats.org/drawingml/2006/compatibility" xmlns:p14="http://schemas.microsoft.com/office/powerpoint/2010/main" xmlns:p15="http://schemas.microsoft.com/office/powerpoint/2012/main" xmlns:ahyp="http://schemas.microsoft.com/office/drawing/2018/hyperlinkcolor" matchingName="Big number">
+<p:sldLayout xmlns:a="http://schemas.openxmlformats.org/drawingml/2006/main" xmlns:r="http://schemas.openxmlformats.org/officeDocument/2006/relationships" xmlns:p="http://schemas.openxmlformats.org/presentationml/2006/main" matchingName="Big number">
   <p:cSld name="BIG_NUMBER">
     <p:bg>
       <p:bgPr>
         <a:solidFill>
           <a:schemeClr val="accent3"/>
         </a:solidFill>
+        <a:effectLst/>
       </p:bgPr>
     </p:bg>
     <p:spTree>
       <p:nvGrpSpPr>
-        <p:cNvPr id="109" name="Shape 109"/>
+        <p:cNvPr id="1" name="Shape 109"/>
         <p:cNvGrpSpPr/>
         <p:nvPr/>
       </p:nvGrpSpPr>
@@ -3308,12 +3341,12 @@
           </a:ln>
         </p:spPr>
         <p:txBody>
-          <a:bodyPr anchorCtr="0" anchor="ctr" bIns="91425" lIns="91425" spcFirstLastPara="1" rIns="91425" wrap="square" tIns="91425">
+          <a:bodyPr spcFirstLastPara="1" wrap="square" lIns="91425" tIns="91425" rIns="91425" bIns="91425" anchor="ctr" anchorCtr="0">
             <a:noAutofit/>
           </a:bodyPr>
           <a:lstStyle/>
           <a:p>
-            <a:pPr indent="0" lvl="0" marL="0" rtl="0" algn="l">
+            <a:pPr marL="0" lvl="0" indent="0" algn="l" rtl="0">
               <a:spcBef>
                 <a:spcPts val="0"/>
               </a:spcBef>
@@ -3322,9 +3355,6 @@
               </a:spcAft>
               <a:buNone/>
             </a:pPr>
-            <a:r>
-              <a:t/>
-            </a:r>
             <a:endParaRPr/>
           </a:p>
         </p:txBody>
@@ -3356,7 +3386,7 @@
             </a:xfrm>
             <a:prstGeom prst="parallelogram">
               <a:avLst>
-                <a:gd fmla="val 158024" name="adj"/>
+                <a:gd name="adj" fmla="val 158024"/>
               </a:avLst>
             </a:prstGeom>
             <a:solidFill>
@@ -3367,12 +3397,12 @@
             </a:ln>
           </p:spPr>
           <p:txBody>
-            <a:bodyPr anchorCtr="0" anchor="ctr" bIns="91425" lIns="91425" spcFirstLastPara="1" rIns="91425" wrap="square" tIns="91425">
+            <a:bodyPr spcFirstLastPara="1" wrap="square" lIns="91425" tIns="91425" rIns="91425" bIns="91425" anchor="ctr" anchorCtr="0">
               <a:noAutofit/>
             </a:bodyPr>
             <a:lstStyle/>
             <a:p>
-              <a:pPr indent="0" lvl="0" marL="0" rtl="0" algn="l">
+              <a:pPr marL="0" lvl="0" indent="0" algn="l" rtl="0">
                 <a:spcBef>
                   <a:spcPts val="0"/>
                 </a:spcBef>
@@ -3381,9 +3411,6 @@
                 </a:spcAft>
                 <a:buNone/>
               </a:pPr>
-              <a:r>
-                <a:t/>
-              </a:r>
               <a:endParaRPr/>
             </a:p>
           </p:txBody>
@@ -3401,7 +3428,7 @@
             </a:xfrm>
             <a:prstGeom prst="parallelogram">
               <a:avLst>
-                <a:gd fmla="val 158024" name="adj"/>
+                <a:gd name="adj" fmla="val 158024"/>
               </a:avLst>
             </a:prstGeom>
             <a:solidFill>
@@ -3412,12 +3439,12 @@
             </a:ln>
           </p:spPr>
           <p:txBody>
-            <a:bodyPr anchorCtr="0" anchor="ctr" bIns="91425" lIns="91425" spcFirstLastPara="1" rIns="91425" wrap="square" tIns="91425">
+            <a:bodyPr spcFirstLastPara="1" wrap="square" lIns="91425" tIns="91425" rIns="91425" bIns="91425" anchor="ctr" anchorCtr="0">
               <a:noAutofit/>
             </a:bodyPr>
             <a:lstStyle/>
             <a:p>
-              <a:pPr indent="0" lvl="0" marL="0" rtl="0" algn="l">
+              <a:pPr marL="0" lvl="0" indent="0" algn="l" rtl="0">
                 <a:spcBef>
                   <a:spcPts val="0"/>
                 </a:spcBef>
@@ -3426,9 +3453,6 @@
                 </a:spcAft>
                 <a:buNone/>
               </a:pPr>
-              <a:r>
-                <a:t/>
-              </a:r>
               <a:endParaRPr/>
             </a:p>
           </p:txBody>
@@ -3446,7 +3470,7 @@
             </a:xfrm>
             <a:prstGeom prst="parallelogram">
               <a:avLst>
-                <a:gd fmla="val 158024" name="adj"/>
+                <a:gd name="adj" fmla="val 158024"/>
               </a:avLst>
             </a:prstGeom>
             <a:solidFill>
@@ -3457,12 +3481,12 @@
             </a:ln>
           </p:spPr>
           <p:txBody>
-            <a:bodyPr anchorCtr="0" anchor="ctr" bIns="91425" lIns="91425" spcFirstLastPara="1" rIns="91425" wrap="square" tIns="91425">
+            <a:bodyPr spcFirstLastPara="1" wrap="square" lIns="91425" tIns="91425" rIns="91425" bIns="91425" anchor="ctr" anchorCtr="0">
               <a:noAutofit/>
             </a:bodyPr>
             <a:lstStyle/>
             <a:p>
-              <a:pPr indent="0" lvl="0" marL="0" rtl="0" algn="l">
+              <a:pPr marL="0" lvl="0" indent="0" algn="l" rtl="0">
                 <a:spcBef>
                   <a:spcPts val="0"/>
                 </a:spcBef>
@@ -3471,9 +3495,6 @@
                 </a:spcAft>
                 <a:buNone/>
               </a:pPr>
-              <a:r>
-                <a:t/>
-              </a:r>
               <a:endParaRPr/>
             </a:p>
           </p:txBody>
@@ -3506,7 +3527,7 @@
             </a:xfrm>
             <a:prstGeom prst="parallelogram">
               <a:avLst>
-                <a:gd fmla="val 158024" name="adj"/>
+                <a:gd name="adj" fmla="val 158024"/>
               </a:avLst>
             </a:prstGeom>
             <a:solidFill>
@@ -3517,12 +3538,12 @@
             </a:ln>
           </p:spPr>
           <p:txBody>
-            <a:bodyPr anchorCtr="0" anchor="ctr" bIns="91425" lIns="91425" spcFirstLastPara="1" rIns="91425" wrap="square" tIns="91425">
+            <a:bodyPr spcFirstLastPara="1" wrap="square" lIns="91425" tIns="91425" rIns="91425" bIns="91425" anchor="ctr" anchorCtr="0">
               <a:noAutofit/>
             </a:bodyPr>
             <a:lstStyle/>
             <a:p>
-              <a:pPr indent="0" lvl="0" marL="0" rtl="0" algn="l">
+              <a:pPr marL="0" lvl="0" indent="0" algn="l" rtl="0">
                 <a:spcBef>
                   <a:spcPts val="0"/>
                 </a:spcBef>
@@ -3531,9 +3552,6 @@
                 </a:spcAft>
                 <a:buNone/>
               </a:pPr>
-              <a:r>
-                <a:t/>
-              </a:r>
               <a:endParaRPr/>
             </a:p>
           </p:txBody>
@@ -3551,7 +3569,7 @@
             </a:xfrm>
             <a:prstGeom prst="parallelogram">
               <a:avLst>
-                <a:gd fmla="val 158024" name="adj"/>
+                <a:gd name="adj" fmla="val 158024"/>
               </a:avLst>
             </a:prstGeom>
             <a:solidFill>
@@ -3562,12 +3580,12 @@
             </a:ln>
           </p:spPr>
           <p:txBody>
-            <a:bodyPr anchorCtr="0" anchor="ctr" bIns="91425" lIns="91425" spcFirstLastPara="1" rIns="91425" wrap="square" tIns="91425">
+            <a:bodyPr spcFirstLastPara="1" wrap="square" lIns="91425" tIns="91425" rIns="91425" bIns="91425" anchor="ctr" anchorCtr="0">
               <a:noAutofit/>
             </a:bodyPr>
             <a:lstStyle/>
             <a:p>
-              <a:pPr indent="0" lvl="0" marL="0" rtl="0" algn="l">
+              <a:pPr marL="0" lvl="0" indent="0" algn="l" rtl="0">
                 <a:spcBef>
                   <a:spcPts val="0"/>
                 </a:spcBef>
@@ -3576,9 +3594,6 @@
                 </a:spcAft>
                 <a:buNone/>
               </a:pPr>
-              <a:r>
-                <a:t/>
-              </a:r>
               <a:endParaRPr/>
             </a:p>
           </p:txBody>
@@ -3596,7 +3611,7 @@
             </a:xfrm>
             <a:prstGeom prst="parallelogram">
               <a:avLst>
-                <a:gd fmla="val 158024" name="adj"/>
+                <a:gd name="adj" fmla="val 158024"/>
               </a:avLst>
             </a:prstGeom>
             <a:solidFill>
@@ -3607,12 +3622,12 @@
             </a:ln>
           </p:spPr>
           <p:txBody>
-            <a:bodyPr anchorCtr="0" anchor="ctr" bIns="91425" lIns="91425" spcFirstLastPara="1" rIns="91425" wrap="square" tIns="91425">
+            <a:bodyPr spcFirstLastPara="1" wrap="square" lIns="91425" tIns="91425" rIns="91425" bIns="91425" anchor="ctr" anchorCtr="0">
               <a:noAutofit/>
             </a:bodyPr>
             <a:lstStyle/>
             <a:p>
-              <a:pPr indent="0" lvl="0" marL="0" rtl="0" algn="l">
+              <a:pPr marL="0" lvl="0" indent="0" algn="l" rtl="0">
                 <a:spcBef>
                   <a:spcPts val="0"/>
                 </a:spcBef>
@@ -3621,9 +3636,6 @@
                 </a:spcAft>
                 <a:buNone/>
               </a:pPr>
-              <a:r>
-                <a:t/>
-              </a:r>
               <a:endParaRPr/>
             </a:p>
           </p:txBody>
@@ -3632,9 +3644,11 @@
       <p:sp>
         <p:nvSpPr>
           <p:cNvPr id="119" name="Google Shape;119;p11"/>
-          <p:cNvSpPr txBox="1"/>
+          <p:cNvSpPr txBox="1">
+            <a:spLocks noGrp="1"/>
+          </p:cNvSpPr>
           <p:nvPr>
-            <p:ph hasCustomPrompt="1" type="title"/>
+            <p:ph type="title" hasCustomPrompt="1"/>
           </p:nvPr>
         </p:nvSpPr>
         <p:spPr>
@@ -3647,7 +3661,7 @@
           </a:prstGeom>
         </p:spPr>
         <p:txBody>
-          <a:bodyPr anchorCtr="0" anchor="ctr" bIns="91425" lIns="91425" spcFirstLastPara="1" rIns="91425" wrap="square" tIns="91425">
+          <a:bodyPr spcFirstLastPara="1" wrap="square" lIns="91425" tIns="91425" rIns="91425" bIns="91425" anchor="ctr" anchorCtr="0">
             <a:noAutofit/>
           </a:bodyPr>
           <a:lstStyle>
@@ -3824,9 +3838,11 @@
       <p:sp>
         <p:nvSpPr>
           <p:cNvPr id="120" name="Google Shape;120;p11"/>
-          <p:cNvSpPr txBox="1"/>
+          <p:cNvSpPr txBox="1">
+            <a:spLocks noGrp="1"/>
+          </p:cNvSpPr>
           <p:nvPr>
-            <p:ph idx="1" type="body"/>
+            <p:ph type="body" idx="1"/>
           </p:nvPr>
         </p:nvSpPr>
         <p:spPr>
@@ -3839,11 +3855,11 @@
           </a:prstGeom>
         </p:spPr>
         <p:txBody>
-          <a:bodyPr anchorCtr="0" anchor="t" bIns="91425" lIns="91425" spcFirstLastPara="1" rIns="91425" wrap="square" tIns="91425">
+          <a:bodyPr spcFirstLastPara="1" wrap="square" lIns="91425" tIns="91425" rIns="91425" bIns="91425" anchor="t" anchorCtr="0">
             <a:noAutofit/>
           </a:bodyPr>
           <a:lstStyle>
-            <a:lvl1pPr indent="-311150" lvl="0" marL="457200" algn="ctr">
+            <a:lvl1pPr marL="457200" lvl="0" indent="-311150" algn="ctr">
               <a:spcBef>
                 <a:spcPts val="0"/>
               </a:spcBef>
@@ -3854,7 +3870,7 @@
               <a:buChar char="●"/>
               <a:defRPr/>
             </a:lvl1pPr>
-            <a:lvl2pPr indent="-298450" lvl="1" marL="914400" algn="ctr">
+            <a:lvl2pPr marL="914400" lvl="1" indent="-298450" algn="ctr">
               <a:spcBef>
                 <a:spcPts val="1600"/>
               </a:spcBef>
@@ -3865,7 +3881,7 @@
               <a:buChar char="○"/>
               <a:defRPr/>
             </a:lvl2pPr>
-            <a:lvl3pPr indent="-298450" lvl="2" marL="1371600" algn="ctr">
+            <a:lvl3pPr marL="1371600" lvl="2" indent="-298450" algn="ctr">
               <a:spcBef>
                 <a:spcPts val="1600"/>
               </a:spcBef>
@@ -3876,7 +3892,7 @@
               <a:buChar char="■"/>
               <a:defRPr/>
             </a:lvl3pPr>
-            <a:lvl4pPr indent="-298450" lvl="3" marL="1828800" algn="ctr">
+            <a:lvl4pPr marL="1828800" lvl="3" indent="-298450" algn="ctr">
               <a:spcBef>
                 <a:spcPts val="1600"/>
               </a:spcBef>
@@ -3887,7 +3903,7 @@
               <a:buChar char="●"/>
               <a:defRPr/>
             </a:lvl4pPr>
-            <a:lvl5pPr indent="-298450" lvl="4" marL="2286000" algn="ctr">
+            <a:lvl5pPr marL="2286000" lvl="4" indent="-298450" algn="ctr">
               <a:spcBef>
                 <a:spcPts val="1600"/>
               </a:spcBef>
@@ -3898,7 +3914,7 @@
               <a:buChar char="○"/>
               <a:defRPr/>
             </a:lvl5pPr>
-            <a:lvl6pPr indent="-298450" lvl="5" marL="2743200" algn="ctr">
+            <a:lvl6pPr marL="2743200" lvl="5" indent="-298450" algn="ctr">
               <a:spcBef>
                 <a:spcPts val="1600"/>
               </a:spcBef>
@@ -3909,7 +3925,7 @@
               <a:buChar char="■"/>
               <a:defRPr/>
             </a:lvl6pPr>
-            <a:lvl7pPr indent="-298450" lvl="6" marL="3200400" algn="ctr">
+            <a:lvl7pPr marL="3200400" lvl="6" indent="-298450" algn="ctr">
               <a:spcBef>
                 <a:spcPts val="1600"/>
               </a:spcBef>
@@ -3920,7 +3936,7 @@
               <a:buChar char="●"/>
               <a:defRPr/>
             </a:lvl7pPr>
-            <a:lvl8pPr indent="-298450" lvl="7" marL="3657600" algn="ctr">
+            <a:lvl8pPr marL="3657600" lvl="7" indent="-298450" algn="ctr">
               <a:spcBef>
                 <a:spcPts val="1600"/>
               </a:spcBef>
@@ -3931,7 +3947,7 @@
               <a:buChar char="○"/>
               <a:defRPr/>
             </a:lvl8pPr>
-            <a:lvl9pPr indent="-298450" lvl="8" marL="4114800" algn="ctr">
+            <a:lvl9pPr marL="4114800" lvl="8" indent="-298450" algn="ctr">
               <a:spcBef>
                 <a:spcPts val="1600"/>
               </a:spcBef>
@@ -3943,15 +3959,19 @@
               <a:defRPr/>
             </a:lvl9pPr>
           </a:lstStyle>
-          <a:p/>
+          <a:p>
+            <a:endParaRPr/>
+          </a:p>
         </p:txBody>
       </p:sp>
       <p:sp>
         <p:nvSpPr>
           <p:cNvPr id="121" name="Google Shape;121;p11"/>
-          <p:cNvSpPr txBox="1"/>
+          <p:cNvSpPr txBox="1">
+            <a:spLocks noGrp="1"/>
+          </p:cNvSpPr>
           <p:nvPr>
-            <p:ph idx="12" type="sldNum"/>
+            <p:ph type="sldNum" idx="12"/>
           </p:nvPr>
         </p:nvSpPr>
         <p:spPr>
@@ -3964,7 +3984,7 @@
           </a:prstGeom>
         </p:spPr>
         <p:txBody>
-          <a:bodyPr anchorCtr="0" anchor="ctr" bIns="91425" lIns="91425" spcFirstLastPara="1" rIns="91425" wrap="square" tIns="91425">
+          <a:bodyPr spcFirstLastPara="1" wrap="square" lIns="91425" tIns="91425" rIns="91425" bIns="91425" anchor="ctr" anchorCtr="0">
             <a:noAutofit/>
           </a:bodyPr>
           <a:lstStyle>
@@ -4006,7 +4026,7 @@
             </a:lvl9pPr>
           </a:lstStyle>
           <a:p>
-            <a:pPr indent="0" lvl="0" marL="0" rtl="0" algn="r">
+            <a:pPr marL="0" lvl="0" indent="0" algn="r" rtl="0">
               <a:spcBef>
                 <a:spcPts val="0"/>
               </a:spcBef>
@@ -4032,11 +4052,11 @@
 </file>
 
 <file path=ppt/slideLayouts/slideLayout11.xml><?xml version="1.0" encoding="utf-8"?>
-<p:sldLayout xmlns:a="http://schemas.openxmlformats.org/drawingml/2006/main" xmlns:r="http://schemas.openxmlformats.org/officeDocument/2006/relationships" xmlns:mc="http://schemas.openxmlformats.org/markup-compatibility/2006" xmlns:mv="urn:schemas-microsoft-com:mac:vml" xmlns:p="http://schemas.openxmlformats.org/presentationml/2006/main" xmlns:c="http://schemas.openxmlformats.org/drawingml/2006/chart" xmlns:dgm="http://schemas.openxmlformats.org/drawingml/2006/diagram" xmlns:o="urn:schemas-microsoft-com:office:office" xmlns:v="urn:schemas-microsoft-com:vml" xmlns:pvml="urn:schemas-microsoft-com:office:powerpoint" xmlns:com="http://schemas.openxmlformats.org/drawingml/2006/compatibility" xmlns:p14="http://schemas.microsoft.com/office/powerpoint/2010/main" xmlns:p15="http://schemas.microsoft.com/office/powerpoint/2012/main" xmlns:ahyp="http://schemas.microsoft.com/office/drawing/2018/hyperlinkcolor" matchingName="Blank" type="blank">
+<p:sldLayout xmlns:a="http://schemas.openxmlformats.org/drawingml/2006/main" xmlns:r="http://schemas.openxmlformats.org/officeDocument/2006/relationships" xmlns:p="http://schemas.openxmlformats.org/presentationml/2006/main" matchingName="Blank" type="blank">
   <p:cSld name="BLANK">
     <p:spTree>
       <p:nvGrpSpPr>
-        <p:cNvPr id="122" name="Shape 122"/>
+        <p:cNvPr id="1" name="Shape 122"/>
         <p:cNvGrpSpPr/>
         <p:nvPr/>
       </p:nvGrpSpPr>
@@ -4051,9 +4071,11 @@
       <p:sp>
         <p:nvSpPr>
           <p:cNvPr id="123" name="Google Shape;123;p12"/>
-          <p:cNvSpPr txBox="1"/>
+          <p:cNvSpPr txBox="1">
+            <a:spLocks noGrp="1"/>
+          </p:cNvSpPr>
           <p:nvPr>
-            <p:ph idx="12" type="sldNum"/>
+            <p:ph type="sldNum" idx="12"/>
           </p:nvPr>
         </p:nvSpPr>
         <p:spPr>
@@ -4066,7 +4088,7 @@
           </a:prstGeom>
         </p:spPr>
         <p:txBody>
-          <a:bodyPr anchorCtr="0" anchor="ctr" bIns="91425" lIns="91425" spcFirstLastPara="1" rIns="91425" wrap="square" tIns="91425">
+          <a:bodyPr spcFirstLastPara="1" wrap="square" lIns="91425" tIns="91425" rIns="91425" bIns="91425" anchor="ctr" anchorCtr="0">
             <a:noAutofit/>
           </a:bodyPr>
           <a:lstStyle>
@@ -4108,7 +4130,7 @@
             </a:lvl9pPr>
           </a:lstStyle>
           <a:p>
-            <a:pPr indent="0" lvl="0" marL="0" rtl="0" algn="r">
+            <a:pPr marL="0" lvl="0" indent="0" algn="r" rtl="0">
               <a:spcBef>
                 <a:spcPts val="0"/>
               </a:spcBef>
@@ -4134,18 +4156,19 @@
 </file>
 
 <file path=ppt/slideLayouts/slideLayout2.xml><?xml version="1.0" encoding="utf-8"?>
-<p:sldLayout xmlns:a="http://schemas.openxmlformats.org/drawingml/2006/main" xmlns:r="http://schemas.openxmlformats.org/officeDocument/2006/relationships" xmlns:mc="http://schemas.openxmlformats.org/markup-compatibility/2006" xmlns:mv="urn:schemas-microsoft-com:mac:vml" xmlns:p="http://schemas.openxmlformats.org/presentationml/2006/main" xmlns:c="http://schemas.openxmlformats.org/drawingml/2006/chart" xmlns:dgm="http://schemas.openxmlformats.org/drawingml/2006/diagram" xmlns:o="urn:schemas-microsoft-com:office:office" xmlns:v="urn:schemas-microsoft-com:vml" xmlns:pvml="urn:schemas-microsoft-com:office:powerpoint" xmlns:com="http://schemas.openxmlformats.org/drawingml/2006/compatibility" xmlns:p14="http://schemas.microsoft.com/office/powerpoint/2010/main" xmlns:p15="http://schemas.microsoft.com/office/powerpoint/2012/main" xmlns:ahyp="http://schemas.microsoft.com/office/drawing/2018/hyperlinkcolor" matchingName="Section header" type="secHead">
+<p:sldLayout xmlns:a="http://schemas.openxmlformats.org/drawingml/2006/main" xmlns:r="http://schemas.openxmlformats.org/officeDocument/2006/relationships" xmlns:p="http://schemas.openxmlformats.org/presentationml/2006/main" matchingName="Section header" type="secHead">
   <p:cSld name="SECTION_HEADER">
     <p:bg>
       <p:bgPr>
         <a:solidFill>
           <a:schemeClr val="accent3"/>
         </a:solidFill>
+        <a:effectLst/>
       </p:bgPr>
     </p:bg>
     <p:spTree>
       <p:nvGrpSpPr>
-        <p:cNvPr id="37" name="Shape 37"/>
+        <p:cNvPr id="1" name="Shape 37"/>
         <p:cNvGrpSpPr/>
         <p:nvPr/>
       </p:nvGrpSpPr>
@@ -4179,12 +4202,12 @@
           </a:ln>
         </p:spPr>
         <p:txBody>
-          <a:bodyPr anchorCtr="0" anchor="ctr" bIns="91425" lIns="91425" spcFirstLastPara="1" rIns="91425" wrap="square" tIns="91425">
+          <a:bodyPr spcFirstLastPara="1" wrap="square" lIns="91425" tIns="91425" rIns="91425" bIns="91425" anchor="ctr" anchorCtr="0">
             <a:noAutofit/>
           </a:bodyPr>
           <a:lstStyle/>
           <a:p>
-            <a:pPr indent="0" lvl="0" marL="0" rtl="0" algn="l">
+            <a:pPr marL="0" lvl="0" indent="0" algn="l" rtl="0">
               <a:spcBef>
                 <a:spcPts val="0"/>
               </a:spcBef>
@@ -4193,9 +4216,6 @@
               </a:spcAft>
               <a:buNone/>
             </a:pPr>
-            <a:r>
-              <a:t/>
-            </a:r>
             <a:endParaRPr/>
           </a:p>
         </p:txBody>
@@ -4227,7 +4247,7 @@
             </a:xfrm>
             <a:prstGeom prst="parallelogram">
               <a:avLst>
-                <a:gd fmla="val 158024" name="adj"/>
+                <a:gd name="adj" fmla="val 158024"/>
               </a:avLst>
             </a:prstGeom>
             <a:solidFill>
@@ -4238,12 +4258,12 @@
             </a:ln>
           </p:spPr>
           <p:txBody>
-            <a:bodyPr anchorCtr="0" anchor="ctr" bIns="91425" lIns="91425" spcFirstLastPara="1" rIns="91425" wrap="square" tIns="91425">
+            <a:bodyPr spcFirstLastPara="1" wrap="square" lIns="91425" tIns="91425" rIns="91425" bIns="91425" anchor="ctr" anchorCtr="0">
               <a:noAutofit/>
             </a:bodyPr>
             <a:lstStyle/>
             <a:p>
-              <a:pPr indent="0" lvl="0" marL="0" rtl="0" algn="l">
+              <a:pPr marL="0" lvl="0" indent="0" algn="l" rtl="0">
                 <a:spcBef>
                   <a:spcPts val="0"/>
                 </a:spcBef>
@@ -4252,9 +4272,6 @@
                 </a:spcAft>
                 <a:buNone/>
               </a:pPr>
-              <a:r>
-                <a:t/>
-              </a:r>
               <a:endParaRPr/>
             </a:p>
           </p:txBody>
@@ -4272,7 +4289,7 @@
             </a:xfrm>
             <a:prstGeom prst="parallelogram">
               <a:avLst>
-                <a:gd fmla="val 158024" name="adj"/>
+                <a:gd name="adj" fmla="val 158024"/>
               </a:avLst>
             </a:prstGeom>
             <a:solidFill>
@@ -4283,12 +4300,12 @@
             </a:ln>
           </p:spPr>
           <p:txBody>
-            <a:bodyPr anchorCtr="0" anchor="ctr" bIns="91425" lIns="91425" spcFirstLastPara="1" rIns="91425" wrap="square" tIns="91425">
+            <a:bodyPr spcFirstLastPara="1" wrap="square" lIns="91425" tIns="91425" rIns="91425" bIns="91425" anchor="ctr" anchorCtr="0">
               <a:noAutofit/>
             </a:bodyPr>
             <a:lstStyle/>
             <a:p>
-              <a:pPr indent="0" lvl="0" marL="0" rtl="0" algn="l">
+              <a:pPr marL="0" lvl="0" indent="0" algn="l" rtl="0">
                 <a:spcBef>
                   <a:spcPts val="0"/>
                 </a:spcBef>
@@ -4297,9 +4314,6 @@
                 </a:spcAft>
                 <a:buNone/>
               </a:pPr>
-              <a:r>
-                <a:t/>
-              </a:r>
               <a:endParaRPr/>
             </a:p>
           </p:txBody>
@@ -4317,7 +4331,7 @@
             </a:xfrm>
             <a:prstGeom prst="parallelogram">
               <a:avLst>
-                <a:gd fmla="val 158024" name="adj"/>
+                <a:gd name="adj" fmla="val 158024"/>
               </a:avLst>
             </a:prstGeom>
             <a:solidFill>
@@ -4328,12 +4342,12 @@
             </a:ln>
           </p:spPr>
           <p:txBody>
-            <a:bodyPr anchorCtr="0" anchor="ctr" bIns="91425" lIns="91425" spcFirstLastPara="1" rIns="91425" wrap="square" tIns="91425">
+            <a:bodyPr spcFirstLastPara="1" wrap="square" lIns="91425" tIns="91425" rIns="91425" bIns="91425" anchor="ctr" anchorCtr="0">
               <a:noAutofit/>
             </a:bodyPr>
             <a:lstStyle/>
             <a:p>
-              <a:pPr indent="0" lvl="0" marL="0" rtl="0" algn="l">
+              <a:pPr marL="0" lvl="0" indent="0" algn="l" rtl="0">
                 <a:spcBef>
                   <a:spcPts val="0"/>
                 </a:spcBef>
@@ -4342,9 +4356,6 @@
                 </a:spcAft>
                 <a:buNone/>
               </a:pPr>
-              <a:r>
-                <a:t/>
-              </a:r>
               <a:endParaRPr/>
             </a:p>
           </p:txBody>
@@ -4377,7 +4388,7 @@
             </a:xfrm>
             <a:prstGeom prst="parallelogram">
               <a:avLst>
-                <a:gd fmla="val 158024" name="adj"/>
+                <a:gd name="adj" fmla="val 158024"/>
               </a:avLst>
             </a:prstGeom>
             <a:solidFill>
@@ -4388,12 +4399,12 @@
             </a:ln>
           </p:spPr>
           <p:txBody>
-            <a:bodyPr anchorCtr="0" anchor="ctr" bIns="91425" lIns="91425" spcFirstLastPara="1" rIns="91425" wrap="square" tIns="91425">
+            <a:bodyPr spcFirstLastPara="1" wrap="square" lIns="91425" tIns="91425" rIns="91425" bIns="91425" anchor="ctr" anchorCtr="0">
               <a:noAutofit/>
             </a:bodyPr>
             <a:lstStyle/>
             <a:p>
-              <a:pPr indent="0" lvl="0" marL="0" rtl="0" algn="l">
+              <a:pPr marL="0" lvl="0" indent="0" algn="l" rtl="0">
                 <a:spcBef>
                   <a:spcPts val="0"/>
                 </a:spcBef>
@@ -4402,9 +4413,6 @@
                 </a:spcAft>
                 <a:buNone/>
               </a:pPr>
-              <a:r>
-                <a:t/>
-              </a:r>
               <a:endParaRPr/>
             </a:p>
           </p:txBody>
@@ -4422,7 +4430,7 @@
             </a:xfrm>
             <a:prstGeom prst="parallelogram">
               <a:avLst>
-                <a:gd fmla="val 158024" name="adj"/>
+                <a:gd name="adj" fmla="val 158024"/>
               </a:avLst>
             </a:prstGeom>
             <a:solidFill>
@@ -4433,12 +4441,12 @@
             </a:ln>
           </p:spPr>
           <p:txBody>
-            <a:bodyPr anchorCtr="0" anchor="ctr" bIns="91425" lIns="91425" spcFirstLastPara="1" rIns="91425" wrap="square" tIns="91425">
+            <a:bodyPr spcFirstLastPara="1" wrap="square" lIns="91425" tIns="91425" rIns="91425" bIns="91425" anchor="ctr" anchorCtr="0">
               <a:noAutofit/>
             </a:bodyPr>
             <a:lstStyle/>
             <a:p>
-              <a:pPr indent="0" lvl="0" marL="0" rtl="0" algn="l">
+              <a:pPr marL="0" lvl="0" indent="0" algn="l" rtl="0">
                 <a:spcBef>
                   <a:spcPts val="0"/>
                 </a:spcBef>
@@ -4447,9 +4455,6 @@
                 </a:spcAft>
                 <a:buNone/>
               </a:pPr>
-              <a:r>
-                <a:t/>
-              </a:r>
               <a:endParaRPr/>
             </a:p>
           </p:txBody>
@@ -4467,7 +4472,7 @@
             </a:xfrm>
             <a:prstGeom prst="parallelogram">
               <a:avLst>
-                <a:gd fmla="val 158024" name="adj"/>
+                <a:gd name="adj" fmla="val 158024"/>
               </a:avLst>
             </a:prstGeom>
             <a:solidFill>
@@ -4478,12 +4483,12 @@
             </a:ln>
           </p:spPr>
           <p:txBody>
-            <a:bodyPr anchorCtr="0" anchor="ctr" bIns="91425" lIns="91425" spcFirstLastPara="1" rIns="91425" wrap="square" tIns="91425">
+            <a:bodyPr spcFirstLastPara="1" wrap="square" lIns="91425" tIns="91425" rIns="91425" bIns="91425" anchor="ctr" anchorCtr="0">
               <a:noAutofit/>
             </a:bodyPr>
             <a:lstStyle/>
             <a:p>
-              <a:pPr indent="0" lvl="0" marL="0" rtl="0" algn="l">
+              <a:pPr marL="0" lvl="0" indent="0" algn="l" rtl="0">
                 <a:spcBef>
                   <a:spcPts val="0"/>
                 </a:spcBef>
@@ -4492,9 +4497,6 @@
                 </a:spcAft>
                 <a:buNone/>
               </a:pPr>
-              <a:r>
-                <a:t/>
-              </a:r>
               <a:endParaRPr/>
             </a:p>
           </p:txBody>
@@ -4503,7 +4505,9 @@
       <p:sp>
         <p:nvSpPr>
           <p:cNvPr id="47" name="Google Shape;47;p3"/>
-          <p:cNvSpPr txBox="1"/>
+          <p:cNvSpPr txBox="1">
+            <a:spLocks noGrp="1"/>
+          </p:cNvSpPr>
           <p:nvPr>
             <p:ph type="title"/>
           </p:nvPr>
@@ -4518,7 +4522,7 @@
           </a:prstGeom>
         </p:spPr>
         <p:txBody>
-          <a:bodyPr anchorCtr="0" anchor="ctr" bIns="91425" lIns="91425" spcFirstLastPara="1" rIns="91425" wrap="square" tIns="91425">
+          <a:bodyPr spcFirstLastPara="1" wrap="square" lIns="91425" tIns="91425" rIns="91425" bIns="91425" anchor="ctr" anchorCtr="0">
             <a:noAutofit/>
           </a:bodyPr>
           <a:lstStyle>
@@ -4685,15 +4689,19 @@
               </a:defRPr>
             </a:lvl9pPr>
           </a:lstStyle>
-          <a:p/>
+          <a:p>
+            <a:endParaRPr/>
+          </a:p>
         </p:txBody>
       </p:sp>
       <p:sp>
         <p:nvSpPr>
           <p:cNvPr id="48" name="Google Shape;48;p3"/>
-          <p:cNvSpPr txBox="1"/>
+          <p:cNvSpPr txBox="1">
+            <a:spLocks noGrp="1"/>
+          </p:cNvSpPr>
           <p:nvPr>
-            <p:ph idx="12" type="sldNum"/>
+            <p:ph type="sldNum" idx="12"/>
           </p:nvPr>
         </p:nvSpPr>
         <p:spPr>
@@ -4706,7 +4714,7 @@
           </a:prstGeom>
         </p:spPr>
         <p:txBody>
-          <a:bodyPr anchorCtr="0" anchor="ctr" bIns="91425" lIns="91425" spcFirstLastPara="1" rIns="91425" wrap="square" tIns="91425">
+          <a:bodyPr spcFirstLastPara="1" wrap="square" lIns="91425" tIns="91425" rIns="91425" bIns="91425" anchor="ctr" anchorCtr="0">
             <a:noAutofit/>
           </a:bodyPr>
           <a:lstStyle>
@@ -4748,7 +4756,7 @@
             </a:lvl9pPr>
           </a:lstStyle>
           <a:p>
-            <a:pPr indent="0" lvl="0" marL="0" rtl="0" algn="r">
+            <a:pPr marL="0" lvl="0" indent="0" algn="r" rtl="0">
               <a:spcBef>
                 <a:spcPts val="0"/>
               </a:spcBef>
@@ -4774,18 +4782,19 @@
 </file>
 
 <file path=ppt/slideLayouts/slideLayout3.xml><?xml version="1.0" encoding="utf-8"?>
-<p:sldLayout xmlns:a="http://schemas.openxmlformats.org/drawingml/2006/main" xmlns:r="http://schemas.openxmlformats.org/officeDocument/2006/relationships" xmlns:mc="http://schemas.openxmlformats.org/markup-compatibility/2006" xmlns:mv="urn:schemas-microsoft-com:mac:vml" xmlns:p="http://schemas.openxmlformats.org/presentationml/2006/main" xmlns:c="http://schemas.openxmlformats.org/drawingml/2006/chart" xmlns:dgm="http://schemas.openxmlformats.org/drawingml/2006/diagram" xmlns:o="urn:schemas-microsoft-com:office:office" xmlns:v="urn:schemas-microsoft-com:vml" xmlns:pvml="urn:schemas-microsoft-com:office:powerpoint" xmlns:com="http://schemas.openxmlformats.org/drawingml/2006/compatibility" xmlns:p14="http://schemas.microsoft.com/office/powerpoint/2010/main" xmlns:p15="http://schemas.microsoft.com/office/powerpoint/2012/main" xmlns:ahyp="http://schemas.microsoft.com/office/drawing/2018/hyperlinkcolor" matchingName="Title and body" type="tx">
+<p:sldLayout xmlns:a="http://schemas.openxmlformats.org/drawingml/2006/main" xmlns:r="http://schemas.openxmlformats.org/officeDocument/2006/relationships" xmlns:p="http://schemas.openxmlformats.org/presentationml/2006/main" matchingName="Title and body" type="tx">
   <p:cSld name="TITLE_AND_BODY">
     <p:bg>
       <p:bgPr>
         <a:solidFill>
           <a:schemeClr val="dk2"/>
         </a:solidFill>
+        <a:effectLst/>
       </p:bgPr>
     </p:bg>
     <p:spTree>
       <p:nvGrpSpPr>
-        <p:cNvPr id="49" name="Shape 49"/>
+        <p:cNvPr id="1" name="Shape 49"/>
         <p:cNvGrpSpPr/>
         <p:nvPr/>
       </p:nvGrpSpPr>
@@ -4819,12 +4828,12 @@
           </a:ln>
         </p:spPr>
         <p:txBody>
-          <a:bodyPr anchorCtr="0" anchor="ctr" bIns="91425" lIns="91425" spcFirstLastPara="1" rIns="91425" wrap="square" tIns="91425">
+          <a:bodyPr spcFirstLastPara="1" wrap="square" lIns="91425" tIns="91425" rIns="91425" bIns="91425" anchor="ctr" anchorCtr="0">
             <a:noAutofit/>
           </a:bodyPr>
           <a:lstStyle/>
           <a:p>
-            <a:pPr indent="0" lvl="0" marL="0" rtl="0" algn="l">
+            <a:pPr marL="0" lvl="0" indent="0" algn="l" rtl="0">
               <a:spcBef>
                 <a:spcPts val="0"/>
               </a:spcBef>
@@ -4833,9 +4842,6 @@
               </a:spcAft>
               <a:buNone/>
             </a:pPr>
-            <a:r>
-              <a:t/>
-            </a:r>
             <a:endParaRPr/>
           </a:p>
         </p:txBody>
@@ -4862,12 +4868,12 @@
           </a:ln>
         </p:spPr>
         <p:txBody>
-          <a:bodyPr anchorCtr="0" anchor="ctr" bIns="91425" lIns="91425" spcFirstLastPara="1" rIns="91425" wrap="square" tIns="91425">
+          <a:bodyPr spcFirstLastPara="1" wrap="square" lIns="91425" tIns="91425" rIns="91425" bIns="91425" anchor="ctr" anchorCtr="0">
             <a:noAutofit/>
           </a:bodyPr>
           <a:lstStyle/>
           <a:p>
-            <a:pPr indent="0" lvl="0" marL="0" rtl="0" algn="l">
+            <a:pPr marL="0" lvl="0" indent="0" algn="l" rtl="0">
               <a:spcBef>
                 <a:spcPts val="0"/>
               </a:spcBef>
@@ -4876,9 +4882,6 @@
               </a:spcAft>
               <a:buNone/>
             </a:pPr>
-            <a:r>
-              <a:t/>
-            </a:r>
             <a:endParaRPr/>
           </a:p>
         </p:txBody>
@@ -4904,7 +4907,7 @@
             <a:noFill/>
           </a:ln>
           <a:effectLst>
-            <a:outerShdw blurRad="228600" sx="101000" rotWithShape="0" algn="ctr" sy="101000">
+            <a:outerShdw blurRad="228600" sx="101000" sy="101000" algn="ctr" rotWithShape="0">
               <a:srgbClr val="000000">
                 <a:alpha val="40000"/>
               </a:srgbClr>
@@ -4912,12 +4915,12 @@
           </a:effectLst>
         </p:spPr>
         <p:txBody>
-          <a:bodyPr anchorCtr="0" anchor="ctr" bIns="91425" lIns="91425" spcFirstLastPara="1" rIns="91425" wrap="square" tIns="91425">
+          <a:bodyPr spcFirstLastPara="1" wrap="square" lIns="91425" tIns="91425" rIns="91425" bIns="91425" anchor="ctr" anchorCtr="0">
             <a:noAutofit/>
           </a:bodyPr>
           <a:lstStyle/>
           <a:p>
-            <a:pPr indent="0" lvl="0" marL="0" rtl="0" algn="l">
+            <a:pPr marL="0" lvl="0" indent="0" algn="l" rtl="0">
               <a:spcBef>
                 <a:spcPts val="0"/>
               </a:spcBef>
@@ -4926,9 +4929,6 @@
               </a:spcAft>
               <a:buNone/>
             </a:pPr>
-            <a:r>
-              <a:t/>
-            </a:r>
             <a:endParaRPr/>
           </a:p>
         </p:txBody>
@@ -4936,7 +4936,9 @@
       <p:sp>
         <p:nvSpPr>
           <p:cNvPr id="53" name="Google Shape;53;p4"/>
-          <p:cNvSpPr txBox="1"/>
+          <p:cNvSpPr txBox="1">
+            <a:spLocks noGrp="1"/>
+          </p:cNvSpPr>
           <p:nvPr>
             <p:ph type="title"/>
           </p:nvPr>
@@ -4951,7 +4953,7 @@
           </a:prstGeom>
         </p:spPr>
         <p:txBody>
-          <a:bodyPr anchorCtr="0" anchor="t" bIns="91425" lIns="91425" spcFirstLastPara="1" rIns="91425" wrap="square" tIns="91425">
+          <a:bodyPr spcFirstLastPara="1" wrap="square" lIns="91425" tIns="91425" rIns="91425" bIns="91425" anchor="t" anchorCtr="0">
             <a:noAutofit/>
           </a:bodyPr>
           <a:lstStyle>
@@ -5055,15 +5057,19 @@
               <a:defRPr sz="3000"/>
             </a:lvl9pPr>
           </a:lstStyle>
-          <a:p/>
+          <a:p>
+            <a:endParaRPr/>
+          </a:p>
         </p:txBody>
       </p:sp>
       <p:sp>
         <p:nvSpPr>
           <p:cNvPr id="54" name="Google Shape;54;p4"/>
-          <p:cNvSpPr txBox="1"/>
+          <p:cNvSpPr txBox="1">
+            <a:spLocks noGrp="1"/>
+          </p:cNvSpPr>
           <p:nvPr>
-            <p:ph idx="1" type="body"/>
+            <p:ph type="body" idx="1"/>
           </p:nvPr>
         </p:nvSpPr>
         <p:spPr>
@@ -5076,11 +5082,11 @@
           </a:prstGeom>
         </p:spPr>
         <p:txBody>
-          <a:bodyPr anchorCtr="0" anchor="t" bIns="91425" lIns="91425" spcFirstLastPara="1" rIns="91425" wrap="square" tIns="91425">
+          <a:bodyPr spcFirstLastPara="1" wrap="square" lIns="91425" tIns="91425" rIns="91425" bIns="91425" anchor="t" anchorCtr="0">
             <a:noAutofit/>
           </a:bodyPr>
           <a:lstStyle>
-            <a:lvl1pPr indent="-311150" lvl="0" marL="457200">
+            <a:lvl1pPr marL="457200" lvl="0" indent="-311150">
               <a:spcBef>
                 <a:spcPts val="0"/>
               </a:spcBef>
@@ -5091,7 +5097,7 @@
               <a:buChar char="●"/>
               <a:defRPr/>
             </a:lvl1pPr>
-            <a:lvl2pPr indent="-298450" lvl="1" marL="914400">
+            <a:lvl2pPr marL="914400" lvl="1" indent="-298450">
               <a:spcBef>
                 <a:spcPts val="1600"/>
               </a:spcBef>
@@ -5102,7 +5108,7 @@
               <a:buChar char="○"/>
               <a:defRPr/>
             </a:lvl2pPr>
-            <a:lvl3pPr indent="-298450" lvl="2" marL="1371600">
+            <a:lvl3pPr marL="1371600" lvl="2" indent="-298450">
               <a:spcBef>
                 <a:spcPts val="1600"/>
               </a:spcBef>
@@ -5113,7 +5119,7 @@
               <a:buChar char="■"/>
               <a:defRPr/>
             </a:lvl3pPr>
-            <a:lvl4pPr indent="-298450" lvl="3" marL="1828800">
+            <a:lvl4pPr marL="1828800" lvl="3" indent="-298450">
               <a:spcBef>
                 <a:spcPts val="1600"/>
               </a:spcBef>
@@ -5124,7 +5130,7 @@
               <a:buChar char="●"/>
               <a:defRPr/>
             </a:lvl4pPr>
-            <a:lvl5pPr indent="-298450" lvl="4" marL="2286000">
+            <a:lvl5pPr marL="2286000" lvl="4" indent="-298450">
               <a:spcBef>
                 <a:spcPts val="1600"/>
               </a:spcBef>
@@ -5135,7 +5141,7 @@
               <a:buChar char="○"/>
               <a:defRPr/>
             </a:lvl5pPr>
-            <a:lvl6pPr indent="-298450" lvl="5" marL="2743200">
+            <a:lvl6pPr marL="2743200" lvl="5" indent="-298450">
               <a:spcBef>
                 <a:spcPts val="1600"/>
               </a:spcBef>
@@ -5146,7 +5152,7 @@
               <a:buChar char="■"/>
               <a:defRPr/>
             </a:lvl6pPr>
-            <a:lvl7pPr indent="-298450" lvl="6" marL="3200400">
+            <a:lvl7pPr marL="3200400" lvl="6" indent="-298450">
               <a:spcBef>
                 <a:spcPts val="1600"/>
               </a:spcBef>
@@ -5157,7 +5163,7 @@
               <a:buChar char="●"/>
               <a:defRPr/>
             </a:lvl7pPr>
-            <a:lvl8pPr indent="-298450" lvl="7" marL="3657600">
+            <a:lvl8pPr marL="3657600" lvl="7" indent="-298450">
               <a:spcBef>
                 <a:spcPts val="1600"/>
               </a:spcBef>
@@ -5168,7 +5174,7 @@
               <a:buChar char="○"/>
               <a:defRPr/>
             </a:lvl8pPr>
-            <a:lvl9pPr indent="-298450" lvl="8" marL="4114800">
+            <a:lvl9pPr marL="4114800" lvl="8" indent="-298450">
               <a:spcBef>
                 <a:spcPts val="1600"/>
               </a:spcBef>
@@ -5180,15 +5186,19 @@
               <a:defRPr/>
             </a:lvl9pPr>
           </a:lstStyle>
-          <a:p/>
+          <a:p>
+            <a:endParaRPr/>
+          </a:p>
         </p:txBody>
       </p:sp>
       <p:sp>
         <p:nvSpPr>
           <p:cNvPr id="55" name="Google Shape;55;p4"/>
-          <p:cNvSpPr txBox="1"/>
+          <p:cNvSpPr txBox="1">
+            <a:spLocks noGrp="1"/>
+          </p:cNvSpPr>
           <p:nvPr>
-            <p:ph idx="12" type="sldNum"/>
+            <p:ph type="sldNum" idx="12"/>
           </p:nvPr>
         </p:nvSpPr>
         <p:spPr>
@@ -5201,7 +5211,7 @@
           </a:prstGeom>
         </p:spPr>
         <p:txBody>
-          <a:bodyPr anchorCtr="0" anchor="ctr" bIns="91425" lIns="91425" spcFirstLastPara="1" rIns="91425" wrap="square" tIns="91425">
+          <a:bodyPr spcFirstLastPara="1" wrap="square" lIns="91425" tIns="91425" rIns="91425" bIns="91425" anchor="ctr" anchorCtr="0">
             <a:noAutofit/>
           </a:bodyPr>
           <a:lstStyle>
@@ -5243,7 +5253,7 @@
             </a:lvl9pPr>
           </a:lstStyle>
           <a:p>
-            <a:pPr indent="0" lvl="0" marL="0" rtl="0" algn="r">
+            <a:pPr marL="0" lvl="0" indent="0" algn="r" rtl="0">
               <a:spcBef>
                 <a:spcPts val="0"/>
               </a:spcBef>
@@ -5269,18 +5279,19 @@
 </file>
 
 <file path=ppt/slideLayouts/slideLayout4.xml><?xml version="1.0" encoding="utf-8"?>
-<p:sldLayout xmlns:a="http://schemas.openxmlformats.org/drawingml/2006/main" xmlns:r="http://schemas.openxmlformats.org/officeDocument/2006/relationships" xmlns:mc="http://schemas.openxmlformats.org/markup-compatibility/2006" xmlns:mv="urn:schemas-microsoft-com:mac:vml" xmlns:p="http://schemas.openxmlformats.org/presentationml/2006/main" xmlns:c="http://schemas.openxmlformats.org/drawingml/2006/chart" xmlns:dgm="http://schemas.openxmlformats.org/drawingml/2006/diagram" xmlns:o="urn:schemas-microsoft-com:office:office" xmlns:v="urn:schemas-microsoft-com:vml" xmlns:pvml="urn:schemas-microsoft-com:office:powerpoint" xmlns:com="http://schemas.openxmlformats.org/drawingml/2006/compatibility" xmlns:p14="http://schemas.microsoft.com/office/powerpoint/2010/main" xmlns:p15="http://schemas.microsoft.com/office/powerpoint/2012/main" xmlns:ahyp="http://schemas.microsoft.com/office/drawing/2018/hyperlinkcolor" matchingName="Title and two columns" type="twoColTx">
+<p:sldLayout xmlns:a="http://schemas.openxmlformats.org/drawingml/2006/main" xmlns:r="http://schemas.openxmlformats.org/officeDocument/2006/relationships" xmlns:p="http://schemas.openxmlformats.org/presentationml/2006/main" matchingName="Title and two columns" type="twoColTx">
   <p:cSld name="TITLE_AND_TWO_COLUMNS">
     <p:bg>
       <p:bgPr>
         <a:solidFill>
           <a:schemeClr val="dk2"/>
         </a:solidFill>
+        <a:effectLst/>
       </p:bgPr>
     </p:bg>
     <p:spTree>
       <p:nvGrpSpPr>
-        <p:cNvPr id="56" name="Shape 56"/>
+        <p:cNvPr id="1" name="Shape 56"/>
         <p:cNvGrpSpPr/>
         <p:nvPr/>
       </p:nvGrpSpPr>
@@ -5314,12 +5325,12 @@
           </a:ln>
         </p:spPr>
         <p:txBody>
-          <a:bodyPr anchorCtr="0" anchor="ctr" bIns="91425" lIns="91425" spcFirstLastPara="1" rIns="91425" wrap="square" tIns="91425">
+          <a:bodyPr spcFirstLastPara="1" wrap="square" lIns="91425" tIns="91425" rIns="91425" bIns="91425" anchor="ctr" anchorCtr="0">
             <a:noAutofit/>
           </a:bodyPr>
           <a:lstStyle/>
           <a:p>
-            <a:pPr indent="0" lvl="0" marL="0" rtl="0" algn="l">
+            <a:pPr marL="0" lvl="0" indent="0" algn="l" rtl="0">
               <a:spcBef>
                 <a:spcPts val="0"/>
               </a:spcBef>
@@ -5328,9 +5339,6 @@
               </a:spcAft>
               <a:buNone/>
             </a:pPr>
-            <a:r>
-              <a:t/>
-            </a:r>
             <a:endParaRPr/>
           </a:p>
         </p:txBody>
@@ -5357,12 +5365,12 @@
           </a:ln>
         </p:spPr>
         <p:txBody>
-          <a:bodyPr anchorCtr="0" anchor="ctr" bIns="91425" lIns="91425" spcFirstLastPara="1" rIns="91425" wrap="square" tIns="91425">
+          <a:bodyPr spcFirstLastPara="1" wrap="square" lIns="91425" tIns="91425" rIns="91425" bIns="91425" anchor="ctr" anchorCtr="0">
             <a:noAutofit/>
           </a:bodyPr>
           <a:lstStyle/>
           <a:p>
-            <a:pPr indent="0" lvl="0" marL="0" rtl="0" algn="l">
+            <a:pPr marL="0" lvl="0" indent="0" algn="l" rtl="0">
               <a:spcBef>
                 <a:spcPts val="0"/>
               </a:spcBef>
@@ -5371,9 +5379,6 @@
               </a:spcAft>
               <a:buNone/>
             </a:pPr>
-            <a:r>
-              <a:t/>
-            </a:r>
             <a:endParaRPr/>
           </a:p>
         </p:txBody>
@@ -5399,7 +5404,7 @@
             <a:noFill/>
           </a:ln>
           <a:effectLst>
-            <a:outerShdw blurRad="228600" sx="101000" rotWithShape="0" algn="ctr" sy="101000">
+            <a:outerShdw blurRad="228600" sx="101000" sy="101000" algn="ctr" rotWithShape="0">
               <a:srgbClr val="000000">
                 <a:alpha val="40000"/>
               </a:srgbClr>
@@ -5407,12 +5412,12 @@
           </a:effectLst>
         </p:spPr>
         <p:txBody>
-          <a:bodyPr anchorCtr="0" anchor="ctr" bIns="91425" lIns="91425" spcFirstLastPara="1" rIns="91425" wrap="square" tIns="91425">
+          <a:bodyPr spcFirstLastPara="1" wrap="square" lIns="91425" tIns="91425" rIns="91425" bIns="91425" anchor="ctr" anchorCtr="0">
             <a:noAutofit/>
           </a:bodyPr>
           <a:lstStyle/>
           <a:p>
-            <a:pPr indent="0" lvl="0" marL="0" rtl="0" algn="l">
+            <a:pPr marL="0" lvl="0" indent="0" algn="l" rtl="0">
               <a:spcBef>
                 <a:spcPts val="0"/>
               </a:spcBef>
@@ -5421,9 +5426,6 @@
               </a:spcAft>
               <a:buNone/>
             </a:pPr>
-            <a:r>
-              <a:t/>
-            </a:r>
             <a:endParaRPr/>
           </a:p>
         </p:txBody>
@@ -5431,7 +5433,9 @@
       <p:sp>
         <p:nvSpPr>
           <p:cNvPr id="60" name="Google Shape;60;p5"/>
-          <p:cNvSpPr txBox="1"/>
+          <p:cNvSpPr txBox="1">
+            <a:spLocks noGrp="1"/>
+          </p:cNvSpPr>
           <p:nvPr>
             <p:ph type="title"/>
           </p:nvPr>
@@ -5446,7 +5450,7 @@
           </a:prstGeom>
         </p:spPr>
         <p:txBody>
-          <a:bodyPr anchorCtr="0" anchor="t" bIns="91425" lIns="91425" spcFirstLastPara="1" rIns="91425" wrap="square" tIns="91425">
+          <a:bodyPr spcFirstLastPara="1" wrap="square" lIns="91425" tIns="91425" rIns="91425" bIns="91425" anchor="t" anchorCtr="0">
             <a:noAutofit/>
           </a:bodyPr>
           <a:lstStyle>
@@ -5550,15 +5554,19 @@
               <a:defRPr sz="3000"/>
             </a:lvl9pPr>
           </a:lstStyle>
-          <a:p/>
+          <a:p>
+            <a:endParaRPr/>
+          </a:p>
         </p:txBody>
       </p:sp>
       <p:sp>
         <p:nvSpPr>
           <p:cNvPr id="61" name="Google Shape;61;p5"/>
-          <p:cNvSpPr txBox="1"/>
+          <p:cNvSpPr txBox="1">
+            <a:spLocks noGrp="1"/>
+          </p:cNvSpPr>
           <p:nvPr>
-            <p:ph idx="1" type="body"/>
+            <p:ph type="body" idx="1"/>
           </p:nvPr>
         </p:nvSpPr>
         <p:spPr>
@@ -5571,11 +5579,11 @@
           </a:prstGeom>
         </p:spPr>
         <p:txBody>
-          <a:bodyPr anchorCtr="0" anchor="t" bIns="91425" lIns="91425" spcFirstLastPara="1" rIns="91425" wrap="square" tIns="91425">
+          <a:bodyPr spcFirstLastPara="1" wrap="square" lIns="91425" tIns="91425" rIns="91425" bIns="91425" anchor="t" anchorCtr="0">
             <a:noAutofit/>
           </a:bodyPr>
           <a:lstStyle>
-            <a:lvl1pPr indent="-311150" lvl="0" marL="457200">
+            <a:lvl1pPr marL="457200" lvl="0" indent="-311150">
               <a:spcBef>
                 <a:spcPts val="0"/>
               </a:spcBef>
@@ -5586,7 +5594,7 @@
               <a:buChar char="●"/>
               <a:defRPr/>
             </a:lvl1pPr>
-            <a:lvl2pPr indent="-298450" lvl="1" marL="914400">
+            <a:lvl2pPr marL="914400" lvl="1" indent="-298450">
               <a:spcBef>
                 <a:spcPts val="1600"/>
               </a:spcBef>
@@ -5597,7 +5605,7 @@
               <a:buChar char="○"/>
               <a:defRPr/>
             </a:lvl2pPr>
-            <a:lvl3pPr indent="-298450" lvl="2" marL="1371600">
+            <a:lvl3pPr marL="1371600" lvl="2" indent="-298450">
               <a:spcBef>
                 <a:spcPts val="1600"/>
               </a:spcBef>
@@ -5608,7 +5616,7 @@
               <a:buChar char="■"/>
               <a:defRPr/>
             </a:lvl3pPr>
-            <a:lvl4pPr indent="-298450" lvl="3" marL="1828800">
+            <a:lvl4pPr marL="1828800" lvl="3" indent="-298450">
               <a:spcBef>
                 <a:spcPts val="1600"/>
               </a:spcBef>
@@ -5619,7 +5627,7 @@
               <a:buChar char="●"/>
               <a:defRPr/>
             </a:lvl4pPr>
-            <a:lvl5pPr indent="-298450" lvl="4" marL="2286000">
+            <a:lvl5pPr marL="2286000" lvl="4" indent="-298450">
               <a:spcBef>
                 <a:spcPts val="1600"/>
               </a:spcBef>
@@ -5630,7 +5638,7 @@
               <a:buChar char="○"/>
               <a:defRPr/>
             </a:lvl5pPr>
-            <a:lvl6pPr indent="-298450" lvl="5" marL="2743200">
+            <a:lvl6pPr marL="2743200" lvl="5" indent="-298450">
               <a:spcBef>
                 <a:spcPts val="1600"/>
               </a:spcBef>
@@ -5641,7 +5649,7 @@
               <a:buChar char="■"/>
               <a:defRPr/>
             </a:lvl6pPr>
-            <a:lvl7pPr indent="-298450" lvl="6" marL="3200400">
+            <a:lvl7pPr marL="3200400" lvl="6" indent="-298450">
               <a:spcBef>
                 <a:spcPts val="1600"/>
               </a:spcBef>
@@ -5652,7 +5660,7 @@
               <a:buChar char="●"/>
               <a:defRPr/>
             </a:lvl7pPr>
-            <a:lvl8pPr indent="-298450" lvl="7" marL="3657600">
+            <a:lvl8pPr marL="3657600" lvl="7" indent="-298450">
               <a:spcBef>
                 <a:spcPts val="1600"/>
               </a:spcBef>
@@ -5663,7 +5671,7 @@
               <a:buChar char="○"/>
               <a:defRPr/>
             </a:lvl8pPr>
-            <a:lvl9pPr indent="-298450" lvl="8" marL="4114800">
+            <a:lvl9pPr marL="4114800" lvl="8" indent="-298450">
               <a:spcBef>
                 <a:spcPts val="1600"/>
               </a:spcBef>
@@ -5675,15 +5683,19 @@
               <a:defRPr/>
             </a:lvl9pPr>
           </a:lstStyle>
-          <a:p/>
+          <a:p>
+            <a:endParaRPr/>
+          </a:p>
         </p:txBody>
       </p:sp>
       <p:sp>
         <p:nvSpPr>
           <p:cNvPr id="62" name="Google Shape;62;p5"/>
-          <p:cNvSpPr txBox="1"/>
+          <p:cNvSpPr txBox="1">
+            <a:spLocks noGrp="1"/>
+          </p:cNvSpPr>
           <p:nvPr>
-            <p:ph idx="2" type="body"/>
+            <p:ph type="body" idx="2"/>
           </p:nvPr>
         </p:nvSpPr>
         <p:spPr>
@@ -5696,11 +5708,11 @@
           </a:prstGeom>
         </p:spPr>
         <p:txBody>
-          <a:bodyPr anchorCtr="0" anchor="t" bIns="91425" lIns="91425" spcFirstLastPara="1" rIns="91425" wrap="square" tIns="91425">
+          <a:bodyPr spcFirstLastPara="1" wrap="square" lIns="91425" tIns="91425" rIns="91425" bIns="91425" anchor="t" anchorCtr="0">
             <a:noAutofit/>
           </a:bodyPr>
           <a:lstStyle>
-            <a:lvl1pPr indent="-311150" lvl="0" marL="457200">
+            <a:lvl1pPr marL="457200" lvl="0" indent="-311150">
               <a:spcBef>
                 <a:spcPts val="0"/>
               </a:spcBef>
@@ -5711,7 +5723,7 @@
               <a:buChar char="●"/>
               <a:defRPr/>
             </a:lvl1pPr>
-            <a:lvl2pPr indent="-298450" lvl="1" marL="914400">
+            <a:lvl2pPr marL="914400" lvl="1" indent="-298450">
               <a:spcBef>
                 <a:spcPts val="1600"/>
               </a:spcBef>
@@ -5722,7 +5734,7 @@
               <a:buChar char="○"/>
               <a:defRPr/>
             </a:lvl2pPr>
-            <a:lvl3pPr indent="-298450" lvl="2" marL="1371600">
+            <a:lvl3pPr marL="1371600" lvl="2" indent="-298450">
               <a:spcBef>
                 <a:spcPts val="1600"/>
               </a:spcBef>
@@ -5733,7 +5745,7 @@
               <a:buChar char="■"/>
               <a:defRPr/>
             </a:lvl3pPr>
-            <a:lvl4pPr indent="-298450" lvl="3" marL="1828800">
+            <a:lvl4pPr marL="1828800" lvl="3" indent="-298450">
               <a:spcBef>
                 <a:spcPts val="1600"/>
               </a:spcBef>
@@ -5744,7 +5756,7 @@
               <a:buChar char="●"/>
               <a:defRPr/>
             </a:lvl4pPr>
-            <a:lvl5pPr indent="-298450" lvl="4" marL="2286000">
+            <a:lvl5pPr marL="2286000" lvl="4" indent="-298450">
               <a:spcBef>
                 <a:spcPts val="1600"/>
               </a:spcBef>
@@ -5755,7 +5767,7 @@
               <a:buChar char="○"/>
               <a:defRPr/>
             </a:lvl5pPr>
-            <a:lvl6pPr indent="-298450" lvl="5" marL="2743200">
+            <a:lvl6pPr marL="2743200" lvl="5" indent="-298450">
               <a:spcBef>
                 <a:spcPts val="1600"/>
               </a:spcBef>
@@ -5766,7 +5778,7 @@
               <a:buChar char="■"/>
               <a:defRPr/>
             </a:lvl6pPr>
-            <a:lvl7pPr indent="-298450" lvl="6" marL="3200400">
+            <a:lvl7pPr marL="3200400" lvl="6" indent="-298450">
               <a:spcBef>
                 <a:spcPts val="1600"/>
               </a:spcBef>
@@ -5777,7 +5789,7 @@
               <a:buChar char="●"/>
               <a:defRPr/>
             </a:lvl7pPr>
-            <a:lvl8pPr indent="-298450" lvl="7" marL="3657600">
+            <a:lvl8pPr marL="3657600" lvl="7" indent="-298450">
               <a:spcBef>
                 <a:spcPts val="1600"/>
               </a:spcBef>
@@ -5788,7 +5800,7 @@
               <a:buChar char="○"/>
               <a:defRPr/>
             </a:lvl8pPr>
-            <a:lvl9pPr indent="-298450" lvl="8" marL="4114800">
+            <a:lvl9pPr marL="4114800" lvl="8" indent="-298450">
               <a:spcBef>
                 <a:spcPts val="1600"/>
               </a:spcBef>
@@ -5800,15 +5812,19 @@
               <a:defRPr/>
             </a:lvl9pPr>
           </a:lstStyle>
-          <a:p/>
+          <a:p>
+            <a:endParaRPr/>
+          </a:p>
         </p:txBody>
       </p:sp>
       <p:sp>
         <p:nvSpPr>
           <p:cNvPr id="63" name="Google Shape;63;p5"/>
-          <p:cNvSpPr txBox="1"/>
+          <p:cNvSpPr txBox="1">
+            <a:spLocks noGrp="1"/>
+          </p:cNvSpPr>
           <p:nvPr>
-            <p:ph idx="12" type="sldNum"/>
+            <p:ph type="sldNum" idx="12"/>
           </p:nvPr>
         </p:nvSpPr>
         <p:spPr>
@@ -5821,7 +5837,7 @@
           </a:prstGeom>
         </p:spPr>
         <p:txBody>
-          <a:bodyPr anchorCtr="0" anchor="ctr" bIns="91425" lIns="91425" spcFirstLastPara="1" rIns="91425" wrap="square" tIns="91425">
+          <a:bodyPr spcFirstLastPara="1" wrap="square" lIns="91425" tIns="91425" rIns="91425" bIns="91425" anchor="ctr" anchorCtr="0">
             <a:noAutofit/>
           </a:bodyPr>
           <a:lstStyle>
@@ -5863,7 +5879,7 @@
             </a:lvl9pPr>
           </a:lstStyle>
           <a:p>
-            <a:pPr indent="0" lvl="0" marL="0" rtl="0" algn="r">
+            <a:pPr marL="0" lvl="0" indent="0" algn="r" rtl="0">
               <a:spcBef>
                 <a:spcPts val="0"/>
               </a:spcBef>
@@ -5889,18 +5905,19 @@
 </file>
 
 <file path=ppt/slideLayouts/slideLayout5.xml><?xml version="1.0" encoding="utf-8"?>
-<p:sldLayout xmlns:a="http://schemas.openxmlformats.org/drawingml/2006/main" xmlns:r="http://schemas.openxmlformats.org/officeDocument/2006/relationships" xmlns:mc="http://schemas.openxmlformats.org/markup-compatibility/2006" xmlns:mv="urn:schemas-microsoft-com:mac:vml" xmlns:p="http://schemas.openxmlformats.org/presentationml/2006/main" xmlns:c="http://schemas.openxmlformats.org/drawingml/2006/chart" xmlns:dgm="http://schemas.openxmlformats.org/drawingml/2006/diagram" xmlns:o="urn:schemas-microsoft-com:office:office" xmlns:v="urn:schemas-microsoft-com:vml" xmlns:pvml="urn:schemas-microsoft-com:office:powerpoint" xmlns:com="http://schemas.openxmlformats.org/drawingml/2006/compatibility" xmlns:p14="http://schemas.microsoft.com/office/powerpoint/2010/main" xmlns:p15="http://schemas.microsoft.com/office/powerpoint/2012/main" xmlns:ahyp="http://schemas.microsoft.com/office/drawing/2018/hyperlinkcolor" matchingName="Title only" type="titleOnly">
+<p:sldLayout xmlns:a="http://schemas.openxmlformats.org/drawingml/2006/main" xmlns:r="http://schemas.openxmlformats.org/officeDocument/2006/relationships" xmlns:p="http://schemas.openxmlformats.org/presentationml/2006/main" matchingName="Title only" type="titleOnly">
   <p:cSld name="TITLE_ONLY">
     <p:bg>
       <p:bgPr>
         <a:solidFill>
           <a:schemeClr val="dk2"/>
         </a:solidFill>
+        <a:effectLst/>
       </p:bgPr>
     </p:bg>
     <p:spTree>
       <p:nvGrpSpPr>
-        <p:cNvPr id="64" name="Shape 64"/>
+        <p:cNvPr id="1" name="Shape 64"/>
         <p:cNvGrpSpPr/>
         <p:nvPr/>
       </p:nvGrpSpPr>
@@ -5934,12 +5951,12 @@
           </a:ln>
         </p:spPr>
         <p:txBody>
-          <a:bodyPr anchorCtr="0" anchor="ctr" bIns="91425" lIns="91425" spcFirstLastPara="1" rIns="91425" wrap="square" tIns="91425">
+          <a:bodyPr spcFirstLastPara="1" wrap="square" lIns="91425" tIns="91425" rIns="91425" bIns="91425" anchor="ctr" anchorCtr="0">
             <a:noAutofit/>
           </a:bodyPr>
           <a:lstStyle/>
           <a:p>
-            <a:pPr indent="0" lvl="0" marL="0" rtl="0" algn="l">
+            <a:pPr marL="0" lvl="0" indent="0" algn="l" rtl="0">
               <a:spcBef>
                 <a:spcPts val="0"/>
               </a:spcBef>
@@ -5948,9 +5965,6 @@
               </a:spcAft>
               <a:buNone/>
             </a:pPr>
-            <a:r>
-              <a:t/>
-            </a:r>
             <a:endParaRPr/>
           </a:p>
         </p:txBody>
@@ -5977,12 +5991,12 @@
           </a:ln>
         </p:spPr>
         <p:txBody>
-          <a:bodyPr anchorCtr="0" anchor="ctr" bIns="91425" lIns="91425" spcFirstLastPara="1" rIns="91425" wrap="square" tIns="91425">
+          <a:bodyPr spcFirstLastPara="1" wrap="square" lIns="91425" tIns="91425" rIns="91425" bIns="91425" anchor="ctr" anchorCtr="0">
             <a:noAutofit/>
           </a:bodyPr>
           <a:lstStyle/>
           <a:p>
-            <a:pPr indent="0" lvl="0" marL="0" rtl="0" algn="l">
+            <a:pPr marL="0" lvl="0" indent="0" algn="l" rtl="0">
               <a:spcBef>
                 <a:spcPts val="0"/>
               </a:spcBef>
@@ -5991,9 +6005,6 @@
               </a:spcAft>
               <a:buNone/>
             </a:pPr>
-            <a:r>
-              <a:t/>
-            </a:r>
             <a:endParaRPr/>
           </a:p>
         </p:txBody>
@@ -6019,7 +6030,7 @@
             <a:noFill/>
           </a:ln>
           <a:effectLst>
-            <a:outerShdw blurRad="228600" sx="101000" rotWithShape="0" algn="ctr" sy="101000">
+            <a:outerShdw blurRad="228600" sx="101000" sy="101000" algn="ctr" rotWithShape="0">
               <a:srgbClr val="000000">
                 <a:alpha val="40000"/>
               </a:srgbClr>
@@ -6027,12 +6038,12 @@
           </a:effectLst>
         </p:spPr>
         <p:txBody>
-          <a:bodyPr anchorCtr="0" anchor="ctr" bIns="91425" lIns="91425" spcFirstLastPara="1" rIns="91425" wrap="square" tIns="91425">
+          <a:bodyPr spcFirstLastPara="1" wrap="square" lIns="91425" tIns="91425" rIns="91425" bIns="91425" anchor="ctr" anchorCtr="0">
             <a:noAutofit/>
           </a:bodyPr>
           <a:lstStyle/>
           <a:p>
-            <a:pPr indent="0" lvl="0" marL="0" rtl="0" algn="l">
+            <a:pPr marL="0" lvl="0" indent="0" algn="l" rtl="0">
               <a:spcBef>
                 <a:spcPts val="0"/>
               </a:spcBef>
@@ -6041,9 +6052,6 @@
               </a:spcAft>
               <a:buNone/>
             </a:pPr>
-            <a:r>
-              <a:t/>
-            </a:r>
             <a:endParaRPr/>
           </a:p>
         </p:txBody>
@@ -6051,7 +6059,9 @@
       <p:sp>
         <p:nvSpPr>
           <p:cNvPr id="68" name="Google Shape;68;p6"/>
-          <p:cNvSpPr txBox="1"/>
+          <p:cNvSpPr txBox="1">
+            <a:spLocks noGrp="1"/>
+          </p:cNvSpPr>
           <p:nvPr>
             <p:ph type="title"/>
           </p:nvPr>
@@ -6066,7 +6076,7 @@
           </a:prstGeom>
         </p:spPr>
         <p:txBody>
-          <a:bodyPr anchorCtr="0" anchor="t" bIns="91425" lIns="91425" spcFirstLastPara="1" rIns="91425" wrap="square" tIns="91425">
+          <a:bodyPr spcFirstLastPara="1" wrap="square" lIns="91425" tIns="91425" rIns="91425" bIns="91425" anchor="t" anchorCtr="0">
             <a:noAutofit/>
           </a:bodyPr>
           <a:lstStyle>
@@ -6170,15 +6180,19 @@
               <a:defRPr sz="3000"/>
             </a:lvl9pPr>
           </a:lstStyle>
-          <a:p/>
+          <a:p>
+            <a:endParaRPr/>
+          </a:p>
         </p:txBody>
       </p:sp>
       <p:sp>
         <p:nvSpPr>
           <p:cNvPr id="69" name="Google Shape;69;p6"/>
-          <p:cNvSpPr txBox="1"/>
+          <p:cNvSpPr txBox="1">
+            <a:spLocks noGrp="1"/>
+          </p:cNvSpPr>
           <p:nvPr>
-            <p:ph idx="12" type="sldNum"/>
+            <p:ph type="sldNum" idx="12"/>
           </p:nvPr>
         </p:nvSpPr>
         <p:spPr>
@@ -6191,7 +6205,7 @@
           </a:prstGeom>
         </p:spPr>
         <p:txBody>
-          <a:bodyPr anchorCtr="0" anchor="ctr" bIns="91425" lIns="91425" spcFirstLastPara="1" rIns="91425" wrap="square" tIns="91425">
+          <a:bodyPr spcFirstLastPara="1" wrap="square" lIns="91425" tIns="91425" rIns="91425" bIns="91425" anchor="ctr" anchorCtr="0">
             <a:noAutofit/>
           </a:bodyPr>
           <a:lstStyle>
@@ -6233,7 +6247,7 @@
             </a:lvl9pPr>
           </a:lstStyle>
           <a:p>
-            <a:pPr indent="0" lvl="0" marL="0" rtl="0" algn="r">
+            <a:pPr marL="0" lvl="0" indent="0" algn="r" rtl="0">
               <a:spcBef>
                 <a:spcPts val="0"/>
               </a:spcBef>
@@ -6259,18 +6273,19 @@
 </file>
 
 <file path=ppt/slideLayouts/slideLayout6.xml><?xml version="1.0" encoding="utf-8"?>
-<p:sldLayout xmlns:a="http://schemas.openxmlformats.org/drawingml/2006/main" xmlns:r="http://schemas.openxmlformats.org/officeDocument/2006/relationships" xmlns:mc="http://schemas.openxmlformats.org/markup-compatibility/2006" xmlns:mv="urn:schemas-microsoft-com:mac:vml" xmlns:p="http://schemas.openxmlformats.org/presentationml/2006/main" xmlns:c="http://schemas.openxmlformats.org/drawingml/2006/chart" xmlns:dgm="http://schemas.openxmlformats.org/drawingml/2006/diagram" xmlns:o="urn:schemas-microsoft-com:office:office" xmlns:v="urn:schemas-microsoft-com:vml" xmlns:pvml="urn:schemas-microsoft-com:office:powerpoint" xmlns:com="http://schemas.openxmlformats.org/drawingml/2006/compatibility" xmlns:p14="http://schemas.microsoft.com/office/powerpoint/2010/main" xmlns:p15="http://schemas.microsoft.com/office/powerpoint/2012/main" xmlns:ahyp="http://schemas.microsoft.com/office/drawing/2018/hyperlinkcolor" matchingName="One column text">
+<p:sldLayout xmlns:a="http://schemas.openxmlformats.org/drawingml/2006/main" xmlns:r="http://schemas.openxmlformats.org/officeDocument/2006/relationships" xmlns:p="http://schemas.openxmlformats.org/presentationml/2006/main" matchingName="One column text">
   <p:cSld name="ONE_COLUMN_TEXT">
     <p:bg>
       <p:bgPr>
         <a:solidFill>
           <a:schemeClr val="accent3"/>
         </a:solidFill>
+        <a:effectLst/>
       </p:bgPr>
     </p:bg>
     <p:spTree>
       <p:nvGrpSpPr>
-        <p:cNvPr id="70" name="Shape 70"/>
+        <p:cNvPr id="1" name="Shape 70"/>
         <p:cNvGrpSpPr/>
         <p:nvPr/>
       </p:nvGrpSpPr>
@@ -6304,12 +6319,12 @@
           </a:ln>
         </p:spPr>
         <p:txBody>
-          <a:bodyPr anchorCtr="0" anchor="ctr" bIns="91425" lIns="91425" spcFirstLastPara="1" rIns="91425" wrap="square" tIns="91425">
+          <a:bodyPr spcFirstLastPara="1" wrap="square" lIns="91425" tIns="91425" rIns="91425" bIns="91425" anchor="ctr" anchorCtr="0">
             <a:noAutofit/>
           </a:bodyPr>
           <a:lstStyle/>
           <a:p>
-            <a:pPr indent="0" lvl="0" marL="0" rtl="0" algn="l">
+            <a:pPr marL="0" lvl="0" indent="0" algn="l" rtl="0">
               <a:spcBef>
                 <a:spcPts val="0"/>
               </a:spcBef>
@@ -6318,9 +6333,6 @@
               </a:spcAft>
               <a:buNone/>
             </a:pPr>
-            <a:r>
-              <a:t/>
-            </a:r>
             <a:endParaRPr/>
           </a:p>
         </p:txBody>
@@ -6347,12 +6359,12 @@
           </a:ln>
         </p:spPr>
         <p:txBody>
-          <a:bodyPr anchorCtr="0" anchor="ctr" bIns="91425" lIns="91425" spcFirstLastPara="1" rIns="91425" wrap="square" tIns="91425">
+          <a:bodyPr spcFirstLastPara="1" wrap="square" lIns="91425" tIns="91425" rIns="91425" bIns="91425" anchor="ctr" anchorCtr="0">
             <a:noAutofit/>
           </a:bodyPr>
           <a:lstStyle/>
           <a:p>
-            <a:pPr indent="0" lvl="0" marL="0" rtl="0" algn="l">
+            <a:pPr marL="0" lvl="0" indent="0" algn="l" rtl="0">
               <a:spcBef>
                 <a:spcPts val="0"/>
               </a:spcBef>
@@ -6361,9 +6373,6 @@
               </a:spcAft>
               <a:buNone/>
             </a:pPr>
-            <a:r>
-              <a:t/>
-            </a:r>
             <a:endParaRPr/>
           </a:p>
         </p:txBody>
@@ -6389,7 +6398,7 @@
             <a:noFill/>
           </a:ln>
           <a:effectLst>
-            <a:outerShdw blurRad="228600" sx="101000" rotWithShape="0" algn="ctr" sy="101000">
+            <a:outerShdw blurRad="228600" sx="101000" sy="101000" algn="ctr" rotWithShape="0">
               <a:srgbClr val="000000">
                 <a:alpha val="40000"/>
               </a:srgbClr>
@@ -6397,12 +6406,12 @@
           </a:effectLst>
         </p:spPr>
         <p:txBody>
-          <a:bodyPr anchorCtr="0" anchor="ctr" bIns="91425" lIns="91425" spcFirstLastPara="1" rIns="91425" wrap="square" tIns="91425">
+          <a:bodyPr spcFirstLastPara="1" wrap="square" lIns="91425" tIns="91425" rIns="91425" bIns="91425" anchor="ctr" anchorCtr="0">
             <a:noAutofit/>
           </a:bodyPr>
           <a:lstStyle/>
           <a:p>
-            <a:pPr indent="0" lvl="0" marL="0" rtl="0" algn="l">
+            <a:pPr marL="0" lvl="0" indent="0" algn="l" rtl="0">
               <a:spcBef>
                 <a:spcPts val="0"/>
               </a:spcBef>
@@ -6411,9 +6420,6 @@
               </a:spcAft>
               <a:buNone/>
             </a:pPr>
-            <a:r>
-              <a:t/>
-            </a:r>
             <a:endParaRPr/>
           </a:p>
         </p:txBody>
@@ -6421,7 +6427,9 @@
       <p:sp>
         <p:nvSpPr>
           <p:cNvPr id="74" name="Google Shape;74;p7"/>
-          <p:cNvSpPr txBox="1"/>
+          <p:cNvSpPr txBox="1">
+            <a:spLocks noGrp="1"/>
+          </p:cNvSpPr>
           <p:nvPr>
             <p:ph type="title"/>
           </p:nvPr>
@@ -6436,7 +6444,7 @@
           </a:prstGeom>
         </p:spPr>
         <p:txBody>
-          <a:bodyPr anchorCtr="0" anchor="t" bIns="91425" lIns="91425" spcFirstLastPara="1" rIns="91425" wrap="square" tIns="91425">
+          <a:bodyPr spcFirstLastPara="1" wrap="square" lIns="91425" tIns="91425" rIns="91425" bIns="91425" anchor="t" anchorCtr="0">
             <a:noAutofit/>
           </a:bodyPr>
           <a:lstStyle>
@@ -6540,15 +6548,19 @@
               <a:defRPr sz="3000"/>
             </a:lvl9pPr>
           </a:lstStyle>
-          <a:p/>
+          <a:p>
+            <a:endParaRPr/>
+          </a:p>
         </p:txBody>
       </p:sp>
       <p:sp>
         <p:nvSpPr>
           <p:cNvPr id="75" name="Google Shape;75;p7"/>
-          <p:cNvSpPr txBox="1"/>
+          <p:cNvSpPr txBox="1">
+            <a:spLocks noGrp="1"/>
+          </p:cNvSpPr>
           <p:nvPr>
-            <p:ph idx="1" type="body"/>
+            <p:ph type="body" idx="1"/>
           </p:nvPr>
         </p:nvSpPr>
         <p:spPr>
@@ -6561,11 +6573,11 @@
           </a:prstGeom>
         </p:spPr>
         <p:txBody>
-          <a:bodyPr anchorCtr="0" anchor="t" bIns="91425" lIns="91425" spcFirstLastPara="1" rIns="91425" wrap="square" tIns="91425">
+          <a:bodyPr spcFirstLastPara="1" wrap="square" lIns="91425" tIns="91425" rIns="91425" bIns="91425" anchor="t" anchorCtr="0">
             <a:noAutofit/>
           </a:bodyPr>
           <a:lstStyle>
-            <a:lvl1pPr indent="-311150" lvl="0" marL="457200">
+            <a:lvl1pPr marL="457200" lvl="0" indent="-311150">
               <a:spcBef>
                 <a:spcPts val="0"/>
               </a:spcBef>
@@ -6576,7 +6588,7 @@
               <a:buChar char="●"/>
               <a:defRPr/>
             </a:lvl1pPr>
-            <a:lvl2pPr indent="-298450" lvl="1" marL="914400">
+            <a:lvl2pPr marL="914400" lvl="1" indent="-298450">
               <a:spcBef>
                 <a:spcPts val="1600"/>
               </a:spcBef>
@@ -6587,7 +6599,7 @@
               <a:buChar char="○"/>
               <a:defRPr/>
             </a:lvl2pPr>
-            <a:lvl3pPr indent="-298450" lvl="2" marL="1371600">
+            <a:lvl3pPr marL="1371600" lvl="2" indent="-298450">
               <a:spcBef>
                 <a:spcPts val="1600"/>
               </a:spcBef>
@@ -6598,7 +6610,7 @@
               <a:buChar char="■"/>
               <a:defRPr/>
             </a:lvl3pPr>
-            <a:lvl4pPr indent="-298450" lvl="3" marL="1828800">
+            <a:lvl4pPr marL="1828800" lvl="3" indent="-298450">
               <a:spcBef>
                 <a:spcPts val="1600"/>
               </a:spcBef>
@@ -6609,7 +6621,7 @@
               <a:buChar char="●"/>
               <a:defRPr/>
             </a:lvl4pPr>
-            <a:lvl5pPr indent="-298450" lvl="4" marL="2286000">
+            <a:lvl5pPr marL="2286000" lvl="4" indent="-298450">
               <a:spcBef>
                 <a:spcPts val="1600"/>
               </a:spcBef>
@@ -6620,7 +6632,7 @@
               <a:buChar char="○"/>
               <a:defRPr/>
             </a:lvl5pPr>
-            <a:lvl6pPr indent="-298450" lvl="5" marL="2743200">
+            <a:lvl6pPr marL="2743200" lvl="5" indent="-298450">
               <a:spcBef>
                 <a:spcPts val="1600"/>
               </a:spcBef>
@@ -6631,7 +6643,7 @@
               <a:buChar char="■"/>
               <a:defRPr/>
             </a:lvl6pPr>
-            <a:lvl7pPr indent="-298450" lvl="6" marL="3200400">
+            <a:lvl7pPr marL="3200400" lvl="6" indent="-298450">
               <a:spcBef>
                 <a:spcPts val="1600"/>
               </a:spcBef>
@@ -6642,7 +6654,7 @@
               <a:buChar char="●"/>
               <a:defRPr/>
             </a:lvl7pPr>
-            <a:lvl8pPr indent="-298450" lvl="7" marL="3657600">
+            <a:lvl8pPr marL="3657600" lvl="7" indent="-298450">
               <a:spcBef>
                 <a:spcPts val="1600"/>
               </a:spcBef>
@@ -6653,7 +6665,7 @@
               <a:buChar char="○"/>
               <a:defRPr/>
             </a:lvl8pPr>
-            <a:lvl9pPr indent="-298450" lvl="8" marL="4114800">
+            <a:lvl9pPr marL="4114800" lvl="8" indent="-298450">
               <a:spcBef>
                 <a:spcPts val="1600"/>
               </a:spcBef>
@@ -6665,15 +6677,19 @@
               <a:defRPr/>
             </a:lvl9pPr>
           </a:lstStyle>
-          <a:p/>
+          <a:p>
+            <a:endParaRPr/>
+          </a:p>
         </p:txBody>
       </p:sp>
       <p:sp>
         <p:nvSpPr>
           <p:cNvPr id="76" name="Google Shape;76;p7"/>
-          <p:cNvSpPr txBox="1"/>
+          <p:cNvSpPr txBox="1">
+            <a:spLocks noGrp="1"/>
+          </p:cNvSpPr>
           <p:nvPr>
-            <p:ph idx="12" type="sldNum"/>
+            <p:ph type="sldNum" idx="12"/>
           </p:nvPr>
         </p:nvSpPr>
         <p:spPr>
@@ -6686,7 +6702,7 @@
           </a:prstGeom>
         </p:spPr>
         <p:txBody>
-          <a:bodyPr anchorCtr="0" anchor="ctr" bIns="91425" lIns="91425" spcFirstLastPara="1" rIns="91425" wrap="square" tIns="91425">
+          <a:bodyPr spcFirstLastPara="1" wrap="square" lIns="91425" tIns="91425" rIns="91425" bIns="91425" anchor="ctr" anchorCtr="0">
             <a:noAutofit/>
           </a:bodyPr>
           <a:lstStyle>
@@ -6728,7 +6744,7 @@
             </a:lvl9pPr>
           </a:lstStyle>
           <a:p>
-            <a:pPr indent="0" lvl="0" marL="0" rtl="0" algn="r">
+            <a:pPr marL="0" lvl="0" indent="0" algn="r" rtl="0">
               <a:spcBef>
                 <a:spcPts val="0"/>
               </a:spcBef>
@@ -6754,18 +6770,19 @@
 </file>
 
 <file path=ppt/slideLayouts/slideLayout7.xml><?xml version="1.0" encoding="utf-8"?>
-<p:sldLayout xmlns:a="http://schemas.openxmlformats.org/drawingml/2006/main" xmlns:r="http://schemas.openxmlformats.org/officeDocument/2006/relationships" xmlns:mc="http://schemas.openxmlformats.org/markup-compatibility/2006" xmlns:mv="urn:schemas-microsoft-com:mac:vml" xmlns:p="http://schemas.openxmlformats.org/presentationml/2006/main" xmlns:c="http://schemas.openxmlformats.org/drawingml/2006/chart" xmlns:dgm="http://schemas.openxmlformats.org/drawingml/2006/diagram" xmlns:o="urn:schemas-microsoft-com:office:office" xmlns:v="urn:schemas-microsoft-com:vml" xmlns:pvml="urn:schemas-microsoft-com:office:powerpoint" xmlns:com="http://schemas.openxmlformats.org/drawingml/2006/compatibility" xmlns:p14="http://schemas.microsoft.com/office/powerpoint/2010/main" xmlns:p15="http://schemas.microsoft.com/office/powerpoint/2012/main" xmlns:ahyp="http://schemas.microsoft.com/office/drawing/2018/hyperlinkcolor" matchingName="Main point">
+<p:sldLayout xmlns:a="http://schemas.openxmlformats.org/drawingml/2006/main" xmlns:r="http://schemas.openxmlformats.org/officeDocument/2006/relationships" xmlns:p="http://schemas.openxmlformats.org/presentationml/2006/main" matchingName="Main point">
   <p:cSld name="MAIN_POINT">
     <p:bg>
       <p:bgPr>
         <a:solidFill>
           <a:schemeClr val="accent1"/>
         </a:solidFill>
+        <a:effectLst/>
       </p:bgPr>
     </p:bg>
     <p:spTree>
       <p:nvGrpSpPr>
-        <p:cNvPr id="77" name="Shape 77"/>
+        <p:cNvPr id="1" name="Shape 77"/>
         <p:cNvGrpSpPr/>
         <p:nvPr/>
       </p:nvGrpSpPr>
@@ -6799,12 +6816,12 @@
           </a:ln>
         </p:spPr>
         <p:txBody>
-          <a:bodyPr anchorCtr="0" anchor="ctr" bIns="91425" lIns="91425" spcFirstLastPara="1" rIns="91425" wrap="square" tIns="91425">
+          <a:bodyPr spcFirstLastPara="1" wrap="square" lIns="91425" tIns="91425" rIns="91425" bIns="91425" anchor="ctr" anchorCtr="0">
             <a:noAutofit/>
           </a:bodyPr>
           <a:lstStyle/>
           <a:p>
-            <a:pPr indent="0" lvl="0" marL="0" rtl="0" algn="l">
+            <a:pPr marL="0" lvl="0" indent="0" algn="l" rtl="0">
               <a:spcBef>
                 <a:spcPts val="0"/>
               </a:spcBef>
@@ -6813,9 +6830,6 @@
               </a:spcAft>
               <a:buNone/>
             </a:pPr>
-            <a:r>
-              <a:t/>
-            </a:r>
             <a:endParaRPr/>
           </a:p>
         </p:txBody>
@@ -6842,12 +6856,12 @@
           </a:ln>
         </p:spPr>
         <p:txBody>
-          <a:bodyPr anchorCtr="0" anchor="ctr" bIns="91425" lIns="91425" spcFirstLastPara="1" rIns="91425" wrap="square" tIns="91425">
+          <a:bodyPr spcFirstLastPara="1" wrap="square" lIns="91425" tIns="91425" rIns="91425" bIns="91425" anchor="ctr" anchorCtr="0">
             <a:noAutofit/>
           </a:bodyPr>
           <a:lstStyle/>
           <a:p>
-            <a:pPr indent="0" lvl="0" marL="0" rtl="0" algn="l">
+            <a:pPr marL="0" lvl="0" indent="0" algn="l" rtl="0">
               <a:spcBef>
                 <a:spcPts val="0"/>
               </a:spcBef>
@@ -6856,9 +6870,6 @@
               </a:spcAft>
               <a:buNone/>
             </a:pPr>
-            <a:r>
-              <a:t/>
-            </a:r>
             <a:endParaRPr/>
           </a:p>
         </p:txBody>
@@ -6890,7 +6901,7 @@
             </a:xfrm>
             <a:prstGeom prst="parallelogram">
               <a:avLst>
-                <a:gd fmla="val 153193" name="adj"/>
+                <a:gd name="adj" fmla="val 153193"/>
               </a:avLst>
             </a:prstGeom>
             <a:solidFill>
@@ -6901,12 +6912,12 @@
             </a:ln>
           </p:spPr>
           <p:txBody>
-            <a:bodyPr anchorCtr="0" anchor="ctr" bIns="91425" lIns="91425" spcFirstLastPara="1" rIns="91425" wrap="square" tIns="91425">
+            <a:bodyPr spcFirstLastPara="1" wrap="square" lIns="91425" tIns="91425" rIns="91425" bIns="91425" anchor="ctr" anchorCtr="0">
               <a:noAutofit/>
             </a:bodyPr>
             <a:lstStyle/>
             <a:p>
-              <a:pPr indent="0" lvl="0" marL="0" rtl="0" algn="l">
+              <a:pPr marL="0" lvl="0" indent="0" algn="l" rtl="0">
                 <a:spcBef>
                   <a:spcPts val="0"/>
                 </a:spcBef>
@@ -6915,9 +6926,6 @@
                 </a:spcAft>
                 <a:buNone/>
               </a:pPr>
-              <a:r>
-                <a:t/>
-              </a:r>
               <a:endParaRPr/>
             </a:p>
           </p:txBody>
@@ -6935,7 +6943,7 @@
             </a:xfrm>
             <a:prstGeom prst="parallelogram">
               <a:avLst>
-                <a:gd fmla="val 153193" name="adj"/>
+                <a:gd name="adj" fmla="val 153193"/>
               </a:avLst>
             </a:prstGeom>
             <a:solidFill>
@@ -6946,12 +6954,12 @@
             </a:ln>
           </p:spPr>
           <p:txBody>
-            <a:bodyPr anchorCtr="0" anchor="ctr" bIns="91425" lIns="91425" spcFirstLastPara="1" rIns="91425" wrap="square" tIns="91425">
+            <a:bodyPr spcFirstLastPara="1" wrap="square" lIns="91425" tIns="91425" rIns="91425" bIns="91425" anchor="ctr" anchorCtr="0">
               <a:noAutofit/>
             </a:bodyPr>
             <a:lstStyle/>
             <a:p>
-              <a:pPr indent="0" lvl="0" marL="0" rtl="0" algn="l">
+              <a:pPr marL="0" lvl="0" indent="0" algn="l" rtl="0">
                 <a:spcBef>
                   <a:spcPts val="0"/>
                 </a:spcBef>
@@ -6960,9 +6968,6 @@
                 </a:spcAft>
                 <a:buNone/>
               </a:pPr>
-              <a:r>
-                <a:t/>
-              </a:r>
               <a:endParaRPr/>
             </a:p>
           </p:txBody>
@@ -6980,7 +6985,7 @@
             </a:xfrm>
             <a:prstGeom prst="parallelogram">
               <a:avLst>
-                <a:gd fmla="val 153193" name="adj"/>
+                <a:gd name="adj" fmla="val 153193"/>
               </a:avLst>
             </a:prstGeom>
             <a:solidFill>
@@ -6991,12 +6996,12 @@
             </a:ln>
           </p:spPr>
           <p:txBody>
-            <a:bodyPr anchorCtr="0" anchor="ctr" bIns="91425" lIns="91425" spcFirstLastPara="1" rIns="91425" wrap="square" tIns="91425">
+            <a:bodyPr spcFirstLastPara="1" wrap="square" lIns="91425" tIns="91425" rIns="91425" bIns="91425" anchor="ctr" anchorCtr="0">
               <a:noAutofit/>
             </a:bodyPr>
             <a:lstStyle/>
             <a:p>
-              <a:pPr indent="0" lvl="0" marL="0" rtl="0" algn="l">
+              <a:pPr marL="0" lvl="0" indent="0" algn="l" rtl="0">
                 <a:spcBef>
                   <a:spcPts val="0"/>
                 </a:spcBef>
@@ -7005,9 +7010,6 @@
                 </a:spcAft>
                 <a:buNone/>
               </a:pPr>
-              <a:r>
-                <a:t/>
-              </a:r>
               <a:endParaRPr/>
             </a:p>
           </p:txBody>
@@ -7034,7 +7036,7 @@
             <a:noFill/>
           </a:ln>
           <a:effectLst>
-            <a:outerShdw blurRad="228600" sx="101000" rotWithShape="0" algn="ctr" sy="101000">
+            <a:outerShdw blurRad="228600" sx="101000" sy="101000" algn="ctr" rotWithShape="0">
               <a:srgbClr val="000000">
                 <a:alpha val="40000"/>
               </a:srgbClr>
@@ -7042,12 +7044,12 @@
           </a:effectLst>
         </p:spPr>
         <p:txBody>
-          <a:bodyPr anchorCtr="0" anchor="ctr" bIns="91425" lIns="91425" spcFirstLastPara="1" rIns="91425" wrap="square" tIns="91425">
+          <a:bodyPr spcFirstLastPara="1" wrap="square" lIns="91425" tIns="91425" rIns="91425" bIns="91425" anchor="ctr" anchorCtr="0">
             <a:noAutofit/>
           </a:bodyPr>
           <a:lstStyle/>
           <a:p>
-            <a:pPr indent="0" lvl="0" marL="0" rtl="0" algn="l">
+            <a:pPr marL="0" lvl="0" indent="0" algn="l" rtl="0">
               <a:spcBef>
                 <a:spcPts val="0"/>
               </a:spcBef>
@@ -7056,9 +7058,6 @@
               </a:spcAft>
               <a:buNone/>
             </a:pPr>
-            <a:r>
-              <a:t/>
-            </a:r>
             <a:endParaRPr/>
           </a:p>
         </p:txBody>
@@ -7090,7 +7089,7 @@
             </a:xfrm>
             <a:prstGeom prst="parallelogram">
               <a:avLst>
-                <a:gd fmla="val 158024" name="adj"/>
+                <a:gd name="adj" fmla="val 158024"/>
               </a:avLst>
             </a:prstGeom>
             <a:solidFill>
@@ -7101,12 +7100,12 @@
             </a:ln>
           </p:spPr>
           <p:txBody>
-            <a:bodyPr anchorCtr="0" anchor="ctr" bIns="91425" lIns="91425" spcFirstLastPara="1" rIns="91425" wrap="square" tIns="91425">
+            <a:bodyPr spcFirstLastPara="1" wrap="square" lIns="91425" tIns="91425" rIns="91425" bIns="91425" anchor="ctr" anchorCtr="0">
               <a:noAutofit/>
             </a:bodyPr>
             <a:lstStyle/>
             <a:p>
-              <a:pPr indent="0" lvl="0" marL="0" rtl="0" algn="l">
+              <a:pPr marL="0" lvl="0" indent="0" algn="l" rtl="0">
                 <a:spcBef>
                   <a:spcPts val="0"/>
                 </a:spcBef>
@@ -7115,9 +7114,6 @@
                 </a:spcAft>
                 <a:buNone/>
               </a:pPr>
-              <a:r>
-                <a:t/>
-              </a:r>
               <a:endParaRPr/>
             </a:p>
           </p:txBody>
@@ -7135,7 +7131,7 @@
             </a:xfrm>
             <a:prstGeom prst="parallelogram">
               <a:avLst>
-                <a:gd fmla="val 158024" name="adj"/>
+                <a:gd name="adj" fmla="val 158024"/>
               </a:avLst>
             </a:prstGeom>
             <a:solidFill>
@@ -7146,12 +7142,12 @@
             </a:ln>
           </p:spPr>
           <p:txBody>
-            <a:bodyPr anchorCtr="0" anchor="ctr" bIns="91425" lIns="91425" spcFirstLastPara="1" rIns="91425" wrap="square" tIns="91425">
+            <a:bodyPr spcFirstLastPara="1" wrap="square" lIns="91425" tIns="91425" rIns="91425" bIns="91425" anchor="ctr" anchorCtr="0">
               <a:noAutofit/>
             </a:bodyPr>
             <a:lstStyle/>
             <a:p>
-              <a:pPr indent="0" lvl="0" marL="0" rtl="0" algn="l">
+              <a:pPr marL="0" lvl="0" indent="0" algn="l" rtl="0">
                 <a:spcBef>
                   <a:spcPts val="0"/>
                 </a:spcBef>
@@ -7160,9 +7156,6 @@
                 </a:spcAft>
                 <a:buNone/>
               </a:pPr>
-              <a:r>
-                <a:t/>
-              </a:r>
               <a:endParaRPr/>
             </a:p>
           </p:txBody>
@@ -7180,7 +7173,7 @@
             </a:xfrm>
             <a:prstGeom prst="parallelogram">
               <a:avLst>
-                <a:gd fmla="val 158024" name="adj"/>
+                <a:gd name="adj" fmla="val 158024"/>
               </a:avLst>
             </a:prstGeom>
             <a:solidFill>
@@ -7191,12 +7184,12 @@
             </a:ln>
           </p:spPr>
           <p:txBody>
-            <a:bodyPr anchorCtr="0" anchor="ctr" bIns="91425" lIns="91425" spcFirstLastPara="1" rIns="91425" wrap="square" tIns="91425">
+            <a:bodyPr spcFirstLastPara="1" wrap="square" lIns="91425" tIns="91425" rIns="91425" bIns="91425" anchor="ctr" anchorCtr="0">
               <a:noAutofit/>
             </a:bodyPr>
             <a:lstStyle/>
             <a:p>
-              <a:pPr indent="0" lvl="0" marL="0" rtl="0" algn="l">
+              <a:pPr marL="0" lvl="0" indent="0" algn="l" rtl="0">
                 <a:spcBef>
                   <a:spcPts val="0"/>
                 </a:spcBef>
@@ -7205,9 +7198,6 @@
                 </a:spcAft>
                 <a:buNone/>
               </a:pPr>
-              <a:r>
-                <a:t/>
-              </a:r>
               <a:endParaRPr/>
             </a:p>
           </p:txBody>
@@ -7240,7 +7230,7 @@
             </a:xfrm>
             <a:prstGeom prst="parallelogram">
               <a:avLst>
-                <a:gd fmla="val 158024" name="adj"/>
+                <a:gd name="adj" fmla="val 158024"/>
               </a:avLst>
             </a:prstGeom>
             <a:solidFill>
@@ -7251,12 +7241,12 @@
             </a:ln>
           </p:spPr>
           <p:txBody>
-            <a:bodyPr anchorCtr="0" anchor="ctr" bIns="91425" lIns="91425" spcFirstLastPara="1" rIns="91425" wrap="square" tIns="91425">
+            <a:bodyPr spcFirstLastPara="1" wrap="square" lIns="91425" tIns="91425" rIns="91425" bIns="91425" anchor="ctr" anchorCtr="0">
               <a:noAutofit/>
             </a:bodyPr>
             <a:lstStyle/>
             <a:p>
-              <a:pPr indent="0" lvl="0" marL="0" rtl="0" algn="l">
+              <a:pPr marL="0" lvl="0" indent="0" algn="l" rtl="0">
                 <a:spcBef>
                   <a:spcPts val="0"/>
                 </a:spcBef>
@@ -7265,9 +7255,6 @@
                 </a:spcAft>
                 <a:buNone/>
               </a:pPr>
-              <a:r>
-                <a:t/>
-              </a:r>
               <a:endParaRPr/>
             </a:p>
           </p:txBody>
@@ -7285,7 +7272,7 @@
             </a:xfrm>
             <a:prstGeom prst="parallelogram">
               <a:avLst>
-                <a:gd fmla="val 158024" name="adj"/>
+                <a:gd name="adj" fmla="val 158024"/>
               </a:avLst>
             </a:prstGeom>
             <a:solidFill>
@@ -7296,12 +7283,12 @@
             </a:ln>
           </p:spPr>
           <p:txBody>
-            <a:bodyPr anchorCtr="0" anchor="ctr" bIns="91425" lIns="91425" spcFirstLastPara="1" rIns="91425" wrap="square" tIns="91425">
+            <a:bodyPr spcFirstLastPara="1" wrap="square" lIns="91425" tIns="91425" rIns="91425" bIns="91425" anchor="ctr" anchorCtr="0">
               <a:noAutofit/>
             </a:bodyPr>
             <a:lstStyle/>
             <a:p>
-              <a:pPr indent="0" lvl="0" marL="0" rtl="0" algn="l">
+              <a:pPr marL="0" lvl="0" indent="0" algn="l" rtl="0">
                 <a:spcBef>
                   <a:spcPts val="0"/>
                 </a:spcBef>
@@ -7310,9 +7297,6 @@
                 </a:spcAft>
                 <a:buNone/>
               </a:pPr>
-              <a:r>
-                <a:t/>
-              </a:r>
               <a:endParaRPr/>
             </a:p>
           </p:txBody>
@@ -7330,7 +7314,7 @@
             </a:xfrm>
             <a:prstGeom prst="parallelogram">
               <a:avLst>
-                <a:gd fmla="val 158024" name="adj"/>
+                <a:gd name="adj" fmla="val 158024"/>
               </a:avLst>
             </a:prstGeom>
             <a:solidFill>
@@ -7341,12 +7325,12 @@
             </a:ln>
           </p:spPr>
           <p:txBody>
-            <a:bodyPr anchorCtr="0" anchor="ctr" bIns="91425" lIns="91425" spcFirstLastPara="1" rIns="91425" wrap="square" tIns="91425">
+            <a:bodyPr spcFirstLastPara="1" wrap="square" lIns="91425" tIns="91425" rIns="91425" bIns="91425" anchor="ctr" anchorCtr="0">
               <a:noAutofit/>
             </a:bodyPr>
             <a:lstStyle/>
             <a:p>
-              <a:pPr indent="0" lvl="0" marL="0" rtl="0" algn="l">
+              <a:pPr marL="0" lvl="0" indent="0" algn="l" rtl="0">
                 <a:spcBef>
                   <a:spcPts val="0"/>
                 </a:spcBef>
@@ -7355,9 +7339,6 @@
                 </a:spcAft>
                 <a:buNone/>
               </a:pPr>
-              <a:r>
-                <a:t/>
-              </a:r>
               <a:endParaRPr/>
             </a:p>
           </p:txBody>
@@ -7366,7 +7347,9 @@
       <p:sp>
         <p:nvSpPr>
           <p:cNvPr id="93" name="Google Shape;93;p8"/>
-          <p:cNvSpPr txBox="1"/>
+          <p:cNvSpPr txBox="1">
+            <a:spLocks noGrp="1"/>
+          </p:cNvSpPr>
           <p:nvPr>
             <p:ph type="title"/>
           </p:nvPr>
@@ -7381,7 +7364,7 @@
           </a:prstGeom>
         </p:spPr>
         <p:txBody>
-          <a:bodyPr anchorCtr="0" anchor="ctr" bIns="91425" lIns="91425" spcFirstLastPara="1" rIns="91425" wrap="square" tIns="91425">
+          <a:bodyPr spcFirstLastPara="1" wrap="square" lIns="91425" tIns="91425" rIns="91425" bIns="91425" anchor="ctr" anchorCtr="0">
             <a:noAutofit/>
           </a:bodyPr>
           <a:lstStyle>
@@ -7485,15 +7468,19 @@
               <a:defRPr sz="3200"/>
             </a:lvl9pPr>
           </a:lstStyle>
-          <a:p/>
+          <a:p>
+            <a:endParaRPr/>
+          </a:p>
         </p:txBody>
       </p:sp>
       <p:sp>
         <p:nvSpPr>
           <p:cNvPr id="94" name="Google Shape;94;p8"/>
-          <p:cNvSpPr txBox="1"/>
+          <p:cNvSpPr txBox="1">
+            <a:spLocks noGrp="1"/>
+          </p:cNvSpPr>
           <p:nvPr>
-            <p:ph idx="12" type="sldNum"/>
+            <p:ph type="sldNum" idx="12"/>
           </p:nvPr>
         </p:nvSpPr>
         <p:spPr>
@@ -7506,7 +7493,7 @@
           </a:prstGeom>
         </p:spPr>
         <p:txBody>
-          <a:bodyPr anchorCtr="0" anchor="ctr" bIns="91425" lIns="91425" spcFirstLastPara="1" rIns="91425" wrap="square" tIns="91425">
+          <a:bodyPr spcFirstLastPara="1" wrap="square" lIns="91425" tIns="91425" rIns="91425" bIns="91425" anchor="ctr" anchorCtr="0">
             <a:noAutofit/>
           </a:bodyPr>
           <a:lstStyle>
@@ -7548,7 +7535,7 @@
             </a:lvl9pPr>
           </a:lstStyle>
           <a:p>
-            <a:pPr indent="0" lvl="0" marL="0" rtl="0" algn="r">
+            <a:pPr marL="0" lvl="0" indent="0" algn="r" rtl="0">
               <a:spcBef>
                 <a:spcPts val="0"/>
               </a:spcBef>
@@ -7574,18 +7561,19 @@
 </file>
 
 <file path=ppt/slideLayouts/slideLayout8.xml><?xml version="1.0" encoding="utf-8"?>
-<p:sldLayout xmlns:a="http://schemas.openxmlformats.org/drawingml/2006/main" xmlns:r="http://schemas.openxmlformats.org/officeDocument/2006/relationships" xmlns:mc="http://schemas.openxmlformats.org/markup-compatibility/2006" xmlns:mv="urn:schemas-microsoft-com:mac:vml" xmlns:p="http://schemas.openxmlformats.org/presentationml/2006/main" xmlns:c="http://schemas.openxmlformats.org/drawingml/2006/chart" xmlns:dgm="http://schemas.openxmlformats.org/drawingml/2006/diagram" xmlns:o="urn:schemas-microsoft-com:office:office" xmlns:v="urn:schemas-microsoft-com:vml" xmlns:pvml="urn:schemas-microsoft-com:office:powerpoint" xmlns:com="http://schemas.openxmlformats.org/drawingml/2006/compatibility" xmlns:p14="http://schemas.microsoft.com/office/powerpoint/2010/main" xmlns:p15="http://schemas.microsoft.com/office/powerpoint/2012/main" xmlns:ahyp="http://schemas.microsoft.com/office/drawing/2018/hyperlinkcolor" matchingName="Section title and description">
+<p:sldLayout xmlns:a="http://schemas.openxmlformats.org/drawingml/2006/main" xmlns:r="http://schemas.openxmlformats.org/officeDocument/2006/relationships" xmlns:p="http://schemas.openxmlformats.org/presentationml/2006/main" matchingName="Section title and description">
   <p:cSld name="SECTION_TITLE_AND_DESCRIPTION">
     <p:bg>
       <p:bgPr>
         <a:solidFill>
           <a:schemeClr val="dk2"/>
         </a:solidFill>
+        <a:effectLst/>
       </p:bgPr>
     </p:bg>
     <p:spTree>
       <p:nvGrpSpPr>
-        <p:cNvPr id="95" name="Shape 95"/>
+        <p:cNvPr id="1" name="Shape 95"/>
         <p:cNvGrpSpPr/>
         <p:nvPr/>
       </p:nvGrpSpPr>
@@ -7619,12 +7607,12 @@
           </a:ln>
         </p:spPr>
         <p:txBody>
-          <a:bodyPr anchorCtr="0" anchor="ctr" bIns="91425" lIns="91425" spcFirstLastPara="1" rIns="91425" wrap="square" tIns="91425">
+          <a:bodyPr spcFirstLastPara="1" wrap="square" lIns="91425" tIns="91425" rIns="91425" bIns="91425" anchor="ctr" anchorCtr="0">
             <a:noAutofit/>
           </a:bodyPr>
           <a:lstStyle/>
           <a:p>
-            <a:pPr indent="0" lvl="0" marL="0" rtl="0" algn="l">
+            <a:pPr marL="0" lvl="0" indent="0" algn="l" rtl="0">
               <a:spcBef>
                 <a:spcPts val="0"/>
               </a:spcBef>
@@ -7633,9 +7621,6 @@
               </a:spcAft>
               <a:buNone/>
             </a:pPr>
-            <a:r>
-              <a:t/>
-            </a:r>
             <a:endParaRPr/>
           </a:p>
         </p:txBody>
@@ -7662,12 +7647,12 @@
           </a:ln>
         </p:spPr>
         <p:txBody>
-          <a:bodyPr anchorCtr="0" anchor="ctr" bIns="91425" lIns="91425" spcFirstLastPara="1" rIns="91425" wrap="square" tIns="91425">
+          <a:bodyPr spcFirstLastPara="1" wrap="square" lIns="91425" tIns="91425" rIns="91425" bIns="91425" anchor="ctr" anchorCtr="0">
             <a:noAutofit/>
           </a:bodyPr>
           <a:lstStyle/>
           <a:p>
-            <a:pPr indent="0" lvl="0" marL="0" rtl="0" algn="l">
+            <a:pPr marL="0" lvl="0" indent="0" algn="l" rtl="0">
               <a:spcBef>
                 <a:spcPts val="0"/>
               </a:spcBef>
@@ -7676,9 +7661,6 @@
               </a:spcAft>
               <a:buNone/>
             </a:pPr>
-            <a:r>
-              <a:t/>
-            </a:r>
             <a:endParaRPr/>
           </a:p>
         </p:txBody>
@@ -7704,7 +7686,7 @@
             <a:noFill/>
           </a:ln>
           <a:effectLst>
-            <a:outerShdw blurRad="228600" sx="101000" rotWithShape="0" algn="ctr" sy="101000">
+            <a:outerShdw blurRad="228600" sx="101000" sy="101000" algn="ctr" rotWithShape="0">
               <a:srgbClr val="000000">
                 <a:alpha val="40000"/>
               </a:srgbClr>
@@ -7712,12 +7694,12 @@
           </a:effectLst>
         </p:spPr>
         <p:txBody>
-          <a:bodyPr anchorCtr="0" anchor="ctr" bIns="91425" lIns="91425" spcFirstLastPara="1" rIns="91425" wrap="square" tIns="91425">
+          <a:bodyPr spcFirstLastPara="1" wrap="square" lIns="91425" tIns="91425" rIns="91425" bIns="91425" anchor="ctr" anchorCtr="0">
             <a:noAutofit/>
           </a:bodyPr>
           <a:lstStyle/>
           <a:p>
-            <a:pPr indent="0" lvl="0" marL="0" rtl="0" algn="l">
+            <a:pPr marL="0" lvl="0" indent="0" algn="l" rtl="0">
               <a:spcBef>
                 <a:spcPts val="0"/>
               </a:spcBef>
@@ -7726,9 +7708,6 @@
               </a:spcAft>
               <a:buNone/>
             </a:pPr>
-            <a:r>
-              <a:t/>
-            </a:r>
             <a:endParaRPr/>
           </a:p>
         </p:txBody>
@@ -7736,7 +7715,9 @@
       <p:sp>
         <p:nvSpPr>
           <p:cNvPr id="99" name="Google Shape;99;p9"/>
-          <p:cNvSpPr txBox="1"/>
+          <p:cNvSpPr txBox="1">
+            <a:spLocks noGrp="1"/>
+          </p:cNvSpPr>
           <p:nvPr>
             <p:ph type="title"/>
           </p:nvPr>
@@ -7751,7 +7732,7 @@
           </a:prstGeom>
         </p:spPr>
         <p:txBody>
-          <a:bodyPr anchorCtr="0" anchor="t" bIns="91425" lIns="91425" spcFirstLastPara="1" rIns="91425" wrap="square" tIns="91425">
+          <a:bodyPr spcFirstLastPara="1" wrap="square" lIns="91425" tIns="91425" rIns="91425" bIns="91425" anchor="t" anchorCtr="0">
             <a:noAutofit/>
           </a:bodyPr>
           <a:lstStyle>
@@ -7855,15 +7836,19 @@
               <a:defRPr sz="3000"/>
             </a:lvl9pPr>
           </a:lstStyle>
-          <a:p/>
+          <a:p>
+            <a:endParaRPr/>
+          </a:p>
         </p:txBody>
       </p:sp>
       <p:sp>
         <p:nvSpPr>
           <p:cNvPr id="100" name="Google Shape;100;p9"/>
-          <p:cNvSpPr txBox="1"/>
+          <p:cNvSpPr txBox="1">
+            <a:spLocks noGrp="1"/>
+          </p:cNvSpPr>
           <p:nvPr>
-            <p:ph idx="1" type="subTitle"/>
+            <p:ph type="subTitle" idx="1"/>
           </p:nvPr>
         </p:nvSpPr>
         <p:spPr>
@@ -7876,7 +7861,7 @@
           </a:prstGeom>
         </p:spPr>
         <p:txBody>
-          <a:bodyPr anchorCtr="0" anchor="t" bIns="91425" lIns="91425" spcFirstLastPara="1" rIns="91425" wrap="square" tIns="91425">
+          <a:bodyPr spcFirstLastPara="1" wrap="square" lIns="91425" tIns="91425" rIns="91425" bIns="91425" anchor="t" anchorCtr="0">
             <a:noAutofit/>
           </a:bodyPr>
           <a:lstStyle>
@@ -8070,15 +8055,19 @@
               </a:defRPr>
             </a:lvl9pPr>
           </a:lstStyle>
-          <a:p/>
+          <a:p>
+            <a:endParaRPr/>
+          </a:p>
         </p:txBody>
       </p:sp>
       <p:sp>
         <p:nvSpPr>
           <p:cNvPr id="101" name="Google Shape;101;p9"/>
-          <p:cNvSpPr txBox="1"/>
+          <p:cNvSpPr txBox="1">
+            <a:spLocks noGrp="1"/>
+          </p:cNvSpPr>
           <p:nvPr>
-            <p:ph idx="2" type="body"/>
+            <p:ph type="body" idx="2"/>
           </p:nvPr>
         </p:nvSpPr>
         <p:spPr>
@@ -8091,11 +8080,11 @@
           </a:prstGeom>
         </p:spPr>
         <p:txBody>
-          <a:bodyPr anchorCtr="0" anchor="t" bIns="91425" lIns="91425" spcFirstLastPara="1" rIns="91425" wrap="square" tIns="91425">
+          <a:bodyPr spcFirstLastPara="1" wrap="square" lIns="91425" tIns="91425" rIns="91425" bIns="91425" anchor="t" anchorCtr="0">
             <a:noAutofit/>
           </a:bodyPr>
           <a:lstStyle>
-            <a:lvl1pPr indent="-311150" lvl="0" marL="457200">
+            <a:lvl1pPr marL="457200" lvl="0" indent="-311150">
               <a:spcBef>
                 <a:spcPts val="0"/>
               </a:spcBef>
@@ -8106,7 +8095,7 @@
               <a:buChar char="●"/>
               <a:defRPr/>
             </a:lvl1pPr>
-            <a:lvl2pPr indent="-298450" lvl="1" marL="914400">
+            <a:lvl2pPr marL="914400" lvl="1" indent="-298450">
               <a:spcBef>
                 <a:spcPts val="1600"/>
               </a:spcBef>
@@ -8117,7 +8106,7 @@
               <a:buChar char="○"/>
               <a:defRPr/>
             </a:lvl2pPr>
-            <a:lvl3pPr indent="-298450" lvl="2" marL="1371600">
+            <a:lvl3pPr marL="1371600" lvl="2" indent="-298450">
               <a:spcBef>
                 <a:spcPts val="1600"/>
               </a:spcBef>
@@ -8128,7 +8117,7 @@
               <a:buChar char="■"/>
               <a:defRPr/>
             </a:lvl3pPr>
-            <a:lvl4pPr indent="-298450" lvl="3" marL="1828800">
+            <a:lvl4pPr marL="1828800" lvl="3" indent="-298450">
               <a:spcBef>
                 <a:spcPts val="1600"/>
               </a:spcBef>
@@ -8139,7 +8128,7 @@
               <a:buChar char="●"/>
               <a:defRPr/>
             </a:lvl4pPr>
-            <a:lvl5pPr indent="-298450" lvl="4" marL="2286000">
+            <a:lvl5pPr marL="2286000" lvl="4" indent="-298450">
               <a:spcBef>
                 <a:spcPts val="1600"/>
               </a:spcBef>
@@ -8150,7 +8139,7 @@
               <a:buChar char="○"/>
               <a:defRPr/>
             </a:lvl5pPr>
-            <a:lvl6pPr indent="-298450" lvl="5" marL="2743200">
+            <a:lvl6pPr marL="2743200" lvl="5" indent="-298450">
               <a:spcBef>
                 <a:spcPts val="1600"/>
               </a:spcBef>
@@ -8161,7 +8150,7 @@
               <a:buChar char="■"/>
               <a:defRPr/>
             </a:lvl6pPr>
-            <a:lvl7pPr indent="-298450" lvl="6" marL="3200400">
+            <a:lvl7pPr marL="3200400" lvl="6" indent="-298450">
               <a:spcBef>
                 <a:spcPts val="1600"/>
               </a:spcBef>
@@ -8172,7 +8161,7 @@
               <a:buChar char="●"/>
               <a:defRPr/>
             </a:lvl7pPr>
-            <a:lvl8pPr indent="-298450" lvl="7" marL="3657600">
+            <a:lvl8pPr marL="3657600" lvl="7" indent="-298450">
               <a:spcBef>
                 <a:spcPts val="1600"/>
               </a:spcBef>
@@ -8183,7 +8172,7 @@
               <a:buChar char="○"/>
               <a:defRPr/>
             </a:lvl8pPr>
-            <a:lvl9pPr indent="-298450" lvl="8" marL="4114800">
+            <a:lvl9pPr marL="4114800" lvl="8" indent="-298450">
               <a:spcBef>
                 <a:spcPts val="1600"/>
               </a:spcBef>
@@ -8195,15 +8184,19 @@
               <a:defRPr/>
             </a:lvl9pPr>
           </a:lstStyle>
-          <a:p/>
+          <a:p>
+            <a:endParaRPr/>
+          </a:p>
         </p:txBody>
       </p:sp>
       <p:sp>
         <p:nvSpPr>
           <p:cNvPr id="102" name="Google Shape;102;p9"/>
-          <p:cNvSpPr txBox="1"/>
+          <p:cNvSpPr txBox="1">
+            <a:spLocks noGrp="1"/>
+          </p:cNvSpPr>
           <p:nvPr>
-            <p:ph idx="12" type="sldNum"/>
+            <p:ph type="sldNum" idx="12"/>
           </p:nvPr>
         </p:nvSpPr>
         <p:spPr>
@@ -8216,7 +8209,7 @@
           </a:prstGeom>
         </p:spPr>
         <p:txBody>
-          <a:bodyPr anchorCtr="0" anchor="ctr" bIns="91425" lIns="91425" spcFirstLastPara="1" rIns="91425" wrap="square" tIns="91425">
+          <a:bodyPr spcFirstLastPara="1" wrap="square" lIns="91425" tIns="91425" rIns="91425" bIns="91425" anchor="ctr" anchorCtr="0">
             <a:noAutofit/>
           </a:bodyPr>
           <a:lstStyle>
@@ -8258,7 +8251,7 @@
             </a:lvl9pPr>
           </a:lstStyle>
           <a:p>
-            <a:pPr indent="0" lvl="0" marL="0" rtl="0" algn="r">
+            <a:pPr marL="0" lvl="0" indent="0" algn="r" rtl="0">
               <a:spcBef>
                 <a:spcPts val="0"/>
               </a:spcBef>
@@ -8284,18 +8277,19 @@
 </file>
 
 <file path=ppt/slideLayouts/slideLayout9.xml><?xml version="1.0" encoding="utf-8"?>
-<p:sldLayout xmlns:a="http://schemas.openxmlformats.org/drawingml/2006/main" xmlns:r="http://schemas.openxmlformats.org/officeDocument/2006/relationships" xmlns:mc="http://schemas.openxmlformats.org/markup-compatibility/2006" xmlns:mv="urn:schemas-microsoft-com:mac:vml" xmlns:p="http://schemas.openxmlformats.org/presentationml/2006/main" xmlns:c="http://schemas.openxmlformats.org/drawingml/2006/chart" xmlns:dgm="http://schemas.openxmlformats.org/drawingml/2006/diagram" xmlns:o="urn:schemas-microsoft-com:office:office" xmlns:v="urn:schemas-microsoft-com:vml" xmlns:pvml="urn:schemas-microsoft-com:office:powerpoint" xmlns:com="http://schemas.openxmlformats.org/drawingml/2006/compatibility" xmlns:p14="http://schemas.microsoft.com/office/powerpoint/2010/main" xmlns:p15="http://schemas.microsoft.com/office/powerpoint/2012/main" xmlns:ahyp="http://schemas.microsoft.com/office/drawing/2018/hyperlinkcolor" matchingName="Caption">
+<p:sldLayout xmlns:a="http://schemas.openxmlformats.org/drawingml/2006/main" xmlns:r="http://schemas.openxmlformats.org/officeDocument/2006/relationships" xmlns:p="http://schemas.openxmlformats.org/presentationml/2006/main" matchingName="Caption">
   <p:cSld name="CAPTION_ONLY">
     <p:bg>
       <p:bgPr>
         <a:solidFill>
           <a:schemeClr val="accent1"/>
         </a:solidFill>
+        <a:effectLst/>
       </p:bgPr>
     </p:bg>
     <p:spTree>
       <p:nvGrpSpPr>
-        <p:cNvPr id="103" name="Shape 103"/>
+        <p:cNvPr id="1" name="Shape 103"/>
         <p:cNvGrpSpPr/>
         <p:nvPr/>
       </p:nvGrpSpPr>
@@ -8329,12 +8323,12 @@
           </a:ln>
         </p:spPr>
         <p:txBody>
-          <a:bodyPr anchorCtr="0" anchor="ctr" bIns="91425" lIns="91425" spcFirstLastPara="1" rIns="91425" wrap="square" tIns="91425">
+          <a:bodyPr spcFirstLastPara="1" wrap="square" lIns="91425" tIns="91425" rIns="91425" bIns="91425" anchor="ctr" anchorCtr="0">
             <a:noAutofit/>
           </a:bodyPr>
           <a:lstStyle/>
           <a:p>
-            <a:pPr indent="0" lvl="0" marL="0" rtl="0" algn="l">
+            <a:pPr marL="0" lvl="0" indent="0" algn="l" rtl="0">
               <a:spcBef>
                 <a:spcPts val="0"/>
               </a:spcBef>
@@ -8343,9 +8337,6 @@
               </a:spcAft>
               <a:buNone/>
             </a:pPr>
-            <a:r>
-              <a:t/>
-            </a:r>
             <a:endParaRPr/>
           </a:p>
         </p:txBody>
@@ -8372,12 +8363,12 @@
           </a:ln>
         </p:spPr>
         <p:txBody>
-          <a:bodyPr anchorCtr="0" anchor="ctr" bIns="91425" lIns="91425" spcFirstLastPara="1" rIns="91425" wrap="square" tIns="91425">
+          <a:bodyPr spcFirstLastPara="1" wrap="square" lIns="91425" tIns="91425" rIns="91425" bIns="91425" anchor="ctr" anchorCtr="0">
             <a:noAutofit/>
           </a:bodyPr>
           <a:lstStyle/>
           <a:p>
-            <a:pPr indent="0" lvl="0" marL="0" rtl="0" algn="l">
+            <a:pPr marL="0" lvl="0" indent="0" algn="l" rtl="0">
               <a:spcBef>
                 <a:spcPts val="0"/>
               </a:spcBef>
@@ -8386,9 +8377,6 @@
               </a:spcAft>
               <a:buNone/>
             </a:pPr>
-            <a:r>
-              <a:t/>
-            </a:r>
             <a:endParaRPr/>
           </a:p>
         </p:txBody>
@@ -8414,7 +8402,7 @@
             <a:noFill/>
           </a:ln>
           <a:effectLst>
-            <a:outerShdw blurRad="228600" sx="101000" rotWithShape="0" algn="ctr" sy="101000">
+            <a:outerShdw blurRad="228600" sx="101000" sy="101000" algn="ctr" rotWithShape="0">
               <a:srgbClr val="000000">
                 <a:alpha val="40000"/>
               </a:srgbClr>
@@ -8422,12 +8410,12 @@
           </a:effectLst>
         </p:spPr>
         <p:txBody>
-          <a:bodyPr anchorCtr="0" anchor="ctr" bIns="91425" lIns="91425" spcFirstLastPara="1" rIns="91425" wrap="square" tIns="91425">
+          <a:bodyPr spcFirstLastPara="1" wrap="square" lIns="91425" tIns="91425" rIns="91425" bIns="91425" anchor="ctr" anchorCtr="0">
             <a:noAutofit/>
           </a:bodyPr>
           <a:lstStyle/>
           <a:p>
-            <a:pPr indent="0" lvl="0" marL="0" rtl="0" algn="l">
+            <a:pPr marL="0" lvl="0" indent="0" algn="l" rtl="0">
               <a:spcBef>
                 <a:spcPts val="0"/>
               </a:spcBef>
@@ -8436,9 +8424,6 @@
               </a:spcAft>
               <a:buNone/>
             </a:pPr>
-            <a:r>
-              <a:t/>
-            </a:r>
             <a:endParaRPr/>
           </a:p>
         </p:txBody>
@@ -8446,9 +8431,11 @@
       <p:sp>
         <p:nvSpPr>
           <p:cNvPr id="107" name="Google Shape;107;p10"/>
-          <p:cNvSpPr txBox="1"/>
+          <p:cNvSpPr txBox="1">
+            <a:spLocks noGrp="1"/>
+          </p:cNvSpPr>
           <p:nvPr>
-            <p:ph idx="1" type="body"/>
+            <p:ph type="body" idx="1"/>
           </p:nvPr>
         </p:nvSpPr>
         <p:spPr>
@@ -8461,11 +8448,11 @@
           </a:prstGeom>
         </p:spPr>
         <p:txBody>
-          <a:bodyPr anchorCtr="0" anchor="b" bIns="91425" lIns="91425" spcFirstLastPara="1" rIns="91425" wrap="square" tIns="91425">
+          <a:bodyPr spcFirstLastPara="1" wrap="square" lIns="91425" tIns="91425" rIns="91425" bIns="91425" anchor="b" anchorCtr="0">
             <a:noAutofit/>
           </a:bodyPr>
           <a:lstStyle>
-            <a:lvl1pPr indent="-228600" lvl="0" marL="457200">
+            <a:lvl1pPr marL="457200" lvl="0" indent="-228600">
               <a:lnSpc>
                 <a:spcPct val="100000"/>
               </a:lnSpc>
@@ -8480,15 +8467,19 @@
               <a:defRPr/>
             </a:lvl1pPr>
           </a:lstStyle>
-          <a:p/>
+          <a:p>
+            <a:endParaRPr/>
+          </a:p>
         </p:txBody>
       </p:sp>
       <p:sp>
         <p:nvSpPr>
           <p:cNvPr id="108" name="Google Shape;108;p10"/>
-          <p:cNvSpPr txBox="1"/>
+          <p:cNvSpPr txBox="1">
+            <a:spLocks noGrp="1"/>
+          </p:cNvSpPr>
           <p:nvPr>
-            <p:ph idx="12" type="sldNum"/>
+            <p:ph type="sldNum" idx="12"/>
           </p:nvPr>
         </p:nvSpPr>
         <p:spPr>
@@ -8501,7 +8492,7 @@
           </a:prstGeom>
         </p:spPr>
         <p:txBody>
-          <a:bodyPr anchorCtr="0" anchor="ctr" bIns="91425" lIns="91425" spcFirstLastPara="1" rIns="91425" wrap="square" tIns="91425">
+          <a:bodyPr spcFirstLastPara="1" wrap="square" lIns="91425" tIns="91425" rIns="91425" bIns="91425" anchor="ctr" anchorCtr="0">
             <a:noAutofit/>
           </a:bodyPr>
           <a:lstStyle>
@@ -8543,7 +8534,7 @@
             </a:lvl9pPr>
           </a:lstStyle>
           <a:p>
-            <a:pPr indent="0" lvl="0" marL="0" rtl="0" algn="r">
+            <a:pPr marL="0" lvl="0" indent="0" algn="r" rtl="0">
               <a:spcBef>
                 <a:spcPts val="0"/>
               </a:spcBef>
@@ -8569,18 +8560,19 @@
 </file>
 
 <file path=ppt/slideMasters/slideMaster1.xml><?xml version="1.0" encoding="utf-8"?>
-<p:sldMaster xmlns:a="http://schemas.openxmlformats.org/drawingml/2006/main" xmlns:r="http://schemas.openxmlformats.org/officeDocument/2006/relationships" xmlns:mc="http://schemas.openxmlformats.org/markup-compatibility/2006" xmlns:mv="urn:schemas-microsoft-com:mac:vml" xmlns:p="http://schemas.openxmlformats.org/presentationml/2006/main" xmlns:c="http://schemas.openxmlformats.org/drawingml/2006/chart" xmlns:dgm="http://schemas.openxmlformats.org/drawingml/2006/diagram" xmlns:o="urn:schemas-microsoft-com:office:office" xmlns:v="urn:schemas-microsoft-com:vml" xmlns:pvml="urn:schemas-microsoft-com:office:powerpoint" xmlns:com="http://schemas.openxmlformats.org/drawingml/2006/compatibility" xmlns:p14="http://schemas.microsoft.com/office/powerpoint/2010/main" xmlns:p15="http://schemas.microsoft.com/office/powerpoint/2012/main" xmlns:ahyp="http://schemas.microsoft.com/office/drawing/2018/hyperlinkcolor">
+<p:sldMaster xmlns:a="http://schemas.openxmlformats.org/drawingml/2006/main" xmlns:r="http://schemas.openxmlformats.org/officeDocument/2006/relationships" xmlns:p="http://schemas.openxmlformats.org/presentationml/2006/main">
   <p:cSld name="shift">
     <p:bg>
       <p:bgPr>
         <a:solidFill>
           <a:schemeClr val="dk1"/>
         </a:solidFill>
+        <a:effectLst/>
       </p:bgPr>
     </p:bg>
     <p:spTree>
       <p:nvGrpSpPr>
-        <p:cNvPr id="5" name="Shape 5"/>
+        <p:cNvPr id="1" name="Shape 5"/>
         <p:cNvGrpSpPr/>
         <p:nvPr/>
       </p:nvGrpSpPr>
@@ -8595,7 +8587,9 @@
       <p:sp>
         <p:nvSpPr>
           <p:cNvPr id="6" name="Google Shape;6;p1"/>
-          <p:cNvSpPr txBox="1"/>
+          <p:cNvSpPr txBox="1">
+            <a:spLocks noGrp="1"/>
+          </p:cNvSpPr>
           <p:nvPr>
             <p:ph type="title"/>
           </p:nvPr>
@@ -8614,7 +8608,7 @@
           </a:ln>
         </p:spPr>
         <p:txBody>
-          <a:bodyPr anchorCtr="0" anchor="t" bIns="91425" lIns="91425" spcFirstLastPara="1" rIns="91425" wrap="square" tIns="91425">
+          <a:bodyPr spcFirstLastPara="1" wrap="square" lIns="91425" tIns="91425" rIns="91425" bIns="91425" anchor="t" anchorCtr="0">
             <a:noAutofit/>
           </a:bodyPr>
           <a:lstStyle>
@@ -8826,15 +8820,19 @@
               </a:defRPr>
             </a:lvl9pPr>
           </a:lstStyle>
-          <a:p/>
+          <a:p>
+            <a:endParaRPr/>
+          </a:p>
         </p:txBody>
       </p:sp>
       <p:sp>
         <p:nvSpPr>
           <p:cNvPr id="7" name="Google Shape;7;p1"/>
-          <p:cNvSpPr txBox="1"/>
+          <p:cNvSpPr txBox="1">
+            <a:spLocks noGrp="1"/>
+          </p:cNvSpPr>
           <p:nvPr>
-            <p:ph idx="1" type="body"/>
+            <p:ph type="body" idx="1"/>
           </p:nvPr>
         </p:nvSpPr>
         <p:spPr>
@@ -8851,11 +8849,11 @@
           </a:ln>
         </p:spPr>
         <p:txBody>
-          <a:bodyPr anchorCtr="0" anchor="t" bIns="91425" lIns="91425" spcFirstLastPara="1" rIns="91425" wrap="square" tIns="91425">
+          <a:bodyPr spcFirstLastPara="1" wrap="square" lIns="91425" tIns="91425" rIns="91425" bIns="91425" anchor="t" anchorCtr="0">
             <a:noAutofit/>
           </a:bodyPr>
           <a:lstStyle>
-            <a:lvl1pPr indent="-311150" lvl="0" marL="457200">
+            <a:lvl1pPr marL="457200" lvl="0" indent="-311150">
               <a:lnSpc>
                 <a:spcPct val="115000"/>
               </a:lnSpc>
@@ -8881,7 +8879,7 @@
                 <a:sym typeface="Calibri"/>
               </a:defRPr>
             </a:lvl1pPr>
-            <a:lvl2pPr indent="-298450" lvl="1" marL="914400">
+            <a:lvl2pPr marL="914400" lvl="1" indent="-298450">
               <a:lnSpc>
                 <a:spcPct val="115000"/>
               </a:lnSpc>
@@ -8907,7 +8905,7 @@
                 <a:sym typeface="Calibri"/>
               </a:defRPr>
             </a:lvl2pPr>
-            <a:lvl3pPr indent="-298450" lvl="2" marL="1371600">
+            <a:lvl3pPr marL="1371600" lvl="2" indent="-298450">
               <a:lnSpc>
                 <a:spcPct val="115000"/>
               </a:lnSpc>
@@ -8933,7 +8931,7 @@
                 <a:sym typeface="Calibri"/>
               </a:defRPr>
             </a:lvl3pPr>
-            <a:lvl4pPr indent="-298450" lvl="3" marL="1828800">
+            <a:lvl4pPr marL="1828800" lvl="3" indent="-298450">
               <a:lnSpc>
                 <a:spcPct val="115000"/>
               </a:lnSpc>
@@ -8959,7 +8957,7 @@
                 <a:sym typeface="Calibri"/>
               </a:defRPr>
             </a:lvl4pPr>
-            <a:lvl5pPr indent="-298450" lvl="4" marL="2286000">
+            <a:lvl5pPr marL="2286000" lvl="4" indent="-298450">
               <a:lnSpc>
                 <a:spcPct val="115000"/>
               </a:lnSpc>
@@ -8985,7 +8983,7 @@
                 <a:sym typeface="Calibri"/>
               </a:defRPr>
             </a:lvl5pPr>
-            <a:lvl6pPr indent="-298450" lvl="5" marL="2743200">
+            <a:lvl6pPr marL="2743200" lvl="5" indent="-298450">
               <a:lnSpc>
                 <a:spcPct val="115000"/>
               </a:lnSpc>
@@ -9011,7 +9009,7 @@
                 <a:sym typeface="Calibri"/>
               </a:defRPr>
             </a:lvl6pPr>
-            <a:lvl7pPr indent="-298450" lvl="6" marL="3200400">
+            <a:lvl7pPr marL="3200400" lvl="6" indent="-298450">
               <a:lnSpc>
                 <a:spcPct val="115000"/>
               </a:lnSpc>
@@ -9037,7 +9035,7 @@
                 <a:sym typeface="Calibri"/>
               </a:defRPr>
             </a:lvl7pPr>
-            <a:lvl8pPr indent="-298450" lvl="7" marL="3657600">
+            <a:lvl8pPr marL="3657600" lvl="7" indent="-298450">
               <a:lnSpc>
                 <a:spcPct val="115000"/>
               </a:lnSpc>
@@ -9063,7 +9061,7 @@
                 <a:sym typeface="Calibri"/>
               </a:defRPr>
             </a:lvl8pPr>
-            <a:lvl9pPr indent="-298450" lvl="8" marL="4114800">
+            <a:lvl9pPr marL="4114800" lvl="8" indent="-298450">
               <a:lnSpc>
                 <a:spcPct val="115000"/>
               </a:lnSpc>
@@ -9090,15 +9088,19 @@
               </a:defRPr>
             </a:lvl9pPr>
           </a:lstStyle>
-          <a:p/>
+          <a:p>
+            <a:endParaRPr/>
+          </a:p>
         </p:txBody>
       </p:sp>
       <p:sp>
         <p:nvSpPr>
           <p:cNvPr id="8" name="Google Shape;8;p1"/>
-          <p:cNvSpPr txBox="1"/>
+          <p:cNvSpPr txBox="1">
+            <a:spLocks noGrp="1"/>
+          </p:cNvSpPr>
           <p:nvPr>
-            <p:ph idx="12" type="sldNum"/>
+            <p:ph type="sldNum" idx="12"/>
           </p:nvPr>
         </p:nvSpPr>
         <p:spPr>
@@ -9115,7 +9117,7 @@
           </a:ln>
         </p:spPr>
         <p:txBody>
-          <a:bodyPr anchorCtr="0" anchor="ctr" bIns="91425" lIns="91425" spcFirstLastPara="1" rIns="91425" wrap="square" tIns="91425">
+          <a:bodyPr spcFirstLastPara="1" wrap="square" lIns="91425" tIns="91425" rIns="91425" bIns="91425" anchor="ctr" anchorCtr="0">
             <a:noAutofit/>
           </a:bodyPr>
           <a:lstStyle>
@@ -9229,7 +9231,7 @@
             </a:lvl9pPr>
           </a:lstStyle>
           <a:p>
-            <a:pPr indent="0" lvl="0" marL="0" rtl="0" algn="r">
+            <a:pPr marL="0" lvl="0" indent="0" algn="r" rtl="0">
               <a:spcBef>
                 <a:spcPts val="0"/>
               </a:spcBef>
@@ -9248,7 +9250,7 @@
       </p:sp>
     </p:spTree>
   </p:cSld>
-  <p:clrMap accent1="accent1" accent2="accent2" accent3="accent3" accent4="accent4" accent5="accent5" accent6="accent6" bg1="lt1" bg2="dk2" tx1="dk1" tx2="lt2" folHlink="folHlink" hlink="hlink"/>
+  <p:clrMap bg1="lt1" tx1="dk1" bg2="dk2" tx2="lt2" accent1="accent1" accent2="accent2" accent3="accent3" accent4="accent4" accent5="accent5" accent6="accent6" hlink="hlink" folHlink="folHlink"/>
   <p:sldLayoutIdLst>
     <p:sldLayoutId id="2147483648" r:id="rId1"/>
     <p:sldLayoutId id="2147483649" r:id="rId2"/>
@@ -9262,10 +9264,10 @@
     <p:sldLayoutId id="2147483657" r:id="rId10"/>
     <p:sldLayoutId id="2147483658" r:id="rId11"/>
   </p:sldLayoutIdLst>
-  <p:hf dt="0" ftr="0" hdr="0" sldNum="0"/>
+  <p:hf sldNum="0" hdr="0" ftr="0" dt="0"/>
   <p:txStyles>
     <p:titleStyle>
-      <a:defPPr lvl="0" marR="0" rtl="0" algn="l">
+      <a:defPPr marR="0" lvl="0" algn="l" rtl="0">
         <a:lnSpc>
           <a:spcPct val="100000"/>
         </a:lnSpc>
@@ -9276,7 +9278,7 @@
           <a:spcPts val="0"/>
         </a:spcAft>
       </a:defPPr>
-      <a:lvl1pPr lvl="0" marR="0" rtl="0" algn="l">
+      <a:lvl1pPr marR="0" lvl="0" algn="l" rtl="0">
         <a:lnSpc>
           <a:spcPct val="100000"/>
         </a:lnSpc>
@@ -9290,7 +9292,7 @@
           <a:srgbClr val="000000"/>
         </a:buClr>
         <a:buFont typeface="Arial"/>
-        <a:defRPr b="0" i="0" sz="1400" u="none" cap="none" strike="noStrike">
+        <a:defRPr sz="1400" b="0" i="0" u="none" strike="noStrike" cap="none">
           <a:solidFill>
             <a:srgbClr val="000000"/>
           </a:solidFill>
@@ -9300,7 +9302,7 @@
           <a:sym typeface="Arial"/>
         </a:defRPr>
       </a:lvl1pPr>
-      <a:lvl2pPr lvl="1" marR="0" rtl="0" algn="l">
+      <a:lvl2pPr marR="0" lvl="1" algn="l" rtl="0">
         <a:lnSpc>
           <a:spcPct val="100000"/>
         </a:lnSpc>
@@ -9314,7 +9316,7 @@
           <a:srgbClr val="000000"/>
         </a:buClr>
         <a:buFont typeface="Arial"/>
-        <a:defRPr b="0" i="0" sz="1400" u="none" cap="none" strike="noStrike">
+        <a:defRPr sz="1400" b="0" i="0" u="none" strike="noStrike" cap="none">
           <a:solidFill>
             <a:srgbClr val="000000"/>
           </a:solidFill>
@@ -9324,7 +9326,7 @@
           <a:sym typeface="Arial"/>
         </a:defRPr>
       </a:lvl2pPr>
-      <a:lvl3pPr lvl="2" marR="0" rtl="0" algn="l">
+      <a:lvl3pPr marR="0" lvl="2" algn="l" rtl="0">
         <a:lnSpc>
           <a:spcPct val="100000"/>
         </a:lnSpc>
@@ -9338,7 +9340,7 @@
           <a:srgbClr val="000000"/>
         </a:buClr>
         <a:buFont typeface="Arial"/>
-        <a:defRPr b="0" i="0" sz="1400" u="none" cap="none" strike="noStrike">
+        <a:defRPr sz="1400" b="0" i="0" u="none" strike="noStrike" cap="none">
           <a:solidFill>
             <a:srgbClr val="000000"/>
           </a:solidFill>
@@ -9348,7 +9350,7 @@
           <a:sym typeface="Arial"/>
         </a:defRPr>
       </a:lvl3pPr>
-      <a:lvl4pPr lvl="3" marR="0" rtl="0" algn="l">
+      <a:lvl4pPr marR="0" lvl="3" algn="l" rtl="0">
         <a:lnSpc>
           <a:spcPct val="100000"/>
         </a:lnSpc>
@@ -9362,7 +9364,7 @@
           <a:srgbClr val="000000"/>
         </a:buClr>
         <a:buFont typeface="Arial"/>
-        <a:defRPr b="0" i="0" sz="1400" u="none" cap="none" strike="noStrike">
+        <a:defRPr sz="1400" b="0" i="0" u="none" strike="noStrike" cap="none">
           <a:solidFill>
             <a:srgbClr val="000000"/>
           </a:solidFill>
@@ -9372,7 +9374,7 @@
           <a:sym typeface="Arial"/>
         </a:defRPr>
       </a:lvl4pPr>
-      <a:lvl5pPr lvl="4" marR="0" rtl="0" algn="l">
+      <a:lvl5pPr marR="0" lvl="4" algn="l" rtl="0">
         <a:lnSpc>
           <a:spcPct val="100000"/>
         </a:lnSpc>
@@ -9386,7 +9388,7 @@
           <a:srgbClr val="000000"/>
         </a:buClr>
         <a:buFont typeface="Arial"/>
-        <a:defRPr b="0" i="0" sz="1400" u="none" cap="none" strike="noStrike">
+        <a:defRPr sz="1400" b="0" i="0" u="none" strike="noStrike" cap="none">
           <a:solidFill>
             <a:srgbClr val="000000"/>
           </a:solidFill>
@@ -9396,7 +9398,7 @@
           <a:sym typeface="Arial"/>
         </a:defRPr>
       </a:lvl5pPr>
-      <a:lvl6pPr lvl="5" marR="0" rtl="0" algn="l">
+      <a:lvl6pPr marR="0" lvl="5" algn="l" rtl="0">
         <a:lnSpc>
           <a:spcPct val="100000"/>
         </a:lnSpc>
@@ -9410,7 +9412,7 @@
           <a:srgbClr val="000000"/>
         </a:buClr>
         <a:buFont typeface="Arial"/>
-        <a:defRPr b="0" i="0" sz="1400" u="none" cap="none" strike="noStrike">
+        <a:defRPr sz="1400" b="0" i="0" u="none" strike="noStrike" cap="none">
           <a:solidFill>
             <a:srgbClr val="000000"/>
           </a:solidFill>
@@ -9420,7 +9422,7 @@
           <a:sym typeface="Arial"/>
         </a:defRPr>
       </a:lvl6pPr>
-      <a:lvl7pPr lvl="6" marR="0" rtl="0" algn="l">
+      <a:lvl7pPr marR="0" lvl="6" algn="l" rtl="0">
         <a:lnSpc>
           <a:spcPct val="100000"/>
         </a:lnSpc>
@@ -9434,7 +9436,7 @@
           <a:srgbClr val="000000"/>
         </a:buClr>
         <a:buFont typeface="Arial"/>
-        <a:defRPr b="0" i="0" sz="1400" u="none" cap="none" strike="noStrike">
+        <a:defRPr sz="1400" b="0" i="0" u="none" strike="noStrike" cap="none">
           <a:solidFill>
             <a:srgbClr val="000000"/>
           </a:solidFill>
@@ -9444,7 +9446,7 @@
           <a:sym typeface="Arial"/>
         </a:defRPr>
       </a:lvl7pPr>
-      <a:lvl8pPr lvl="7" marR="0" rtl="0" algn="l">
+      <a:lvl8pPr marR="0" lvl="7" algn="l" rtl="0">
         <a:lnSpc>
           <a:spcPct val="100000"/>
         </a:lnSpc>
@@ -9458,7 +9460,7 @@
           <a:srgbClr val="000000"/>
         </a:buClr>
         <a:buFont typeface="Arial"/>
-        <a:defRPr b="0" i="0" sz="1400" u="none" cap="none" strike="noStrike">
+        <a:defRPr sz="1400" b="0" i="0" u="none" strike="noStrike" cap="none">
           <a:solidFill>
             <a:srgbClr val="000000"/>
           </a:solidFill>
@@ -9468,7 +9470,7 @@
           <a:sym typeface="Arial"/>
         </a:defRPr>
       </a:lvl8pPr>
-      <a:lvl9pPr lvl="8" marR="0" rtl="0" algn="l">
+      <a:lvl9pPr marR="0" lvl="8" algn="l" rtl="0">
         <a:lnSpc>
           <a:spcPct val="100000"/>
         </a:lnSpc>
@@ -9482,7 +9484,7 @@
           <a:srgbClr val="000000"/>
         </a:buClr>
         <a:buFont typeface="Arial"/>
-        <a:defRPr b="0" i="0" sz="1400" u="none" cap="none" strike="noStrike">
+        <a:defRPr sz="1400" b="0" i="0" u="none" strike="noStrike" cap="none">
           <a:solidFill>
             <a:srgbClr val="000000"/>
           </a:solidFill>
@@ -9494,7 +9496,7 @@
       </a:lvl9pPr>
     </p:titleStyle>
     <p:bodyStyle>
-      <a:defPPr lvl="0" marR="0" rtl="0" algn="l">
+      <a:defPPr marR="0" lvl="0" algn="l" rtl="0">
         <a:lnSpc>
           <a:spcPct val="100000"/>
         </a:lnSpc>
@@ -9505,7 +9507,7 @@
           <a:spcPts val="0"/>
         </a:spcAft>
       </a:defPPr>
-      <a:lvl1pPr lvl="0" marR="0" rtl="0" algn="l">
+      <a:lvl1pPr marR="0" lvl="0" algn="l" rtl="0">
         <a:lnSpc>
           <a:spcPct val="100000"/>
         </a:lnSpc>
@@ -9519,7 +9521,7 @@
           <a:srgbClr val="000000"/>
         </a:buClr>
         <a:buFont typeface="Arial"/>
-        <a:defRPr b="0" i="0" sz="1400" u="none" cap="none" strike="noStrike">
+        <a:defRPr sz="1400" b="0" i="0" u="none" strike="noStrike" cap="none">
           <a:solidFill>
             <a:srgbClr val="000000"/>
           </a:solidFill>
@@ -9529,7 +9531,7 @@
           <a:sym typeface="Arial"/>
         </a:defRPr>
       </a:lvl1pPr>
-      <a:lvl2pPr lvl="1" marR="0" rtl="0" algn="l">
+      <a:lvl2pPr marR="0" lvl="1" algn="l" rtl="0">
         <a:lnSpc>
           <a:spcPct val="100000"/>
         </a:lnSpc>
@@ -9543,7 +9545,7 @@
           <a:srgbClr val="000000"/>
         </a:buClr>
         <a:buFont typeface="Arial"/>
-        <a:defRPr b="0" i="0" sz="1400" u="none" cap="none" strike="noStrike">
+        <a:defRPr sz="1400" b="0" i="0" u="none" strike="noStrike" cap="none">
           <a:solidFill>
             <a:srgbClr val="000000"/>
           </a:solidFill>
@@ -9553,7 +9555,7 @@
           <a:sym typeface="Arial"/>
         </a:defRPr>
       </a:lvl2pPr>
-      <a:lvl3pPr lvl="2" marR="0" rtl="0" algn="l">
+      <a:lvl3pPr marR="0" lvl="2" algn="l" rtl="0">
         <a:lnSpc>
           <a:spcPct val="100000"/>
         </a:lnSpc>
@@ -9567,7 +9569,7 @@
           <a:srgbClr val="000000"/>
         </a:buClr>
         <a:buFont typeface="Arial"/>
-        <a:defRPr b="0" i="0" sz="1400" u="none" cap="none" strike="noStrike">
+        <a:defRPr sz="1400" b="0" i="0" u="none" strike="noStrike" cap="none">
           <a:solidFill>
             <a:srgbClr val="000000"/>
           </a:solidFill>
@@ -9577,7 +9579,7 @@
           <a:sym typeface="Arial"/>
         </a:defRPr>
       </a:lvl3pPr>
-      <a:lvl4pPr lvl="3" marR="0" rtl="0" algn="l">
+      <a:lvl4pPr marR="0" lvl="3" algn="l" rtl="0">
         <a:lnSpc>
           <a:spcPct val="100000"/>
         </a:lnSpc>
@@ -9591,7 +9593,7 @@
           <a:srgbClr val="000000"/>
         </a:buClr>
         <a:buFont typeface="Arial"/>
-        <a:defRPr b="0" i="0" sz="1400" u="none" cap="none" strike="noStrike">
+        <a:defRPr sz="1400" b="0" i="0" u="none" strike="noStrike" cap="none">
           <a:solidFill>
             <a:srgbClr val="000000"/>
           </a:solidFill>
@@ -9601,7 +9603,7 @@
           <a:sym typeface="Arial"/>
         </a:defRPr>
       </a:lvl4pPr>
-      <a:lvl5pPr lvl="4" marR="0" rtl="0" algn="l">
+      <a:lvl5pPr marR="0" lvl="4" algn="l" rtl="0">
         <a:lnSpc>
           <a:spcPct val="100000"/>
         </a:lnSpc>
@@ -9615,7 +9617,7 @@
           <a:srgbClr val="000000"/>
         </a:buClr>
         <a:buFont typeface="Arial"/>
-        <a:defRPr b="0" i="0" sz="1400" u="none" cap="none" strike="noStrike">
+        <a:defRPr sz="1400" b="0" i="0" u="none" strike="noStrike" cap="none">
           <a:solidFill>
             <a:srgbClr val="000000"/>
           </a:solidFill>
@@ -9625,7 +9627,7 @@
           <a:sym typeface="Arial"/>
         </a:defRPr>
       </a:lvl5pPr>
-      <a:lvl6pPr lvl="5" marR="0" rtl="0" algn="l">
+      <a:lvl6pPr marR="0" lvl="5" algn="l" rtl="0">
         <a:lnSpc>
           <a:spcPct val="100000"/>
         </a:lnSpc>
@@ -9639,7 +9641,7 @@
           <a:srgbClr val="000000"/>
         </a:buClr>
         <a:buFont typeface="Arial"/>
-        <a:defRPr b="0" i="0" sz="1400" u="none" cap="none" strike="noStrike">
+        <a:defRPr sz="1400" b="0" i="0" u="none" strike="noStrike" cap="none">
           <a:solidFill>
             <a:srgbClr val="000000"/>
           </a:solidFill>
@@ -9649,7 +9651,7 @@
           <a:sym typeface="Arial"/>
         </a:defRPr>
       </a:lvl6pPr>
-      <a:lvl7pPr lvl="6" marR="0" rtl="0" algn="l">
+      <a:lvl7pPr marR="0" lvl="6" algn="l" rtl="0">
         <a:lnSpc>
           <a:spcPct val="100000"/>
         </a:lnSpc>
@@ -9663,7 +9665,7 @@
           <a:srgbClr val="000000"/>
         </a:buClr>
         <a:buFont typeface="Arial"/>
-        <a:defRPr b="0" i="0" sz="1400" u="none" cap="none" strike="noStrike">
+        <a:defRPr sz="1400" b="0" i="0" u="none" strike="noStrike" cap="none">
           <a:solidFill>
             <a:srgbClr val="000000"/>
           </a:solidFill>
@@ -9673,7 +9675,7 @@
           <a:sym typeface="Arial"/>
         </a:defRPr>
       </a:lvl7pPr>
-      <a:lvl8pPr lvl="7" marR="0" rtl="0" algn="l">
+      <a:lvl8pPr marR="0" lvl="7" algn="l" rtl="0">
         <a:lnSpc>
           <a:spcPct val="100000"/>
         </a:lnSpc>
@@ -9687,7 +9689,7 @@
           <a:srgbClr val="000000"/>
         </a:buClr>
         <a:buFont typeface="Arial"/>
-        <a:defRPr b="0" i="0" sz="1400" u="none" cap="none" strike="noStrike">
+        <a:defRPr sz="1400" b="0" i="0" u="none" strike="noStrike" cap="none">
           <a:solidFill>
             <a:srgbClr val="000000"/>
           </a:solidFill>
@@ -9697,7 +9699,7 @@
           <a:sym typeface="Arial"/>
         </a:defRPr>
       </a:lvl8pPr>
-      <a:lvl9pPr lvl="8" marR="0" rtl="0" algn="l">
+      <a:lvl9pPr marR="0" lvl="8" algn="l" rtl="0">
         <a:lnSpc>
           <a:spcPct val="100000"/>
         </a:lnSpc>
@@ -9711,7 +9713,7 @@
           <a:srgbClr val="000000"/>
         </a:buClr>
         <a:buFont typeface="Arial"/>
-        <a:defRPr b="0" i="0" sz="1400" u="none" cap="none" strike="noStrike">
+        <a:defRPr sz="1400" b="0" i="0" u="none" strike="noStrike" cap="none">
           <a:solidFill>
             <a:srgbClr val="000000"/>
           </a:solidFill>
@@ -9723,7 +9725,7 @@
       </a:lvl9pPr>
     </p:bodyStyle>
     <p:otherStyle>
-      <a:defPPr lvl="0" marR="0" rtl="0" algn="l">
+      <a:defPPr marR="0" lvl="0" algn="l" rtl="0">
         <a:lnSpc>
           <a:spcPct val="100000"/>
         </a:lnSpc>
@@ -9734,7 +9736,7 @@
           <a:spcPts val="0"/>
         </a:spcAft>
       </a:defPPr>
-      <a:lvl1pPr lvl="0" marR="0" rtl="0" algn="l">
+      <a:lvl1pPr marR="0" lvl="0" algn="l" rtl="0">
         <a:lnSpc>
           <a:spcPct val="100000"/>
         </a:lnSpc>
@@ -9748,7 +9750,7 @@
           <a:srgbClr val="000000"/>
         </a:buClr>
         <a:buFont typeface="Arial"/>
-        <a:defRPr b="0" i="0" sz="1400" u="none" cap="none" strike="noStrike">
+        <a:defRPr sz="1400" b="0" i="0" u="none" strike="noStrike" cap="none">
           <a:solidFill>
             <a:srgbClr val="000000"/>
           </a:solidFill>
@@ -9758,7 +9760,7 @@
           <a:sym typeface="Arial"/>
         </a:defRPr>
       </a:lvl1pPr>
-      <a:lvl2pPr lvl="1" marR="0" rtl="0" algn="l">
+      <a:lvl2pPr marR="0" lvl="1" algn="l" rtl="0">
         <a:lnSpc>
           <a:spcPct val="100000"/>
         </a:lnSpc>
@@ -9772,7 +9774,7 @@
           <a:srgbClr val="000000"/>
         </a:buClr>
         <a:buFont typeface="Arial"/>
-        <a:defRPr b="0" i="0" sz="1400" u="none" cap="none" strike="noStrike">
+        <a:defRPr sz="1400" b="0" i="0" u="none" strike="noStrike" cap="none">
           <a:solidFill>
             <a:srgbClr val="000000"/>
           </a:solidFill>
@@ -9782,7 +9784,7 @@
           <a:sym typeface="Arial"/>
         </a:defRPr>
       </a:lvl2pPr>
-      <a:lvl3pPr lvl="2" marR="0" rtl="0" algn="l">
+      <a:lvl3pPr marR="0" lvl="2" algn="l" rtl="0">
         <a:lnSpc>
           <a:spcPct val="100000"/>
         </a:lnSpc>
@@ -9796,7 +9798,7 @@
           <a:srgbClr val="000000"/>
         </a:buClr>
         <a:buFont typeface="Arial"/>
-        <a:defRPr b="0" i="0" sz="1400" u="none" cap="none" strike="noStrike">
+        <a:defRPr sz="1400" b="0" i="0" u="none" strike="noStrike" cap="none">
           <a:solidFill>
             <a:srgbClr val="000000"/>
           </a:solidFill>
@@ -9806,7 +9808,7 @@
           <a:sym typeface="Arial"/>
         </a:defRPr>
       </a:lvl3pPr>
-      <a:lvl4pPr lvl="3" marR="0" rtl="0" algn="l">
+      <a:lvl4pPr marR="0" lvl="3" algn="l" rtl="0">
         <a:lnSpc>
           <a:spcPct val="100000"/>
         </a:lnSpc>
@@ -9820,7 +9822,7 @@
           <a:srgbClr val="000000"/>
         </a:buClr>
         <a:buFont typeface="Arial"/>
-        <a:defRPr b="0" i="0" sz="1400" u="none" cap="none" strike="noStrike">
+        <a:defRPr sz="1400" b="0" i="0" u="none" strike="noStrike" cap="none">
           <a:solidFill>
             <a:srgbClr val="000000"/>
           </a:solidFill>
@@ -9830,7 +9832,7 @@
           <a:sym typeface="Arial"/>
         </a:defRPr>
       </a:lvl4pPr>
-      <a:lvl5pPr lvl="4" marR="0" rtl="0" algn="l">
+      <a:lvl5pPr marR="0" lvl="4" algn="l" rtl="0">
         <a:lnSpc>
           <a:spcPct val="100000"/>
         </a:lnSpc>
@@ -9844,7 +9846,7 @@
           <a:srgbClr val="000000"/>
         </a:buClr>
         <a:buFont typeface="Arial"/>
-        <a:defRPr b="0" i="0" sz="1400" u="none" cap="none" strike="noStrike">
+        <a:defRPr sz="1400" b="0" i="0" u="none" strike="noStrike" cap="none">
           <a:solidFill>
             <a:srgbClr val="000000"/>
           </a:solidFill>
@@ -9854,7 +9856,7 @@
           <a:sym typeface="Arial"/>
         </a:defRPr>
       </a:lvl5pPr>
-      <a:lvl6pPr lvl="5" marR="0" rtl="0" algn="l">
+      <a:lvl6pPr marR="0" lvl="5" algn="l" rtl="0">
         <a:lnSpc>
           <a:spcPct val="100000"/>
         </a:lnSpc>
@@ -9868,7 +9870,7 @@
           <a:srgbClr val="000000"/>
         </a:buClr>
         <a:buFont typeface="Arial"/>
-        <a:defRPr b="0" i="0" sz="1400" u="none" cap="none" strike="noStrike">
+        <a:defRPr sz="1400" b="0" i="0" u="none" strike="noStrike" cap="none">
           <a:solidFill>
             <a:srgbClr val="000000"/>
           </a:solidFill>
@@ -9878,7 +9880,7 @@
           <a:sym typeface="Arial"/>
         </a:defRPr>
       </a:lvl6pPr>
-      <a:lvl7pPr lvl="6" marR="0" rtl="0" algn="l">
+      <a:lvl7pPr marR="0" lvl="6" algn="l" rtl="0">
         <a:lnSpc>
           <a:spcPct val="100000"/>
         </a:lnSpc>
@@ -9892,7 +9894,7 @@
           <a:srgbClr val="000000"/>
         </a:buClr>
         <a:buFont typeface="Arial"/>
-        <a:defRPr b="0" i="0" sz="1400" u="none" cap="none" strike="noStrike">
+        <a:defRPr sz="1400" b="0" i="0" u="none" strike="noStrike" cap="none">
           <a:solidFill>
             <a:srgbClr val="000000"/>
           </a:solidFill>
@@ -9902,7 +9904,7 @@
           <a:sym typeface="Arial"/>
         </a:defRPr>
       </a:lvl7pPr>
-      <a:lvl8pPr lvl="7" marR="0" rtl="0" algn="l">
+      <a:lvl8pPr marR="0" lvl="7" algn="l" rtl="0">
         <a:lnSpc>
           <a:spcPct val="100000"/>
         </a:lnSpc>
@@ -9916,7 +9918,7 @@
           <a:srgbClr val="000000"/>
         </a:buClr>
         <a:buFont typeface="Arial"/>
-        <a:defRPr b="0" i="0" sz="1400" u="none" cap="none" strike="noStrike">
+        <a:defRPr sz="1400" b="0" i="0" u="none" strike="noStrike" cap="none">
           <a:solidFill>
             <a:srgbClr val="000000"/>
           </a:solidFill>
@@ -9926,7 +9928,7 @@
           <a:sym typeface="Arial"/>
         </a:defRPr>
       </a:lvl8pPr>
-      <a:lvl9pPr lvl="8" marR="0" rtl="0" algn="l">
+      <a:lvl9pPr marR="0" lvl="8" algn="l" rtl="0">
         <a:lnSpc>
           <a:spcPct val="100000"/>
         </a:lnSpc>
@@ -9940,7 +9942,7 @@
           <a:srgbClr val="000000"/>
         </a:buClr>
         <a:buFont typeface="Arial"/>
-        <a:defRPr b="0" i="0" sz="1400" u="none" cap="none" strike="noStrike">
+        <a:defRPr sz="1400" b="0" i="0" u="none" strike="noStrike" cap="none">
           <a:solidFill>
             <a:srgbClr val="000000"/>
           </a:solidFill>
@@ -9956,11 +9958,11 @@
 </file>
 
 <file path=ppt/slides/slide1.xml><?xml version="1.0" encoding="utf-8"?>
-<p:sld xmlns:a="http://schemas.openxmlformats.org/drawingml/2006/main" xmlns:r="http://schemas.openxmlformats.org/officeDocument/2006/relationships" xmlns:mc="http://schemas.openxmlformats.org/markup-compatibility/2006" xmlns:mv="urn:schemas-microsoft-com:mac:vml" xmlns:p="http://schemas.openxmlformats.org/presentationml/2006/main" xmlns:c="http://schemas.openxmlformats.org/drawingml/2006/chart" xmlns:dgm="http://schemas.openxmlformats.org/drawingml/2006/diagram" xmlns:o="urn:schemas-microsoft-com:office:office" xmlns:v="urn:schemas-microsoft-com:vml" xmlns:pvml="urn:schemas-microsoft-com:office:powerpoint" xmlns:com="http://schemas.openxmlformats.org/drawingml/2006/compatibility" xmlns:p14="http://schemas.microsoft.com/office/powerpoint/2010/main" xmlns:p15="http://schemas.microsoft.com/office/powerpoint/2012/main" xmlns:ahyp="http://schemas.microsoft.com/office/drawing/2018/hyperlinkcolor">
+<p:sld xmlns:a="http://schemas.openxmlformats.org/drawingml/2006/main" xmlns:r="http://schemas.openxmlformats.org/officeDocument/2006/relationships" xmlns:p="http://schemas.openxmlformats.org/presentationml/2006/main">
   <p:cSld>
     <p:spTree>
       <p:nvGrpSpPr>
-        <p:cNvPr id="127" name="Shape 127"/>
+        <p:cNvPr id="1" name="Shape 127"/>
         <p:cNvGrpSpPr/>
         <p:nvPr/>
       </p:nvGrpSpPr>
@@ -9975,7 +9977,9 @@
       <p:sp>
         <p:nvSpPr>
           <p:cNvPr id="128" name="Google Shape;128;p13"/>
-          <p:cNvSpPr txBox="1"/>
+          <p:cNvSpPr txBox="1">
+            <a:spLocks noGrp="1"/>
+          </p:cNvSpPr>
           <p:nvPr>
             <p:ph type="ctrTitle"/>
           </p:nvPr>
@@ -9991,12 +9995,12 @@
           <a:noFill/>
         </p:spPr>
         <p:txBody>
-          <a:bodyPr anchorCtr="0" anchor="ctr" bIns="91425" lIns="91425" spcFirstLastPara="1" rIns="91425" wrap="square" tIns="91425">
+          <a:bodyPr spcFirstLastPara="1" wrap="square" lIns="91425" tIns="91425" rIns="91425" bIns="91425" anchor="ctr" anchorCtr="0">
             <a:noAutofit/>
           </a:bodyPr>
           <a:lstStyle/>
           <a:p>
-            <a:pPr indent="0" lvl="0" marL="0" rtl="0" algn="ctr">
+            <a:pPr marL="0" lvl="0" indent="0" algn="ctr" rtl="0">
               <a:lnSpc>
                 <a:spcPct val="115000"/>
               </a:lnSpc>
@@ -10041,9 +10045,11 @@
       <p:sp>
         <p:nvSpPr>
           <p:cNvPr id="129" name="Google Shape;129;p13"/>
-          <p:cNvSpPr txBox="1"/>
+          <p:cNvSpPr txBox="1">
+            <a:spLocks noGrp="1"/>
+          </p:cNvSpPr>
           <p:nvPr>
-            <p:ph idx="1" type="subTitle"/>
+            <p:ph type="subTitle" idx="1"/>
           </p:nvPr>
         </p:nvSpPr>
         <p:spPr>
@@ -10056,12 +10062,12 @@
           </a:prstGeom>
         </p:spPr>
         <p:txBody>
-          <a:bodyPr anchorCtr="0" anchor="t" bIns="91425" lIns="91425" spcFirstLastPara="1" rIns="91425" wrap="square" tIns="91425">
+          <a:bodyPr spcFirstLastPara="1" wrap="square" lIns="91425" tIns="91425" rIns="91425" bIns="91425" anchor="t" anchorCtr="0">
             <a:noAutofit/>
           </a:bodyPr>
           <a:lstStyle/>
           <a:p>
-            <a:pPr indent="0" lvl="0" marL="0" rtl="0" algn="ctr">
+            <a:pPr marL="0" lvl="0" indent="0" algn="ctr" rtl="0">
               <a:spcBef>
                 <a:spcPts val="0"/>
               </a:spcBef>
@@ -10090,7 +10096,7 @@
             </a:endParaRPr>
           </a:p>
           <a:p>
-            <a:pPr indent="0" lvl="0" marL="0" rtl="0" algn="ctr">
+            <a:pPr marL="0" lvl="0" indent="0" algn="ctr" rtl="0">
               <a:spcBef>
                 <a:spcPts val="0"/>
               </a:spcBef>
@@ -10119,7 +10125,7 @@
             </a:endParaRPr>
           </a:p>
           <a:p>
-            <a:pPr indent="0" lvl="0" marL="0" rtl="0" algn="ctr">
+            <a:pPr marL="0" lvl="0" indent="0" algn="ctr" rtl="0">
               <a:spcBef>
                 <a:spcPts val="0"/>
               </a:spcBef>
@@ -10128,9 +10134,6 @@
               </a:spcAft>
               <a:buNone/>
             </a:pPr>
-            <a:r>
-              <a:t/>
-            </a:r>
             <a:endParaRPr>
               <a:highlight>
                 <a:srgbClr val="000000"/>
@@ -10148,11 +10151,11 @@
 </file>
 
 <file path=ppt/slides/slide2.xml><?xml version="1.0" encoding="utf-8"?>
-<p:sld xmlns:a="http://schemas.openxmlformats.org/drawingml/2006/main" xmlns:r="http://schemas.openxmlformats.org/officeDocument/2006/relationships" xmlns:mc="http://schemas.openxmlformats.org/markup-compatibility/2006" xmlns:mv="urn:schemas-microsoft-com:mac:vml" xmlns:p="http://schemas.openxmlformats.org/presentationml/2006/main" xmlns:c="http://schemas.openxmlformats.org/drawingml/2006/chart" xmlns:dgm="http://schemas.openxmlformats.org/drawingml/2006/diagram" xmlns:o="urn:schemas-microsoft-com:office:office" xmlns:v="urn:schemas-microsoft-com:vml" xmlns:pvml="urn:schemas-microsoft-com:office:powerpoint" xmlns:com="http://schemas.openxmlformats.org/drawingml/2006/compatibility" xmlns:p14="http://schemas.microsoft.com/office/powerpoint/2010/main" xmlns:p15="http://schemas.microsoft.com/office/powerpoint/2012/main" xmlns:ahyp="http://schemas.microsoft.com/office/drawing/2018/hyperlinkcolor">
+<p:sld xmlns:a="http://schemas.openxmlformats.org/drawingml/2006/main" xmlns:r="http://schemas.openxmlformats.org/officeDocument/2006/relationships" xmlns:p="http://schemas.openxmlformats.org/presentationml/2006/main">
   <p:cSld>
     <p:spTree>
       <p:nvGrpSpPr>
-        <p:cNvPr id="133" name="Shape 133"/>
+        <p:cNvPr id="1" name="Shape 133"/>
         <p:cNvGrpSpPr/>
         <p:nvPr/>
       </p:nvGrpSpPr>
@@ -10167,7 +10170,9 @@
       <p:sp>
         <p:nvSpPr>
           <p:cNvPr id="134" name="Google Shape;134;p14"/>
-          <p:cNvSpPr txBox="1"/>
+          <p:cNvSpPr txBox="1">
+            <a:spLocks noGrp="1"/>
+          </p:cNvSpPr>
           <p:nvPr>
             <p:ph type="ctrTitle"/>
           </p:nvPr>
@@ -10182,12 +10187,12 @@
           </a:prstGeom>
         </p:spPr>
         <p:txBody>
-          <a:bodyPr anchorCtr="0" anchor="ctr" bIns="91425" lIns="91425" spcFirstLastPara="1" rIns="91425" wrap="square" tIns="91425">
+          <a:bodyPr spcFirstLastPara="1" wrap="square" lIns="91425" tIns="91425" rIns="91425" bIns="91425" anchor="ctr" anchorCtr="0">
             <a:noAutofit/>
           </a:bodyPr>
           <a:lstStyle/>
           <a:p>
-            <a:pPr indent="0" lvl="0" marL="0" rtl="0" algn="ctr">
+            <a:pPr marL="0" lvl="0" indent="0" algn="ctr" rtl="0">
               <a:spcBef>
                 <a:spcPts val="0"/>
               </a:spcBef>
@@ -10223,9 +10228,11 @@
       <p:sp>
         <p:nvSpPr>
           <p:cNvPr id="135" name="Google Shape;135;p14"/>
-          <p:cNvSpPr txBox="1"/>
+          <p:cNvSpPr txBox="1">
+            <a:spLocks noGrp="1"/>
+          </p:cNvSpPr>
           <p:nvPr>
-            <p:ph idx="1" type="subTitle"/>
+            <p:ph type="subTitle" idx="1"/>
           </p:nvPr>
         </p:nvSpPr>
         <p:spPr>
@@ -10238,12 +10245,12 @@
           </a:prstGeom>
         </p:spPr>
         <p:txBody>
-          <a:bodyPr anchorCtr="0" anchor="t" bIns="91425" lIns="91425" spcFirstLastPara="1" rIns="91425" wrap="square" tIns="91425">
+          <a:bodyPr spcFirstLastPara="1" wrap="square" lIns="91425" tIns="91425" rIns="91425" bIns="91425" anchor="t" anchorCtr="0">
             <a:noAutofit/>
           </a:bodyPr>
           <a:lstStyle/>
           <a:p>
-            <a:pPr indent="0" lvl="0" marL="457200" rtl="0" algn="ctr">
+            <a:pPr marL="457200" lvl="0" indent="0" algn="ctr" rtl="0">
               <a:spcBef>
                 <a:spcPts val="0"/>
               </a:spcBef>
@@ -10275,7 +10282,7 @@
             </a:endParaRPr>
           </a:p>
           <a:p>
-            <a:pPr indent="0" lvl="0" marL="457200" rtl="0" algn="ctr">
+            <a:pPr marL="457200" lvl="0" indent="0" algn="ctr" rtl="0">
               <a:spcBef>
                 <a:spcPts val="0"/>
               </a:spcBef>
@@ -10307,7 +10314,7 @@
             </a:endParaRPr>
           </a:p>
           <a:p>
-            <a:pPr indent="0" lvl="0" marL="457200" rtl="0" algn="ctr">
+            <a:pPr marL="457200" lvl="0" indent="0" algn="ctr" rtl="0">
               <a:spcBef>
                 <a:spcPts val="0"/>
               </a:spcBef>
@@ -10339,7 +10346,7 @@
             </a:endParaRPr>
           </a:p>
           <a:p>
-            <a:pPr indent="0" lvl="0" marL="457200" rtl="0" algn="ctr">
+            <a:pPr marL="457200" lvl="0" indent="0" algn="ctr" rtl="0">
               <a:spcBef>
                 <a:spcPts val="0"/>
               </a:spcBef>
@@ -10371,7 +10378,7 @@
             </a:endParaRPr>
           </a:p>
           <a:p>
-            <a:pPr indent="0" lvl="0" marL="457200" rtl="0" algn="ctr">
+            <a:pPr marL="457200" lvl="0" indent="0" algn="ctr" rtl="0">
               <a:spcBef>
                 <a:spcPts val="0"/>
               </a:spcBef>
@@ -10380,9 +10387,6 @@
               </a:spcAft>
               <a:buNone/>
             </a:pPr>
-            <a:r>
-              <a:t/>
-            </a:r>
             <a:endParaRPr sz="1800">
               <a:solidFill>
                 <a:srgbClr val="000000"/>
@@ -10394,7 +10398,7 @@
             </a:endParaRPr>
           </a:p>
           <a:p>
-            <a:pPr indent="0" lvl="0" marL="0" rtl="0" algn="ctr">
+            <a:pPr marL="0" lvl="0" indent="0" algn="ctr" rtl="0">
               <a:spcBef>
                 <a:spcPts val="0"/>
               </a:spcBef>
@@ -10403,9 +10407,6 @@
               </a:spcAft>
               <a:buNone/>
             </a:pPr>
-            <a:r>
-              <a:t/>
-            </a:r>
             <a:endParaRPr/>
           </a:p>
         </p:txBody>
@@ -10419,11 +10420,11 @@
 </file>
 
 <file path=ppt/slides/slide3.xml><?xml version="1.0" encoding="utf-8"?>
-<p:sld xmlns:a="http://schemas.openxmlformats.org/drawingml/2006/main" xmlns:r="http://schemas.openxmlformats.org/officeDocument/2006/relationships" xmlns:mc="http://schemas.openxmlformats.org/markup-compatibility/2006" xmlns:mv="urn:schemas-microsoft-com:mac:vml" xmlns:p="http://schemas.openxmlformats.org/presentationml/2006/main" xmlns:c="http://schemas.openxmlformats.org/drawingml/2006/chart" xmlns:dgm="http://schemas.openxmlformats.org/drawingml/2006/diagram" xmlns:o="urn:schemas-microsoft-com:office:office" xmlns:v="urn:schemas-microsoft-com:vml" xmlns:pvml="urn:schemas-microsoft-com:office:powerpoint" xmlns:com="http://schemas.openxmlformats.org/drawingml/2006/compatibility" xmlns:p14="http://schemas.microsoft.com/office/powerpoint/2010/main" xmlns:p15="http://schemas.microsoft.com/office/powerpoint/2012/main" xmlns:ahyp="http://schemas.microsoft.com/office/drawing/2018/hyperlinkcolor">
+<p:sld xmlns:a="http://schemas.openxmlformats.org/drawingml/2006/main" xmlns:r="http://schemas.openxmlformats.org/officeDocument/2006/relationships" xmlns:p="http://schemas.openxmlformats.org/presentationml/2006/main">
   <p:cSld>
     <p:spTree>
       <p:nvGrpSpPr>
-        <p:cNvPr id="139" name="Shape 139"/>
+        <p:cNvPr id="1" name="Shape 139"/>
         <p:cNvGrpSpPr/>
         <p:nvPr/>
       </p:nvGrpSpPr>
@@ -10438,9 +10439,11 @@
       <p:sp>
         <p:nvSpPr>
           <p:cNvPr id="140" name="Google Shape;140;p15"/>
-          <p:cNvSpPr txBox="1"/>
+          <p:cNvSpPr txBox="1">
+            <a:spLocks noGrp="1"/>
+          </p:cNvSpPr>
           <p:nvPr>
-            <p:ph idx="1" type="subTitle"/>
+            <p:ph type="subTitle" idx="1"/>
           </p:nvPr>
         </p:nvSpPr>
         <p:spPr>
@@ -10453,12 +10456,12 @@
           </a:prstGeom>
         </p:spPr>
         <p:txBody>
-          <a:bodyPr anchorCtr="0" anchor="t" bIns="91425" lIns="91425" spcFirstLastPara="1" rIns="91425" wrap="square" tIns="91425">
+          <a:bodyPr spcFirstLastPara="1" wrap="square" lIns="91425" tIns="91425" rIns="91425" bIns="91425" anchor="t" anchorCtr="0">
             <a:noAutofit/>
           </a:bodyPr>
           <a:lstStyle/>
           <a:p>
-            <a:pPr indent="-342900" lvl="0" marL="457200" rtl="0" algn="l">
+            <a:pPr marL="457200" lvl="0" indent="-342900" algn="l" rtl="0">
               <a:spcBef>
                 <a:spcPts val="0"/>
               </a:spcBef>
@@ -10482,19 +10485,7 @@
                 <a:cs typeface="Bree Serif"/>
                 <a:sym typeface="Bree Serif"/>
               </a:rPr>
-              <a:t>Age between</a:t>
-            </a:r>
-            <a:r>
-              <a:rPr lang="en-GB" sz="1800">
-                <a:solidFill>
-                  <a:srgbClr val="000000"/>
-                </a:solidFill>
-                <a:latin typeface="Bree Serif"/>
-                <a:ea typeface="Bree Serif"/>
-                <a:cs typeface="Bree Serif"/>
-                <a:sym typeface="Bree Serif"/>
-              </a:rPr>
-              <a:t> 16 and 24</a:t>
+              <a:t>Age between 16 and 24</a:t>
             </a:r>
             <a:endParaRPr sz="1800">
               <a:solidFill>
@@ -10507,7 +10498,7 @@
             </a:endParaRPr>
           </a:p>
           <a:p>
-            <a:pPr indent="-342900" lvl="0" marL="457200" rtl="0" algn="l">
+            <a:pPr marL="457200" lvl="0" indent="-342900" algn="l" rtl="0">
               <a:spcBef>
                 <a:spcPts val="0"/>
               </a:spcBef>
@@ -10544,7 +10535,7 @@
             </a:endParaRPr>
           </a:p>
           <a:p>
-            <a:pPr indent="-342900" lvl="0" marL="457200" rtl="0" algn="l">
+            <a:pPr marL="457200" lvl="0" indent="-342900" algn="l" rtl="0">
               <a:spcBef>
                 <a:spcPts val="0"/>
               </a:spcBef>
@@ -10602,12 +10593,12 @@
           </a:ln>
         </p:spPr>
         <p:txBody>
-          <a:bodyPr anchorCtr="0" anchor="t" bIns="91425" lIns="91425" spcFirstLastPara="1" rIns="91425" wrap="square" tIns="91425">
+          <a:bodyPr spcFirstLastPara="1" wrap="square" lIns="91425" tIns="91425" rIns="91425" bIns="91425" anchor="t" anchorCtr="0">
             <a:noAutofit/>
           </a:bodyPr>
           <a:lstStyle/>
           <a:p>
-            <a:pPr indent="0" lvl="0" marL="0" rtl="0" algn="l">
+            <a:pPr marL="0" lvl="0" indent="0" algn="l" rtl="0">
               <a:spcBef>
                 <a:spcPts val="0"/>
               </a:spcBef>
@@ -10633,7 +10624,7 @@
             </a:endParaRPr>
           </a:p>
           <a:p>
-            <a:pPr indent="0" lvl="0" marL="0" rtl="0" algn="l">
+            <a:pPr marL="0" lvl="0" indent="0" algn="l" rtl="0">
               <a:spcBef>
                 <a:spcPts val="0"/>
               </a:spcBef>
@@ -10659,7 +10650,7 @@
             </a:endParaRPr>
           </a:p>
           <a:p>
-            <a:pPr indent="0" lvl="0" marL="0" rtl="0" algn="l">
+            <a:pPr marL="0" lvl="0" indent="0" algn="l" rtl="0">
               <a:spcBef>
                 <a:spcPts val="0"/>
               </a:spcBef>
@@ -10734,12 +10725,12 @@
           </a:ln>
         </p:spPr>
         <p:txBody>
-          <a:bodyPr anchorCtr="0" anchor="t" bIns="91425" lIns="91425" spcFirstLastPara="1" rIns="91425" wrap="square" tIns="91425">
+          <a:bodyPr spcFirstLastPara="1" wrap="square" lIns="91425" tIns="91425" rIns="91425" bIns="91425" anchor="t" anchorCtr="0">
             <a:noAutofit/>
           </a:bodyPr>
           <a:lstStyle/>
           <a:p>
-            <a:pPr indent="-342900" lvl="0" marL="457200" rtl="0" algn="l">
+            <a:pPr marL="457200" lvl="0" indent="-342900" algn="l" rtl="0">
               <a:spcBef>
                 <a:spcPts val="0"/>
               </a:spcBef>
@@ -10770,7 +10761,7 @@
             </a:endParaRPr>
           </a:p>
           <a:p>
-            <a:pPr indent="-342900" lvl="0" marL="457200" rtl="0" algn="l">
+            <a:pPr marL="457200" lvl="0" indent="-342900" algn="l" rtl="0">
               <a:spcBef>
                 <a:spcPts val="0"/>
               </a:spcBef>
@@ -10811,11 +10802,11 @@
 </file>
 
 <file path=ppt/slides/slide4.xml><?xml version="1.0" encoding="utf-8"?>
-<p:sld xmlns:a="http://schemas.openxmlformats.org/drawingml/2006/main" xmlns:r="http://schemas.openxmlformats.org/officeDocument/2006/relationships" xmlns:mc="http://schemas.openxmlformats.org/markup-compatibility/2006" xmlns:mv="urn:schemas-microsoft-com:mac:vml" xmlns:p="http://schemas.openxmlformats.org/presentationml/2006/main" xmlns:c="http://schemas.openxmlformats.org/drawingml/2006/chart" xmlns:dgm="http://schemas.openxmlformats.org/drawingml/2006/diagram" xmlns:o="urn:schemas-microsoft-com:office:office" xmlns:v="urn:schemas-microsoft-com:vml" xmlns:pvml="urn:schemas-microsoft-com:office:powerpoint" xmlns:com="http://schemas.openxmlformats.org/drawingml/2006/compatibility" xmlns:p14="http://schemas.microsoft.com/office/powerpoint/2010/main" xmlns:p15="http://schemas.microsoft.com/office/powerpoint/2012/main" xmlns:ahyp="http://schemas.microsoft.com/office/drawing/2018/hyperlinkcolor">
+<p:sld xmlns:a="http://schemas.openxmlformats.org/drawingml/2006/main" xmlns:r="http://schemas.openxmlformats.org/officeDocument/2006/relationships" xmlns:p="http://schemas.openxmlformats.org/presentationml/2006/main">
   <p:cSld>
     <p:spTree>
       <p:nvGrpSpPr>
-        <p:cNvPr id="147" name="Shape 147"/>
+        <p:cNvPr id="1" name="Shape 147"/>
         <p:cNvGrpSpPr/>
         <p:nvPr/>
       </p:nvGrpSpPr>
@@ -10847,12 +10838,12 @@
           </a:ln>
         </p:spPr>
         <p:txBody>
-          <a:bodyPr anchorCtr="0" anchor="t" bIns="91425" lIns="91425" spcFirstLastPara="1" rIns="91425" wrap="square" tIns="91425">
+          <a:bodyPr spcFirstLastPara="1" wrap="square" lIns="91425" tIns="91425" rIns="91425" bIns="91425" anchor="t" anchorCtr="0">
             <a:noAutofit/>
           </a:bodyPr>
           <a:lstStyle/>
           <a:p>
-            <a:pPr indent="0" lvl="0" marL="0" rtl="0" algn="r">
+            <a:pPr marL="0" lvl="0" indent="0" algn="r" rtl="0">
               <a:spcBef>
                 <a:spcPts val="0"/>
               </a:spcBef>
@@ -10861,9 +10852,6 @@
               </a:spcAft>
               <a:buNone/>
             </a:pPr>
-            <a:r>
-              <a:t/>
-            </a:r>
             <a:endParaRPr sz="3800">
               <a:solidFill>
                 <a:schemeClr val="lt1"/>
@@ -10875,7 +10863,7 @@
             </a:endParaRPr>
           </a:p>
           <a:p>
-            <a:pPr indent="0" lvl="0" marL="0" rtl="0" algn="ctr">
+            <a:pPr marL="0" lvl="0" indent="0" algn="ctr" rtl="0">
               <a:spcBef>
                 <a:spcPts val="0"/>
               </a:spcBef>
@@ -10901,7 +10889,7 @@
             </a:endParaRPr>
           </a:p>
           <a:p>
-            <a:pPr indent="0" lvl="0" marL="0" rtl="0" algn="ctr">
+            <a:pPr marL="0" lvl="0" indent="0" algn="ctr" rtl="0">
               <a:spcBef>
                 <a:spcPts val="0"/>
               </a:spcBef>
@@ -10993,11 +10981,11 @@
 </file>
 
 <file path=ppt/slides/slide5.xml><?xml version="1.0" encoding="utf-8"?>
-<p:sld xmlns:a="http://schemas.openxmlformats.org/drawingml/2006/main" xmlns:r="http://schemas.openxmlformats.org/officeDocument/2006/relationships" xmlns:mc="http://schemas.openxmlformats.org/markup-compatibility/2006" xmlns:mv="urn:schemas-microsoft-com:mac:vml" xmlns:p="http://schemas.openxmlformats.org/presentationml/2006/main" xmlns:c="http://schemas.openxmlformats.org/drawingml/2006/chart" xmlns:dgm="http://schemas.openxmlformats.org/drawingml/2006/diagram" xmlns:o="urn:schemas-microsoft-com:office:office" xmlns:v="urn:schemas-microsoft-com:vml" xmlns:pvml="urn:schemas-microsoft-com:office:powerpoint" xmlns:com="http://schemas.openxmlformats.org/drawingml/2006/compatibility" xmlns:p14="http://schemas.microsoft.com/office/powerpoint/2010/main" xmlns:p15="http://schemas.microsoft.com/office/powerpoint/2012/main" xmlns:ahyp="http://schemas.microsoft.com/office/drawing/2018/hyperlinkcolor">
+<p:sld xmlns:a="http://schemas.openxmlformats.org/drawingml/2006/main" xmlns:r="http://schemas.openxmlformats.org/officeDocument/2006/relationships" xmlns:p="http://schemas.openxmlformats.org/presentationml/2006/main">
   <p:cSld>
     <p:spTree>
       <p:nvGrpSpPr>
-        <p:cNvPr id="154" name="Shape 154"/>
+        <p:cNvPr id="1" name="Shape 154"/>
         <p:cNvGrpSpPr/>
         <p:nvPr/>
       </p:nvGrpSpPr>
@@ -11012,7 +11000,9 @@
       <p:sp>
         <p:nvSpPr>
           <p:cNvPr id="155" name="Google Shape;155;p17"/>
-          <p:cNvSpPr txBox="1"/>
+          <p:cNvSpPr txBox="1">
+            <a:spLocks noGrp="1"/>
+          </p:cNvSpPr>
           <p:nvPr>
             <p:ph type="ctrTitle"/>
           </p:nvPr>
@@ -11027,12 +11017,12 @@
           </a:prstGeom>
         </p:spPr>
         <p:txBody>
-          <a:bodyPr anchorCtr="0" anchor="ctr" bIns="91425" lIns="91425" spcFirstLastPara="1" rIns="91425" wrap="square" tIns="91425">
+          <a:bodyPr spcFirstLastPara="1" wrap="square" lIns="91425" tIns="91425" rIns="91425" bIns="91425" anchor="ctr" anchorCtr="0">
             <a:noAutofit/>
           </a:bodyPr>
           <a:lstStyle/>
           <a:p>
-            <a:pPr indent="0" lvl="0" marL="0" rtl="0" algn="ctr">
+            <a:pPr marL="0" lvl="0" indent="0" algn="ctr" rtl="0">
               <a:spcBef>
                 <a:spcPts val="0"/>
               </a:spcBef>
@@ -11064,7 +11054,7 @@
             </a:endParaRPr>
           </a:p>
           <a:p>
-            <a:pPr indent="0" lvl="0" marL="0" rtl="0" algn="ctr">
+            <a:pPr marL="0" lvl="0" indent="0" algn="ctr" rtl="0">
               <a:spcBef>
                 <a:spcPts val="0"/>
               </a:spcBef>
@@ -11134,11 +11124,11 @@
 </file>
 
 <file path=ppt/slides/slide6.xml><?xml version="1.0" encoding="utf-8"?>
-<p:sld xmlns:a="http://schemas.openxmlformats.org/drawingml/2006/main" xmlns:r="http://schemas.openxmlformats.org/officeDocument/2006/relationships" xmlns:mc="http://schemas.openxmlformats.org/markup-compatibility/2006" xmlns:mv="urn:schemas-microsoft-com:mac:vml" xmlns:p="http://schemas.openxmlformats.org/presentationml/2006/main" xmlns:c="http://schemas.openxmlformats.org/drawingml/2006/chart" xmlns:dgm="http://schemas.openxmlformats.org/drawingml/2006/diagram" xmlns:o="urn:schemas-microsoft-com:office:office" xmlns:v="urn:schemas-microsoft-com:vml" xmlns:pvml="urn:schemas-microsoft-com:office:powerpoint" xmlns:com="http://schemas.openxmlformats.org/drawingml/2006/compatibility" xmlns:p14="http://schemas.microsoft.com/office/powerpoint/2010/main" xmlns:p15="http://schemas.microsoft.com/office/powerpoint/2012/main" xmlns:ahyp="http://schemas.microsoft.com/office/drawing/2018/hyperlinkcolor">
+<p:sld xmlns:a="http://schemas.openxmlformats.org/drawingml/2006/main" xmlns:r="http://schemas.openxmlformats.org/officeDocument/2006/relationships" xmlns:p="http://schemas.openxmlformats.org/presentationml/2006/main">
   <p:cSld>
     <p:spTree>
       <p:nvGrpSpPr>
-        <p:cNvPr id="160" name="Shape 160"/>
+        <p:cNvPr id="1" name="Shape 160"/>
         <p:cNvGrpSpPr/>
         <p:nvPr/>
       </p:nvGrpSpPr>
@@ -11185,7 +11175,7 @@
           <p:nvPr/>
         </p:nvCxnSpPr>
         <p:spPr>
-          <a:xfrm flipH="1" rot="10800000">
+          <a:xfrm rot="10800000" flipH="1">
             <a:off x="3886200" y="2043000"/>
             <a:ext cx="5015100" cy="14400"/>
           </a:xfrm>
@@ -11193,14 +11183,14 @@
             <a:avLst/>
           </a:prstGeom>
           <a:noFill/>
-          <a:ln cap="flat" cmpd="sng" w="9525">
+          <a:ln w="9525" cap="flat" cmpd="sng">
             <a:solidFill>
               <a:schemeClr val="dk2"/>
             </a:solidFill>
             <a:prstDash val="dash"/>
             <a:round/>
-            <a:headEnd len="med" w="med" type="none"/>
-            <a:tailEnd len="med" w="med" type="none"/>
+            <a:headEnd type="none" w="med" len="med"/>
+            <a:tailEnd type="none" w="med" len="med"/>
           </a:ln>
         </p:spPr>
       </p:cxnSp>
@@ -11219,14 +11209,14 @@
             <a:avLst/>
           </a:prstGeom>
           <a:noFill/>
-          <a:ln cap="flat" cmpd="sng" w="9525">
+          <a:ln w="9525" cap="flat" cmpd="sng">
             <a:solidFill>
               <a:schemeClr val="dk2"/>
             </a:solidFill>
             <a:prstDash val="dash"/>
             <a:round/>
-            <a:headEnd len="med" w="med" type="none"/>
-            <a:tailEnd len="med" w="med" type="none"/>
+            <a:headEnd type="none" w="med" len="med"/>
+            <a:tailEnd type="none" w="med" len="med"/>
           </a:ln>
         </p:spPr>
       </p:cxnSp>
@@ -11250,12 +11240,12 @@
           </a:ln>
         </p:spPr>
         <p:txBody>
-          <a:bodyPr anchorCtr="0" anchor="t" bIns="91425" lIns="91425" spcFirstLastPara="1" rIns="91425" wrap="square" tIns="91425">
+          <a:bodyPr spcFirstLastPara="1" wrap="square" lIns="91425" tIns="91425" rIns="91425" bIns="91425" anchor="t" anchorCtr="0">
             <a:noAutofit/>
           </a:bodyPr>
           <a:lstStyle/>
           <a:p>
-            <a:pPr indent="0" lvl="0" marL="0" rtl="0" algn="l">
+            <a:pPr marL="0" lvl="0" indent="0" algn="l" rtl="0">
               <a:spcBef>
                 <a:spcPts val="0"/>
               </a:spcBef>
@@ -11265,7 +11255,7 @@
               <a:buNone/>
             </a:pPr>
             <a:r>
-              <a:rPr i="1" lang="en-GB">
+              <a:rPr lang="en-GB" i="1">
                 <a:latin typeface="Calibri"/>
                 <a:ea typeface="Calibri"/>
                 <a:cs typeface="Calibri"/>
@@ -11302,12 +11292,12 @@
           </a:ln>
         </p:spPr>
         <p:txBody>
-          <a:bodyPr anchorCtr="0" anchor="t" bIns="91425" lIns="91425" spcFirstLastPara="1" rIns="91425" wrap="square" tIns="91425">
+          <a:bodyPr spcFirstLastPara="1" wrap="square" lIns="91425" tIns="91425" rIns="91425" bIns="91425" anchor="t" anchorCtr="0">
             <a:noAutofit/>
           </a:bodyPr>
           <a:lstStyle/>
           <a:p>
-            <a:pPr indent="0" lvl="0" marL="0" rtl="0" algn="ctr">
+            <a:pPr marL="0" lvl="0" indent="0" algn="ctr" rtl="0">
               <a:spcBef>
                 <a:spcPts val="0"/>
               </a:spcBef>
@@ -11333,7 +11323,7 @@
             </a:endParaRPr>
           </a:p>
           <a:p>
-            <a:pPr indent="0" lvl="0" marL="0" rtl="0" algn="ctr">
+            <a:pPr marL="0" lvl="0" indent="0" algn="ctr" rtl="0">
               <a:spcBef>
                 <a:spcPts val="0"/>
               </a:spcBef>
@@ -11359,7 +11349,7 @@
             </a:endParaRPr>
           </a:p>
           <a:p>
-            <a:pPr indent="0" lvl="0" marL="0" rtl="0" algn="ctr">
+            <a:pPr marL="0" lvl="0" indent="0" algn="ctr" rtl="0">
               <a:spcBef>
                 <a:spcPts val="0"/>
               </a:spcBef>
@@ -11385,7 +11375,7 @@
             </a:endParaRPr>
           </a:p>
           <a:p>
-            <a:pPr indent="0" lvl="0" marL="0" rtl="0" algn="ctr">
+            <a:pPr marL="0" lvl="0" indent="0" algn="ctr" rtl="0">
               <a:spcBef>
                 <a:spcPts val="0"/>
               </a:spcBef>
@@ -11421,11 +11411,11 @@
 </file>
 
 <file path=ppt/slides/slide7.xml><?xml version="1.0" encoding="utf-8"?>
-<p:sld xmlns:a="http://schemas.openxmlformats.org/drawingml/2006/main" xmlns:r="http://schemas.openxmlformats.org/officeDocument/2006/relationships" xmlns:mc="http://schemas.openxmlformats.org/markup-compatibility/2006" xmlns:mv="urn:schemas-microsoft-com:mac:vml" xmlns:p="http://schemas.openxmlformats.org/presentationml/2006/main" xmlns:c="http://schemas.openxmlformats.org/drawingml/2006/chart" xmlns:dgm="http://schemas.openxmlformats.org/drawingml/2006/diagram" xmlns:o="urn:schemas-microsoft-com:office:office" xmlns:v="urn:schemas-microsoft-com:vml" xmlns:pvml="urn:schemas-microsoft-com:office:powerpoint" xmlns:com="http://schemas.openxmlformats.org/drawingml/2006/compatibility" xmlns:p14="http://schemas.microsoft.com/office/powerpoint/2010/main" xmlns:p15="http://schemas.microsoft.com/office/powerpoint/2012/main" xmlns:ahyp="http://schemas.microsoft.com/office/drawing/2018/hyperlinkcolor">
+<p:sld xmlns:a="http://schemas.openxmlformats.org/drawingml/2006/main" xmlns:r="http://schemas.openxmlformats.org/officeDocument/2006/relationships" xmlns:p="http://schemas.openxmlformats.org/presentationml/2006/main">
   <p:cSld>
     <p:spTree>
       <p:nvGrpSpPr>
-        <p:cNvPr id="169" name="Shape 169"/>
+        <p:cNvPr id="1" name="Shape 169"/>
         <p:cNvGrpSpPr/>
         <p:nvPr/>
       </p:nvGrpSpPr>
@@ -11513,12 +11503,12 @@
           </a:ln>
         </p:spPr>
         <p:txBody>
-          <a:bodyPr anchorCtr="0" anchor="t" bIns="91425" lIns="91425" spcFirstLastPara="1" rIns="91425" wrap="square" tIns="91425">
+          <a:bodyPr spcFirstLastPara="1" wrap="square" lIns="91425" tIns="91425" rIns="91425" bIns="91425" anchor="t" anchorCtr="0">
             <a:noAutofit/>
           </a:bodyPr>
           <a:lstStyle/>
           <a:p>
-            <a:pPr indent="0" lvl="0" marL="0" rtl="0" algn="ctr">
+            <a:pPr marL="0" lvl="0" indent="0" algn="ctr" rtl="0">
               <a:spcBef>
                 <a:spcPts val="0"/>
               </a:spcBef>
@@ -11528,7 +11518,7 @@
               <a:buNone/>
             </a:pPr>
             <a:r>
-              <a:rPr b="1" lang="en-GB" sz="2000">
+              <a:rPr lang="en-GB" sz="2000" b="1">
                 <a:latin typeface="Bree Serif"/>
                 <a:ea typeface="Bree Serif"/>
                 <a:cs typeface="Bree Serif"/>
@@ -11536,7 +11526,7 @@
               </a:rPr>
               <a:t>OY are half as likely to continue education than their non Opportunity Youth counter parts</a:t>
             </a:r>
-            <a:endParaRPr b="1" sz="2000">
+            <a:endParaRPr sz="2000" b="1">
               <a:latin typeface="Bree Serif"/>
               <a:ea typeface="Bree Serif"/>
               <a:cs typeface="Bree Serif"/>
@@ -11544,7 +11534,7 @@
             </a:endParaRPr>
           </a:p>
           <a:p>
-            <a:pPr indent="0" lvl="0" marL="0" rtl="0" algn="l">
+            <a:pPr marL="0" lvl="0" indent="0" algn="l" rtl="0">
               <a:spcBef>
                 <a:spcPts val="0"/>
               </a:spcBef>
@@ -11553,9 +11543,6 @@
               </a:spcAft>
               <a:buNone/>
             </a:pPr>
-            <a:r>
-              <a:t/>
-            </a:r>
             <a:endParaRPr sz="3200">
               <a:latin typeface="Bree Serif"/>
               <a:ea typeface="Bree Serif"/>
@@ -11585,12 +11572,12 @@
           </a:ln>
         </p:spPr>
         <p:txBody>
-          <a:bodyPr anchorCtr="0" anchor="t" bIns="91425" lIns="91425" spcFirstLastPara="1" rIns="91425" wrap="square" tIns="91425">
+          <a:bodyPr spcFirstLastPara="1" wrap="square" lIns="91425" tIns="91425" rIns="91425" bIns="91425" anchor="t" anchorCtr="0">
             <a:noAutofit/>
           </a:bodyPr>
           <a:lstStyle/>
           <a:p>
-            <a:pPr indent="0" lvl="0" marL="0" rtl="0" algn="l">
+            <a:pPr marL="0" lvl="0" indent="0" algn="l" rtl="0">
               <a:spcBef>
                 <a:spcPts val="0"/>
               </a:spcBef>
@@ -11600,7 +11587,7 @@
               <a:buNone/>
             </a:pPr>
             <a:r>
-              <a:rPr i="1" lang="en-GB">
+              <a:rPr lang="en-GB" i="1">
                 <a:solidFill>
                   <a:srgbClr val="93C47D"/>
                 </a:solidFill>
@@ -11643,12 +11630,12 @@
           </a:ln>
         </p:spPr>
         <p:txBody>
-          <a:bodyPr anchorCtr="0" anchor="t" bIns="91425" lIns="91425" spcFirstLastPara="1" rIns="91425" wrap="square" tIns="91425">
+          <a:bodyPr spcFirstLastPara="1" wrap="square" lIns="91425" tIns="91425" rIns="91425" bIns="91425" anchor="t" anchorCtr="0">
             <a:noAutofit/>
           </a:bodyPr>
           <a:lstStyle/>
           <a:p>
-            <a:pPr indent="0" lvl="0" marL="0" rtl="0" algn="l">
+            <a:pPr marL="0" lvl="0" indent="0" algn="l" rtl="0">
               <a:spcBef>
                 <a:spcPts val="0"/>
               </a:spcBef>
@@ -11658,7 +11645,7 @@
               <a:buNone/>
             </a:pPr>
             <a:r>
-              <a:rPr i="1" lang="en-GB">
+              <a:rPr lang="en-GB" i="1">
                 <a:solidFill>
                   <a:srgbClr val="93C47D"/>
                 </a:solidFill>
@@ -11701,12 +11688,12 @@
           </a:ln>
         </p:spPr>
         <p:txBody>
-          <a:bodyPr anchorCtr="0" anchor="t" bIns="91425" lIns="91425" spcFirstLastPara="1" rIns="91425" wrap="square" tIns="91425">
+          <a:bodyPr spcFirstLastPara="1" wrap="square" lIns="91425" tIns="91425" rIns="91425" bIns="91425" anchor="t" anchorCtr="0">
             <a:noAutofit/>
           </a:bodyPr>
           <a:lstStyle/>
           <a:p>
-            <a:pPr indent="0" lvl="0" marL="0" rtl="0" algn="ctr">
+            <a:pPr marL="0" lvl="0" indent="0" algn="ctr" rtl="0">
               <a:spcBef>
                 <a:spcPts val="0"/>
               </a:spcBef>
@@ -11737,11 +11724,11 @@
 </file>
 
 <file path=ppt/slides/slide8.xml><?xml version="1.0" encoding="utf-8"?>
-<p:sld xmlns:a="http://schemas.openxmlformats.org/drawingml/2006/main" xmlns:r="http://schemas.openxmlformats.org/officeDocument/2006/relationships" xmlns:mc="http://schemas.openxmlformats.org/markup-compatibility/2006" xmlns:mv="urn:schemas-microsoft-com:mac:vml" xmlns:p="http://schemas.openxmlformats.org/presentationml/2006/main" xmlns:c="http://schemas.openxmlformats.org/drawingml/2006/chart" xmlns:dgm="http://schemas.openxmlformats.org/drawingml/2006/diagram" xmlns:o="urn:schemas-microsoft-com:office:office" xmlns:v="urn:schemas-microsoft-com:vml" xmlns:pvml="urn:schemas-microsoft-com:office:powerpoint" xmlns:com="http://schemas.openxmlformats.org/drawingml/2006/compatibility" xmlns:p14="http://schemas.microsoft.com/office/powerpoint/2010/main" xmlns:p15="http://schemas.microsoft.com/office/powerpoint/2012/main" xmlns:ahyp="http://schemas.microsoft.com/office/drawing/2018/hyperlinkcolor">
+<p:sld xmlns:a="http://schemas.openxmlformats.org/drawingml/2006/main" xmlns:r="http://schemas.openxmlformats.org/officeDocument/2006/relationships" xmlns:p="http://schemas.openxmlformats.org/presentationml/2006/main">
   <p:cSld>
     <p:spTree>
       <p:nvGrpSpPr>
-        <p:cNvPr id="179" name="Shape 179"/>
+        <p:cNvPr id="1" name="Shape 179"/>
         <p:cNvGrpSpPr/>
         <p:nvPr/>
       </p:nvGrpSpPr>
@@ -11756,7 +11743,9 @@
       <p:sp>
         <p:nvSpPr>
           <p:cNvPr id="180" name="Google Shape;180;p20"/>
-          <p:cNvSpPr txBox="1"/>
+          <p:cNvSpPr txBox="1">
+            <a:spLocks noGrp="1"/>
+          </p:cNvSpPr>
           <p:nvPr>
             <p:ph type="ctrTitle"/>
           </p:nvPr>
@@ -11771,12 +11760,12 @@
           </a:prstGeom>
         </p:spPr>
         <p:txBody>
-          <a:bodyPr anchorCtr="0" anchor="ctr" bIns="91425" lIns="91425" spcFirstLastPara="1" rIns="91425" wrap="square" tIns="91425">
+          <a:bodyPr spcFirstLastPara="1" wrap="square" lIns="91425" tIns="91425" rIns="91425" bIns="91425" anchor="ctr" anchorCtr="0">
             <a:noAutofit/>
           </a:bodyPr>
           <a:lstStyle/>
           <a:p>
-            <a:pPr indent="0" lvl="0" marL="0" rtl="0" algn="ctr">
+            <a:pPr marL="0" lvl="0" indent="0" algn="ctr" rtl="0">
               <a:spcBef>
                 <a:spcPts val="0"/>
               </a:spcBef>
@@ -11785,9 +11774,6 @@
               </a:spcAft>
               <a:buNone/>
             </a:pPr>
-            <a:r>
-              <a:t/>
-            </a:r>
             <a:endParaRPr/>
           </a:p>
         </p:txBody>
@@ -11795,9 +11781,11 @@
       <p:sp>
         <p:nvSpPr>
           <p:cNvPr id="181" name="Google Shape;181;p20"/>
-          <p:cNvSpPr txBox="1"/>
+          <p:cNvSpPr txBox="1">
+            <a:spLocks noGrp="1"/>
+          </p:cNvSpPr>
           <p:nvPr>
-            <p:ph idx="1" type="subTitle"/>
+            <p:ph type="subTitle" idx="1"/>
           </p:nvPr>
         </p:nvSpPr>
         <p:spPr>
@@ -11810,12 +11798,12 @@
           </a:prstGeom>
         </p:spPr>
         <p:txBody>
-          <a:bodyPr anchorCtr="0" anchor="t" bIns="91425" lIns="91425" spcFirstLastPara="1" rIns="91425" wrap="square" tIns="91425">
+          <a:bodyPr spcFirstLastPara="1" wrap="square" lIns="91425" tIns="91425" rIns="91425" bIns="91425" anchor="t" anchorCtr="0">
             <a:noAutofit/>
           </a:bodyPr>
           <a:lstStyle/>
           <a:p>
-            <a:pPr indent="0" lvl="0" marL="0" rtl="0" algn="ctr">
+            <a:pPr marL="0" lvl="0" indent="0" algn="ctr" rtl="0">
               <a:spcBef>
                 <a:spcPts val="0"/>
               </a:spcBef>
@@ -11824,9 +11812,6 @@
               </a:spcAft>
               <a:buNone/>
             </a:pPr>
-            <a:r>
-              <a:t/>
-            </a:r>
             <a:endParaRPr/>
           </a:p>
         </p:txBody>
@@ -11868,11 +11853,11 @@
 </file>
 
 <file path=ppt/slides/slide9.xml><?xml version="1.0" encoding="utf-8"?>
-<p:sld xmlns:a="http://schemas.openxmlformats.org/drawingml/2006/main" xmlns:r="http://schemas.openxmlformats.org/officeDocument/2006/relationships" xmlns:mc="http://schemas.openxmlformats.org/markup-compatibility/2006" xmlns:mv="urn:schemas-microsoft-com:mac:vml" xmlns:p="http://schemas.openxmlformats.org/presentationml/2006/main" xmlns:c="http://schemas.openxmlformats.org/drawingml/2006/chart" xmlns:dgm="http://schemas.openxmlformats.org/drawingml/2006/diagram" xmlns:o="urn:schemas-microsoft-com:office:office" xmlns:v="urn:schemas-microsoft-com:vml" xmlns:pvml="urn:schemas-microsoft-com:office:powerpoint" xmlns:com="http://schemas.openxmlformats.org/drawingml/2006/compatibility" xmlns:p14="http://schemas.microsoft.com/office/powerpoint/2010/main" xmlns:p15="http://schemas.microsoft.com/office/powerpoint/2012/main" xmlns:ahyp="http://schemas.microsoft.com/office/drawing/2018/hyperlinkcolor">
+<p:sld xmlns:a="http://schemas.openxmlformats.org/drawingml/2006/main" xmlns:r="http://schemas.openxmlformats.org/officeDocument/2006/relationships" xmlns:p="http://schemas.openxmlformats.org/presentationml/2006/main">
   <p:cSld>
     <p:spTree>
       <p:nvGrpSpPr>
-        <p:cNvPr id="186" name="Shape 186"/>
+        <p:cNvPr id="1" name="Shape 186"/>
         <p:cNvGrpSpPr/>
         <p:nvPr/>
       </p:nvGrpSpPr>
@@ -11887,7 +11872,9 @@
       <p:sp>
         <p:nvSpPr>
           <p:cNvPr id="187" name="Google Shape;187;p21"/>
-          <p:cNvSpPr txBox="1"/>
+          <p:cNvSpPr txBox="1">
+            <a:spLocks noGrp="1"/>
+          </p:cNvSpPr>
           <p:nvPr>
             <p:ph type="ctrTitle"/>
           </p:nvPr>
@@ -11902,12 +11889,12 @@
           </a:prstGeom>
         </p:spPr>
         <p:txBody>
-          <a:bodyPr anchorCtr="0" anchor="ctr" bIns="91425" lIns="91425" spcFirstLastPara="1" rIns="91425" wrap="square" tIns="91425">
+          <a:bodyPr spcFirstLastPara="1" wrap="square" lIns="91425" tIns="91425" rIns="91425" bIns="91425" anchor="ctr" anchorCtr="0">
             <a:noAutofit/>
           </a:bodyPr>
           <a:lstStyle/>
           <a:p>
-            <a:pPr indent="0" lvl="0" marL="0" rtl="0" algn="ctr">
+            <a:pPr marL="0" lvl="0" indent="0" algn="ctr" rtl="0">
               <a:spcBef>
                 <a:spcPts val="0"/>
               </a:spcBef>
@@ -11916,9 +11903,6 @@
               </a:spcAft>
               <a:buNone/>
             </a:pPr>
-            <a:r>
-              <a:t/>
-            </a:r>
             <a:endParaRPr/>
           </a:p>
         </p:txBody>
@@ -11926,9 +11910,11 @@
       <p:sp>
         <p:nvSpPr>
           <p:cNvPr id="188" name="Google Shape;188;p21"/>
-          <p:cNvSpPr txBox="1"/>
+          <p:cNvSpPr txBox="1">
+            <a:spLocks noGrp="1"/>
+          </p:cNvSpPr>
           <p:nvPr>
-            <p:ph idx="1" type="subTitle"/>
+            <p:ph type="subTitle" idx="1"/>
           </p:nvPr>
         </p:nvSpPr>
         <p:spPr>
@@ -11941,12 +11927,12 @@
           </a:prstGeom>
         </p:spPr>
         <p:txBody>
-          <a:bodyPr anchorCtr="0" anchor="t" bIns="91425" lIns="91425" spcFirstLastPara="1" rIns="91425" wrap="square" tIns="91425">
+          <a:bodyPr spcFirstLastPara="1" wrap="square" lIns="91425" tIns="91425" rIns="91425" bIns="91425" anchor="t" anchorCtr="0">
             <a:noAutofit/>
           </a:bodyPr>
           <a:lstStyle/>
           <a:p>
-            <a:pPr indent="0" lvl="0" marL="0" rtl="0" algn="ctr">
+            <a:pPr marL="0" lvl="0" indent="0" algn="ctr" rtl="0">
               <a:spcBef>
                 <a:spcPts val="0"/>
               </a:spcBef>
@@ -11955,9 +11941,6 @@
               </a:spcAft>
               <a:buNone/>
             </a:pPr>
-            <a:r>
-              <a:t/>
-            </a:r>
             <a:endParaRPr/>
           </a:p>
         </p:txBody>
@@ -11999,7 +11982,288 @@
 </file>
 
 <file path=ppt/theme/theme1.xml><?xml version="1.0" encoding="utf-8"?>
-<a:theme xmlns:a="http://schemas.openxmlformats.org/drawingml/2006/main" xmlns:r="http://schemas.openxmlformats.org/officeDocument/2006/relationships">
+<a:theme xmlns:a="http://schemas.openxmlformats.org/drawingml/2006/main" name="Shift">
+  <a:themeElements>
+    <a:clrScheme name="Shift">
+      <a:dk1>
+        <a:srgbClr val="FFFFFF"/>
+      </a:dk1>
+      <a:lt1>
+        <a:srgbClr val="AF7B51"/>
+      </a:lt1>
+      <a:dk2>
+        <a:srgbClr val="233A44"/>
+      </a:dk2>
+      <a:lt2>
+        <a:srgbClr val="D9D9D9"/>
+      </a:lt2>
+      <a:accent1>
+        <a:srgbClr val="00796B"/>
+      </a:accent1>
+      <a:accent2>
+        <a:srgbClr val="D9563F"/>
+      </a:accent2>
+      <a:accent3>
+        <a:srgbClr val="C4A15A"/>
+      </a:accent3>
+      <a:accent4>
+        <a:srgbClr val="14F597"/>
+      </a:accent4>
+      <a:accent5>
+        <a:srgbClr val="3D4594"/>
+      </a:accent5>
+      <a:accent6>
+        <a:srgbClr val="163EF5"/>
+      </a:accent6>
+      <a:hlink>
+        <a:srgbClr val="3D4594"/>
+      </a:hlink>
+      <a:folHlink>
+        <a:srgbClr val="3D4594"/>
+      </a:folHlink>
+    </a:clrScheme>
+    <a:fontScheme name="Office">
+      <a:majorFont>
+        <a:latin typeface="Arial"/>
+        <a:ea typeface=""/>
+        <a:cs typeface=""/>
+        <a:font script="Jpan" typeface="ＭＳ Ｐゴシック"/>
+        <a:font script="Hang" typeface="맑은 고딕"/>
+        <a:font script="Hans" typeface="宋体"/>
+        <a:font script="Hant" typeface="新細明體"/>
+        <a:font script="Arab" typeface="Times New Roman"/>
+        <a:font script="Hebr" typeface="Times New Roman"/>
+        <a:font script="Thai" typeface="Angsana New"/>
+        <a:font script="Ethi" typeface="Nyala"/>
+        <a:font script="Beng" typeface="Vrinda"/>
+        <a:font script="Gujr" typeface="Shruti"/>
+        <a:font script="Khmr" typeface="MoolBoran"/>
+        <a:font script="Knda" typeface="Tunga"/>
+        <a:font script="Guru" typeface="Raavi"/>
+        <a:font script="Cans" typeface="Euphemia"/>
+        <a:font script="Cher" typeface="Plantagenet Cherokee"/>
+        <a:font script="Yiii" typeface="Microsoft Yi Baiti"/>
+        <a:font script="Tibt" typeface="Microsoft Himalaya"/>
+        <a:font script="Thaa" typeface="MV Boli"/>
+        <a:font script="Deva" typeface="Mangal"/>
+        <a:font script="Telu" typeface="Gautami"/>
+        <a:font script="Taml" typeface="Latha"/>
+        <a:font script="Syrc" typeface="Estrangelo Edessa"/>
+        <a:font script="Orya" typeface="Kalinga"/>
+        <a:font script="Mlym" typeface="Kartika"/>
+        <a:font script="Laoo" typeface="DokChampa"/>
+        <a:font script="Sinh" typeface="Iskoola Pota"/>
+        <a:font script="Mong" typeface="Mongolian Baiti"/>
+        <a:font script="Viet" typeface="Times New Roman"/>
+        <a:font script="Uigh" typeface="Microsoft Uighur"/>
+        <a:font script="Geor" typeface="Sylfaen"/>
+      </a:majorFont>
+      <a:minorFont>
+        <a:latin typeface="Arial"/>
+        <a:ea typeface=""/>
+        <a:cs typeface=""/>
+        <a:font script="Jpan" typeface="ＭＳ Ｐゴシック"/>
+        <a:font script="Hang" typeface="맑은 고딕"/>
+        <a:font script="Hans" typeface="宋体"/>
+        <a:font script="Hant" typeface="新細明體"/>
+        <a:font script="Arab" typeface="Arial"/>
+        <a:font script="Hebr" typeface="Arial"/>
+        <a:font script="Thai" typeface="Cordia New"/>
+        <a:font script="Ethi" typeface="Nyala"/>
+        <a:font script="Beng" typeface="Vrinda"/>
+        <a:font script="Gujr" typeface="Shruti"/>
+        <a:font script="Khmr" typeface="DaunPenh"/>
+        <a:font script="Knda" typeface="Tunga"/>
+        <a:font script="Guru" typeface="Raavi"/>
+        <a:font script="Cans" typeface="Euphemia"/>
+        <a:font script="Cher" typeface="Plantagenet Cherokee"/>
+        <a:font script="Yiii" typeface="Microsoft Yi Baiti"/>
+        <a:font script="Tibt" typeface="Microsoft Himalaya"/>
+        <a:font script="Thaa" typeface="MV Boli"/>
+        <a:font script="Deva" typeface="Mangal"/>
+        <a:font script="Telu" typeface="Gautami"/>
+        <a:font script="Taml" typeface="Latha"/>
+        <a:font script="Syrc" typeface="Estrangelo Edessa"/>
+        <a:font script="Orya" typeface="Kalinga"/>
+        <a:font script="Mlym" typeface="Kartika"/>
+        <a:font script="Laoo" typeface="DokChampa"/>
+        <a:font script="Sinh" typeface="Iskoola Pota"/>
+        <a:font script="Mong" typeface="Mongolian Baiti"/>
+        <a:font script="Viet" typeface="Arial"/>
+        <a:font script="Uigh" typeface="Microsoft Uighur"/>
+        <a:font script="Geor" typeface="Sylfaen"/>
+      </a:minorFont>
+    </a:fontScheme>
+    <a:fmtScheme name="Office">
+      <a:fillStyleLst>
+        <a:solidFill>
+          <a:schemeClr val="phClr"/>
+        </a:solidFill>
+        <a:gradFill rotWithShape="1">
+          <a:gsLst>
+            <a:gs pos="0">
+              <a:schemeClr val="phClr">
+                <a:tint val="50000"/>
+                <a:satMod val="300000"/>
+              </a:schemeClr>
+            </a:gs>
+            <a:gs pos="35000">
+              <a:schemeClr val="phClr">
+                <a:tint val="37000"/>
+                <a:satMod val="300000"/>
+              </a:schemeClr>
+            </a:gs>
+            <a:gs pos="100000">
+              <a:schemeClr val="phClr">
+                <a:tint val="15000"/>
+                <a:satMod val="350000"/>
+              </a:schemeClr>
+            </a:gs>
+          </a:gsLst>
+          <a:lin ang="16200000" scaled="1"/>
+        </a:gradFill>
+        <a:gradFill rotWithShape="1">
+          <a:gsLst>
+            <a:gs pos="0">
+              <a:schemeClr val="phClr">
+                <a:tint val="100000"/>
+                <a:shade val="100000"/>
+                <a:satMod val="130000"/>
+              </a:schemeClr>
+            </a:gs>
+            <a:gs pos="100000">
+              <a:schemeClr val="phClr">
+                <a:tint val="50000"/>
+                <a:shade val="100000"/>
+                <a:satMod val="350000"/>
+              </a:schemeClr>
+            </a:gs>
+          </a:gsLst>
+          <a:lin ang="16200000" scaled="0"/>
+        </a:gradFill>
+      </a:fillStyleLst>
+      <a:lnStyleLst>
+        <a:ln w="9525" cap="flat" cmpd="sng" algn="ctr">
+          <a:solidFill>
+            <a:schemeClr val="phClr">
+              <a:shade val="95000"/>
+              <a:satMod val="105000"/>
+            </a:schemeClr>
+          </a:solidFill>
+          <a:prstDash val="solid"/>
+        </a:ln>
+        <a:ln w="25400" cap="flat" cmpd="sng" algn="ctr">
+          <a:solidFill>
+            <a:schemeClr val="phClr"/>
+          </a:solidFill>
+          <a:prstDash val="solid"/>
+        </a:ln>
+        <a:ln w="38100" cap="flat" cmpd="sng" algn="ctr">
+          <a:solidFill>
+            <a:schemeClr val="phClr"/>
+          </a:solidFill>
+          <a:prstDash val="solid"/>
+        </a:ln>
+      </a:lnStyleLst>
+      <a:effectStyleLst>
+        <a:effectStyle>
+          <a:effectLst>
+            <a:outerShdw blurRad="40000" dist="20000" dir="5400000" rotWithShape="0">
+              <a:srgbClr val="000000">
+                <a:alpha val="38000"/>
+              </a:srgbClr>
+            </a:outerShdw>
+          </a:effectLst>
+        </a:effectStyle>
+        <a:effectStyle>
+          <a:effectLst>
+            <a:outerShdw blurRad="40000" dist="23000" dir="5400000" rotWithShape="0">
+              <a:srgbClr val="000000">
+                <a:alpha val="35000"/>
+              </a:srgbClr>
+            </a:outerShdw>
+          </a:effectLst>
+        </a:effectStyle>
+        <a:effectStyle>
+          <a:effectLst>
+            <a:outerShdw blurRad="40000" dist="23000" dir="5400000" rotWithShape="0">
+              <a:srgbClr val="000000">
+                <a:alpha val="35000"/>
+              </a:srgbClr>
+            </a:outerShdw>
+          </a:effectLst>
+          <a:scene3d>
+            <a:camera prst="orthographicFront">
+              <a:rot lat="0" lon="0" rev="0"/>
+            </a:camera>
+            <a:lightRig rig="threePt" dir="t">
+              <a:rot lat="0" lon="0" rev="1200000"/>
+            </a:lightRig>
+          </a:scene3d>
+          <a:sp3d>
+            <a:bevelT w="63500" h="25400"/>
+          </a:sp3d>
+        </a:effectStyle>
+      </a:effectStyleLst>
+      <a:bgFillStyleLst>
+        <a:solidFill>
+          <a:schemeClr val="phClr"/>
+        </a:solidFill>
+        <a:gradFill rotWithShape="1">
+          <a:gsLst>
+            <a:gs pos="0">
+              <a:schemeClr val="phClr">
+                <a:tint val="40000"/>
+                <a:satMod val="350000"/>
+              </a:schemeClr>
+            </a:gs>
+            <a:gs pos="40000">
+              <a:schemeClr val="phClr">
+                <a:tint val="45000"/>
+                <a:shade val="99000"/>
+                <a:satMod val="350000"/>
+              </a:schemeClr>
+            </a:gs>
+            <a:gs pos="100000">
+              <a:schemeClr val="phClr">
+                <a:shade val="20000"/>
+                <a:satMod val="255000"/>
+              </a:schemeClr>
+            </a:gs>
+          </a:gsLst>
+          <a:path path="circle">
+            <a:fillToRect l="50000" t="-80000" r="50000" b="180000"/>
+          </a:path>
+        </a:gradFill>
+        <a:gradFill rotWithShape="1">
+          <a:gsLst>
+            <a:gs pos="0">
+              <a:schemeClr val="phClr">
+                <a:tint val="80000"/>
+                <a:satMod val="300000"/>
+              </a:schemeClr>
+            </a:gs>
+            <a:gs pos="100000">
+              <a:schemeClr val="phClr">
+                <a:shade val="30000"/>
+                <a:satMod val="200000"/>
+              </a:schemeClr>
+            </a:gs>
+          </a:gsLst>
+          <a:path path="circle">
+            <a:fillToRect l="50000" t="50000" r="50000" b="50000"/>
+          </a:path>
+        </a:gradFill>
+      </a:bgFillStyleLst>
+    </a:fmtScheme>
+  </a:themeElements>
+  <a:objectDefaults/>
+  <a:extraClrSchemeLst/>
+</a:theme>
+</file>
+
+<file path=ppt/theme/theme2.xml><?xml version="1.0" encoding="utf-8"?>
+<a:theme xmlns:a="http://schemas.openxmlformats.org/drawingml/2006/main">
   <a:themeElements>
     <a:clrScheme name="Default">
       <a:dk1>
@@ -12274,284 +12538,7 @@
       </a:bgFillStyleLst>
     </a:fmtScheme>
   </a:themeElements>
-</a:theme>
-</file>
-
-<file path=ppt/theme/theme2.xml><?xml version="1.0" encoding="utf-8"?>
-<a:theme xmlns:a="http://schemas.openxmlformats.org/drawingml/2006/main" xmlns:r="http://schemas.openxmlformats.org/officeDocument/2006/relationships" name="Shift">
-  <a:themeElements>
-    <a:clrScheme name="Shift">
-      <a:dk1>
-        <a:srgbClr val="FFFFFF"/>
-      </a:dk1>
-      <a:lt1>
-        <a:srgbClr val="AF7B51"/>
-      </a:lt1>
-      <a:dk2>
-        <a:srgbClr val="233A44"/>
-      </a:dk2>
-      <a:lt2>
-        <a:srgbClr val="D9D9D9"/>
-      </a:lt2>
-      <a:accent1>
-        <a:srgbClr val="00796B"/>
-      </a:accent1>
-      <a:accent2>
-        <a:srgbClr val="D9563F"/>
-      </a:accent2>
-      <a:accent3>
-        <a:srgbClr val="C4A15A"/>
-      </a:accent3>
-      <a:accent4>
-        <a:srgbClr val="14F597"/>
-      </a:accent4>
-      <a:accent5>
-        <a:srgbClr val="3D4594"/>
-      </a:accent5>
-      <a:accent6>
-        <a:srgbClr val="163EF5"/>
-      </a:accent6>
-      <a:hlink>
-        <a:srgbClr val="3D4594"/>
-      </a:hlink>
-      <a:folHlink>
-        <a:srgbClr val="3D4594"/>
-      </a:folHlink>
-    </a:clrScheme>
-    <a:fontScheme name="Office">
-      <a:majorFont>
-        <a:latin typeface="Arial"/>
-        <a:ea typeface=""/>
-        <a:cs typeface=""/>
-        <a:font script="Jpan" typeface="ＭＳ Ｐゴシック"/>
-        <a:font script="Hang" typeface="맑은 고딕"/>
-        <a:font script="Hans" typeface="宋体"/>
-        <a:font script="Hant" typeface="新細明體"/>
-        <a:font script="Arab" typeface="Times New Roman"/>
-        <a:font script="Hebr" typeface="Times New Roman"/>
-        <a:font script="Thai" typeface="Angsana New"/>
-        <a:font script="Ethi" typeface="Nyala"/>
-        <a:font script="Beng" typeface="Vrinda"/>
-        <a:font script="Gujr" typeface="Shruti"/>
-        <a:font script="Khmr" typeface="MoolBoran"/>
-        <a:font script="Knda" typeface="Tunga"/>
-        <a:font script="Guru" typeface="Raavi"/>
-        <a:font script="Cans" typeface="Euphemia"/>
-        <a:font script="Cher" typeface="Plantagenet Cherokee"/>
-        <a:font script="Yiii" typeface="Microsoft Yi Baiti"/>
-        <a:font script="Tibt" typeface="Microsoft Himalaya"/>
-        <a:font script="Thaa" typeface="MV Boli"/>
-        <a:font script="Deva" typeface="Mangal"/>
-        <a:font script="Telu" typeface="Gautami"/>
-        <a:font script="Taml" typeface="Latha"/>
-        <a:font script="Syrc" typeface="Estrangelo Edessa"/>
-        <a:font script="Orya" typeface="Kalinga"/>
-        <a:font script="Mlym" typeface="Kartika"/>
-        <a:font script="Laoo" typeface="DokChampa"/>
-        <a:font script="Sinh" typeface="Iskoola Pota"/>
-        <a:font script="Mong" typeface="Mongolian Baiti"/>
-        <a:font script="Viet" typeface="Times New Roman"/>
-        <a:font script="Uigh" typeface="Microsoft Uighur"/>
-        <a:font script="Geor" typeface="Sylfaen"/>
-      </a:majorFont>
-      <a:minorFont>
-        <a:latin typeface="Arial"/>
-        <a:ea typeface=""/>
-        <a:cs typeface=""/>
-        <a:font script="Jpan" typeface="ＭＳ Ｐゴシック"/>
-        <a:font script="Hang" typeface="맑은 고딕"/>
-        <a:font script="Hans" typeface="宋体"/>
-        <a:font script="Hant" typeface="新細明體"/>
-        <a:font script="Arab" typeface="Arial"/>
-        <a:font script="Hebr" typeface="Arial"/>
-        <a:font script="Thai" typeface="Cordia New"/>
-        <a:font script="Ethi" typeface="Nyala"/>
-        <a:font script="Beng" typeface="Vrinda"/>
-        <a:font script="Gujr" typeface="Shruti"/>
-        <a:font script="Khmr" typeface="DaunPenh"/>
-        <a:font script="Knda" typeface="Tunga"/>
-        <a:font script="Guru" typeface="Raavi"/>
-        <a:font script="Cans" typeface="Euphemia"/>
-        <a:font script="Cher" typeface="Plantagenet Cherokee"/>
-        <a:font script="Yiii" typeface="Microsoft Yi Baiti"/>
-        <a:font script="Tibt" typeface="Microsoft Himalaya"/>
-        <a:font script="Thaa" typeface="MV Boli"/>
-        <a:font script="Deva" typeface="Mangal"/>
-        <a:font script="Telu" typeface="Gautami"/>
-        <a:font script="Taml" typeface="Latha"/>
-        <a:font script="Syrc" typeface="Estrangelo Edessa"/>
-        <a:font script="Orya" typeface="Kalinga"/>
-        <a:font script="Mlym" typeface="Kartika"/>
-        <a:font script="Laoo" typeface="DokChampa"/>
-        <a:font script="Sinh" typeface="Iskoola Pota"/>
-        <a:font script="Mong" typeface="Mongolian Baiti"/>
-        <a:font script="Viet" typeface="Arial"/>
-        <a:font script="Uigh" typeface="Microsoft Uighur"/>
-        <a:font script="Geor" typeface="Sylfaen"/>
-      </a:minorFont>
-    </a:fontScheme>
-    <a:fmtScheme name="Office">
-      <a:fillStyleLst>
-        <a:solidFill>
-          <a:schemeClr val="phClr"/>
-        </a:solidFill>
-        <a:gradFill rotWithShape="1">
-          <a:gsLst>
-            <a:gs pos="0">
-              <a:schemeClr val="phClr">
-                <a:tint val="50000"/>
-                <a:satMod val="300000"/>
-              </a:schemeClr>
-            </a:gs>
-            <a:gs pos="35000">
-              <a:schemeClr val="phClr">
-                <a:tint val="37000"/>
-                <a:satMod val="300000"/>
-              </a:schemeClr>
-            </a:gs>
-            <a:gs pos="100000">
-              <a:schemeClr val="phClr">
-                <a:tint val="15000"/>
-                <a:satMod val="350000"/>
-              </a:schemeClr>
-            </a:gs>
-          </a:gsLst>
-          <a:lin ang="16200000" scaled="1"/>
-        </a:gradFill>
-        <a:gradFill rotWithShape="1">
-          <a:gsLst>
-            <a:gs pos="0">
-              <a:schemeClr val="phClr">
-                <a:tint val="100000"/>
-                <a:shade val="100000"/>
-                <a:satMod val="130000"/>
-              </a:schemeClr>
-            </a:gs>
-            <a:gs pos="100000">
-              <a:schemeClr val="phClr">
-                <a:tint val="50000"/>
-                <a:shade val="100000"/>
-                <a:satMod val="350000"/>
-              </a:schemeClr>
-            </a:gs>
-          </a:gsLst>
-          <a:lin ang="16200000" scaled="0"/>
-        </a:gradFill>
-      </a:fillStyleLst>
-      <a:lnStyleLst>
-        <a:ln w="9525" cap="flat" cmpd="sng" algn="ctr">
-          <a:solidFill>
-            <a:schemeClr val="phClr">
-              <a:shade val="95000"/>
-              <a:satMod val="105000"/>
-            </a:schemeClr>
-          </a:solidFill>
-          <a:prstDash val="solid"/>
-        </a:ln>
-        <a:ln w="25400" cap="flat" cmpd="sng" algn="ctr">
-          <a:solidFill>
-            <a:schemeClr val="phClr"/>
-          </a:solidFill>
-          <a:prstDash val="solid"/>
-        </a:ln>
-        <a:ln w="38100" cap="flat" cmpd="sng" algn="ctr">
-          <a:solidFill>
-            <a:schemeClr val="phClr"/>
-          </a:solidFill>
-          <a:prstDash val="solid"/>
-        </a:ln>
-      </a:lnStyleLst>
-      <a:effectStyleLst>
-        <a:effectStyle>
-          <a:effectLst>
-            <a:outerShdw blurRad="40000" dist="20000" dir="5400000" rotWithShape="0">
-              <a:srgbClr val="000000">
-                <a:alpha val="38000"/>
-              </a:srgbClr>
-            </a:outerShdw>
-          </a:effectLst>
-        </a:effectStyle>
-        <a:effectStyle>
-          <a:effectLst>
-            <a:outerShdw blurRad="40000" dist="23000" dir="5400000" rotWithShape="0">
-              <a:srgbClr val="000000">
-                <a:alpha val="35000"/>
-              </a:srgbClr>
-            </a:outerShdw>
-          </a:effectLst>
-        </a:effectStyle>
-        <a:effectStyle>
-          <a:effectLst>
-            <a:outerShdw blurRad="40000" dist="23000" dir="5400000" rotWithShape="0">
-              <a:srgbClr val="000000">
-                <a:alpha val="35000"/>
-              </a:srgbClr>
-            </a:outerShdw>
-          </a:effectLst>
-          <a:scene3d>
-            <a:camera prst="orthographicFront">
-              <a:rot lat="0" lon="0" rev="0"/>
-            </a:camera>
-            <a:lightRig rig="threePt" dir="t">
-              <a:rot lat="0" lon="0" rev="1200000"/>
-            </a:lightRig>
-          </a:scene3d>
-          <a:sp3d>
-            <a:bevelT w="63500" h="25400"/>
-          </a:sp3d>
-        </a:effectStyle>
-      </a:effectStyleLst>
-      <a:bgFillStyleLst>
-        <a:solidFill>
-          <a:schemeClr val="phClr"/>
-        </a:solidFill>
-        <a:gradFill rotWithShape="1">
-          <a:gsLst>
-            <a:gs pos="0">
-              <a:schemeClr val="phClr">
-                <a:tint val="40000"/>
-                <a:satMod val="350000"/>
-              </a:schemeClr>
-            </a:gs>
-            <a:gs pos="40000">
-              <a:schemeClr val="phClr">
-                <a:tint val="45000"/>
-                <a:shade val="99000"/>
-                <a:satMod val="350000"/>
-              </a:schemeClr>
-            </a:gs>
-            <a:gs pos="100000">
-              <a:schemeClr val="phClr">
-                <a:shade val="20000"/>
-                <a:satMod val="255000"/>
-              </a:schemeClr>
-            </a:gs>
-          </a:gsLst>
-          <a:path path="circle">
-            <a:fillToRect l="50000" t="-80000" r="50000" b="180000"/>
-          </a:path>
-        </a:gradFill>
-        <a:gradFill rotWithShape="1">
-          <a:gsLst>
-            <a:gs pos="0">
-              <a:schemeClr val="phClr">
-                <a:tint val="80000"/>
-                <a:satMod val="300000"/>
-              </a:schemeClr>
-            </a:gs>
-            <a:gs pos="100000">
-              <a:schemeClr val="phClr">
-                <a:shade val="30000"/>
-                <a:satMod val="200000"/>
-              </a:schemeClr>
-            </a:gs>
-          </a:gsLst>
-          <a:path path="circle">
-            <a:fillToRect l="50000" t="50000" r="50000" b="50000"/>
-          </a:path>
-        </a:gradFill>
-      </a:bgFillStyleLst>
-    </a:fmtScheme>
-  </a:themeElements>
+  <a:objectDefaults/>
+  <a:extraClrSchemeLst/>
 </a:theme>
 </file>